--- a/docs/SC/poster_sc_sup.pptx
+++ b/docs/SC/poster_sc_sup.pptx
@@ -6,7 +6,7 @@
     <p:sldMasterId id="2147483672" r:id="rId2"/>
   </p:sldMasterIdLst>
   <p:notesMasterIdLst>
-    <p:notesMasterId r:id="rId21"/>
+    <p:notesMasterId r:id="rId23"/>
   </p:notesMasterIdLst>
   <p:sldIdLst>
     <p:sldId id="259" r:id="rId3"/>
@@ -15,18 +15,20 @@
     <p:sldId id="262" r:id="rId6"/>
     <p:sldId id="271" r:id="rId7"/>
     <p:sldId id="272" r:id="rId8"/>
-    <p:sldId id="261" r:id="rId9"/>
-    <p:sldId id="256" r:id="rId10"/>
-    <p:sldId id="257" r:id="rId11"/>
-    <p:sldId id="258" r:id="rId12"/>
-    <p:sldId id="263" r:id="rId13"/>
-    <p:sldId id="264" r:id="rId14"/>
-    <p:sldId id="265" r:id="rId15"/>
-    <p:sldId id="266" r:id="rId16"/>
-    <p:sldId id="267" r:id="rId17"/>
-    <p:sldId id="268" r:id="rId18"/>
-    <p:sldId id="269" r:id="rId19"/>
-    <p:sldId id="270" r:id="rId20"/>
+    <p:sldId id="274" r:id="rId9"/>
+    <p:sldId id="261" r:id="rId10"/>
+    <p:sldId id="256" r:id="rId11"/>
+    <p:sldId id="257" r:id="rId12"/>
+    <p:sldId id="258" r:id="rId13"/>
+    <p:sldId id="263" r:id="rId14"/>
+    <p:sldId id="264" r:id="rId15"/>
+    <p:sldId id="265" r:id="rId16"/>
+    <p:sldId id="266" r:id="rId17"/>
+    <p:sldId id="267" r:id="rId18"/>
+    <p:sldId id="268" r:id="rId19"/>
+    <p:sldId id="269" r:id="rId20"/>
+    <p:sldId id="275" r:id="rId21"/>
+    <p:sldId id="270" r:id="rId22"/>
   </p:sldIdLst>
   <p:sldSz cx="12192000" cy="6858000"/>
   <p:notesSz cx="6858000" cy="9144000"/>
@@ -13989,7 +13991,7 @@
           <a:p>
             <a:fld id="{37726DAF-8658-4913-9C6E-1EAD39A39696}" type="datetimeFigureOut">
               <a:rPr lang="zh-CN" altLang="en-US" smtClean="0"/>
-              <a:t>2019/9/10</a:t>
+              <a:t>2019/9/12</a:t>
             </a:fld>
             <a:endParaRPr lang="zh-CN" altLang="en-US"/>
           </a:p>
@@ -14321,7 +14323,7 @@
           <a:p>
             <a:fld id="{A89629D6-F737-42E3-A002-0AED09341B4F}" type="slidenum">
               <a:rPr lang="zh-CN" altLang="en-US" smtClean="0"/>
-              <a:t>9</a:t>
+              <a:t>10</a:t>
             </a:fld>
             <a:endParaRPr lang="zh-CN" altLang="en-US"/>
           </a:p>
@@ -14405,7 +14407,7 @@
           <a:p>
             <a:fld id="{A89629D6-F737-42E3-A002-0AED09341B4F}" type="slidenum">
               <a:rPr lang="zh-CN" altLang="en-US" smtClean="0"/>
-              <a:t>17</a:t>
+              <a:t>18</a:t>
             </a:fld>
             <a:endParaRPr lang="zh-CN" altLang="en-US"/>
           </a:p>
@@ -14566,7 +14568,7 @@
           <a:p>
             <a:fld id="{1A5730AE-4B4E-4B22-BE08-583CD5730F23}" type="datetimeFigureOut">
               <a:rPr lang="zh-CN" altLang="en-US" smtClean="0"/>
-              <a:t>2019/9/10</a:t>
+              <a:t>2019/9/12</a:t>
             </a:fld>
             <a:endParaRPr lang="zh-CN" altLang="en-US"/>
           </a:p>
@@ -14736,7 +14738,7 @@
           <a:p>
             <a:fld id="{1A5730AE-4B4E-4B22-BE08-583CD5730F23}" type="datetimeFigureOut">
               <a:rPr lang="zh-CN" altLang="en-US" smtClean="0"/>
-              <a:t>2019/9/10</a:t>
+              <a:t>2019/9/12</a:t>
             </a:fld>
             <a:endParaRPr lang="zh-CN" altLang="en-US"/>
           </a:p>
@@ -14916,7 +14918,7 @@
           <a:p>
             <a:fld id="{1A5730AE-4B4E-4B22-BE08-583CD5730F23}" type="datetimeFigureOut">
               <a:rPr lang="zh-CN" altLang="en-US" smtClean="0"/>
-              <a:t>2019/9/10</a:t>
+              <a:t>2019/9/12</a:t>
             </a:fld>
             <a:endParaRPr lang="zh-CN" altLang="en-US"/>
           </a:p>
@@ -15119,7 +15121,7 @@
           <a:p>
             <a:fld id="{1A5730AE-4B4E-4B22-BE08-583CD5730F23}" type="datetimeFigureOut">
               <a:rPr lang="zh-CN" altLang="en-US" smtClean="0"/>
-              <a:t>2019/9/10</a:t>
+              <a:t>2019/9/12</a:t>
             </a:fld>
             <a:endParaRPr lang="zh-CN" altLang="en-US"/>
           </a:p>
@@ -15289,7 +15291,7 @@
           <a:p>
             <a:fld id="{1A5730AE-4B4E-4B22-BE08-583CD5730F23}" type="datetimeFigureOut">
               <a:rPr lang="zh-CN" altLang="en-US" smtClean="0"/>
-              <a:t>2019/9/10</a:t>
+              <a:t>2019/9/12</a:t>
             </a:fld>
             <a:endParaRPr lang="zh-CN" altLang="en-US"/>
           </a:p>
@@ -15540,7 +15542,7 @@
           <a:p>
             <a:fld id="{1A5730AE-4B4E-4B22-BE08-583CD5730F23}" type="datetimeFigureOut">
               <a:rPr lang="zh-CN" altLang="en-US" smtClean="0"/>
-              <a:t>2019/9/10</a:t>
+              <a:t>2019/9/12</a:t>
             </a:fld>
             <a:endParaRPr lang="zh-CN" altLang="en-US"/>
           </a:p>
@@ -15772,7 +15774,7 @@
           <a:p>
             <a:fld id="{1A5730AE-4B4E-4B22-BE08-583CD5730F23}" type="datetimeFigureOut">
               <a:rPr lang="zh-CN" altLang="en-US" smtClean="0"/>
-              <a:t>2019/9/10</a:t>
+              <a:t>2019/9/12</a:t>
             </a:fld>
             <a:endParaRPr lang="zh-CN" altLang="en-US"/>
           </a:p>
@@ -16119,7 +16121,7 @@
           <a:p>
             <a:fld id="{1A5730AE-4B4E-4B22-BE08-583CD5730F23}" type="datetimeFigureOut">
               <a:rPr lang="zh-CN" altLang="en-US" smtClean="0"/>
-              <a:t>2019/9/10</a:t>
+              <a:t>2019/9/12</a:t>
             </a:fld>
             <a:endParaRPr lang="zh-CN" altLang="en-US"/>
           </a:p>
@@ -16237,7 +16239,7 @@
           <a:p>
             <a:fld id="{1A5730AE-4B4E-4B22-BE08-583CD5730F23}" type="datetimeFigureOut">
               <a:rPr lang="zh-CN" altLang="en-US" smtClean="0"/>
-              <a:t>2019/9/10</a:t>
+              <a:t>2019/9/12</a:t>
             </a:fld>
             <a:endParaRPr lang="zh-CN" altLang="en-US"/>
           </a:p>
@@ -16355,7 +16357,7 @@
           <a:p>
             <a:fld id="{1A5730AE-4B4E-4B22-BE08-583CD5730F23}" type="datetimeFigureOut">
               <a:rPr lang="zh-CN" altLang="en-US" smtClean="0"/>
-              <a:t>2019/9/10</a:t>
+              <a:t>2019/9/12</a:t>
             </a:fld>
             <a:endParaRPr lang="zh-CN" altLang="en-US"/>
           </a:p>
@@ -16639,7 +16641,7 @@
           <a:p>
             <a:fld id="{1A5730AE-4B4E-4B22-BE08-583CD5730F23}" type="datetimeFigureOut">
               <a:rPr lang="zh-CN" altLang="en-US" smtClean="0"/>
-              <a:t>2019/9/10</a:t>
+              <a:t>2019/9/12</a:t>
             </a:fld>
             <a:endParaRPr lang="zh-CN" altLang="en-US"/>
           </a:p>
@@ -16809,7 +16811,7 @@
           <a:p>
             <a:fld id="{1A5730AE-4B4E-4B22-BE08-583CD5730F23}" type="datetimeFigureOut">
               <a:rPr lang="zh-CN" altLang="en-US" smtClean="0"/>
-              <a:t>2019/9/10</a:t>
+              <a:t>2019/9/12</a:t>
             </a:fld>
             <a:endParaRPr lang="zh-CN" altLang="en-US"/>
           </a:p>
@@ -17073,7 +17075,7 @@
           <a:p>
             <a:fld id="{1A5730AE-4B4E-4B22-BE08-583CD5730F23}" type="datetimeFigureOut">
               <a:rPr lang="zh-CN" altLang="en-US" smtClean="0"/>
-              <a:t>2019/9/10</a:t>
+              <a:t>2019/9/12</a:t>
             </a:fld>
             <a:endParaRPr lang="zh-CN" altLang="en-US"/>
           </a:p>
@@ -17243,7 +17245,7 @@
           <a:p>
             <a:fld id="{1A5730AE-4B4E-4B22-BE08-583CD5730F23}" type="datetimeFigureOut">
               <a:rPr lang="zh-CN" altLang="en-US" smtClean="0"/>
-              <a:t>2019/9/10</a:t>
+              <a:t>2019/9/12</a:t>
             </a:fld>
             <a:endParaRPr lang="zh-CN" altLang="en-US"/>
           </a:p>
@@ -17423,7 +17425,7 @@
           <a:p>
             <a:fld id="{1A5730AE-4B4E-4B22-BE08-583CD5730F23}" type="datetimeFigureOut">
               <a:rPr lang="zh-CN" altLang="en-US" smtClean="0"/>
-              <a:t>2019/9/10</a:t>
+              <a:t>2019/9/12</a:t>
             </a:fld>
             <a:endParaRPr lang="zh-CN" altLang="en-US"/>
           </a:p>
@@ -17674,7 +17676,7 @@
           <a:p>
             <a:fld id="{1A5730AE-4B4E-4B22-BE08-583CD5730F23}" type="datetimeFigureOut">
               <a:rPr lang="zh-CN" altLang="en-US" smtClean="0"/>
-              <a:t>2019/9/10</a:t>
+              <a:t>2019/9/12</a:t>
             </a:fld>
             <a:endParaRPr lang="zh-CN" altLang="en-US"/>
           </a:p>
@@ -17906,7 +17908,7 @@
           <a:p>
             <a:fld id="{1A5730AE-4B4E-4B22-BE08-583CD5730F23}" type="datetimeFigureOut">
               <a:rPr lang="zh-CN" altLang="en-US" smtClean="0"/>
-              <a:t>2019/9/10</a:t>
+              <a:t>2019/9/12</a:t>
             </a:fld>
             <a:endParaRPr lang="zh-CN" altLang="en-US"/>
           </a:p>
@@ -18253,7 +18255,7 @@
           <a:p>
             <a:fld id="{1A5730AE-4B4E-4B22-BE08-583CD5730F23}" type="datetimeFigureOut">
               <a:rPr lang="zh-CN" altLang="en-US" smtClean="0"/>
-              <a:t>2019/9/10</a:t>
+              <a:t>2019/9/12</a:t>
             </a:fld>
             <a:endParaRPr lang="zh-CN" altLang="en-US"/>
           </a:p>
@@ -18371,7 +18373,7 @@
           <a:p>
             <a:fld id="{1A5730AE-4B4E-4B22-BE08-583CD5730F23}" type="datetimeFigureOut">
               <a:rPr lang="zh-CN" altLang="en-US" smtClean="0"/>
-              <a:t>2019/9/10</a:t>
+              <a:t>2019/9/12</a:t>
             </a:fld>
             <a:endParaRPr lang="zh-CN" altLang="en-US"/>
           </a:p>
@@ -18489,7 +18491,7 @@
           <a:p>
             <a:fld id="{1A5730AE-4B4E-4B22-BE08-583CD5730F23}" type="datetimeFigureOut">
               <a:rPr lang="zh-CN" altLang="en-US" smtClean="0"/>
-              <a:t>2019/9/10</a:t>
+              <a:t>2019/9/12</a:t>
             </a:fld>
             <a:endParaRPr lang="zh-CN" altLang="en-US"/>
           </a:p>
@@ -18773,7 +18775,7 @@
           <a:p>
             <a:fld id="{1A5730AE-4B4E-4B22-BE08-583CD5730F23}" type="datetimeFigureOut">
               <a:rPr lang="zh-CN" altLang="en-US" smtClean="0"/>
-              <a:t>2019/9/10</a:t>
+              <a:t>2019/9/12</a:t>
             </a:fld>
             <a:endParaRPr lang="zh-CN" altLang="en-US"/>
           </a:p>
@@ -19037,7 +19039,7 @@
           <a:p>
             <a:fld id="{1A5730AE-4B4E-4B22-BE08-583CD5730F23}" type="datetimeFigureOut">
               <a:rPr lang="zh-CN" altLang="en-US" smtClean="0"/>
-              <a:t>2019/9/10</a:t>
+              <a:t>2019/9/12</a:t>
             </a:fld>
             <a:endParaRPr lang="zh-CN" altLang="en-US"/>
           </a:p>
@@ -19251,7 +19253,7 @@
           <a:p>
             <a:fld id="{1A5730AE-4B4E-4B22-BE08-583CD5730F23}" type="datetimeFigureOut">
               <a:rPr lang="zh-CN" altLang="en-US" smtClean="0"/>
-              <a:t>2019/9/10</a:t>
+              <a:t>2019/9/12</a:t>
             </a:fld>
             <a:endParaRPr lang="zh-CN" altLang="en-US"/>
           </a:p>
@@ -19781,7 +19783,7 @@
           <a:p>
             <a:fld id="{1A5730AE-4B4E-4B22-BE08-583CD5730F23}" type="datetimeFigureOut">
               <a:rPr lang="zh-CN" altLang="en-US" smtClean="0"/>
-              <a:t>2019/9/10</a:t>
+              <a:t>2019/9/12</a:t>
             </a:fld>
             <a:endParaRPr lang="zh-CN" altLang="en-US"/>
           </a:p>
@@ -20269,6 +20271,2652 @@
 </file>
 
 <file path=ppt/slides/slide10.xml><?xml version="1.0" encoding="utf-8"?>
+<p:sld xmlns:a="http://schemas.openxmlformats.org/drawingml/2006/main" xmlns:r="http://schemas.openxmlformats.org/officeDocument/2006/relationships" xmlns:p="http://schemas.openxmlformats.org/presentationml/2006/main">
+  <p:cSld>
+    <p:bg>
+      <p:bgPr>
+        <a:solidFill>
+          <a:schemeClr val="bg1"/>
+        </a:solidFill>
+        <a:effectLst/>
+      </p:bgPr>
+    </p:bg>
+    <p:spTree>
+      <p:nvGrpSpPr>
+        <p:cNvPr id="1" name=""/>
+        <p:cNvGrpSpPr/>
+        <p:nvPr/>
+      </p:nvGrpSpPr>
+      <p:grpSpPr>
+        <a:xfrm>
+          <a:off x="0" y="0"/>
+          <a:ext cx="0" cy="0"/>
+          <a:chOff x="0" y="0"/>
+          <a:chExt cx="0" cy="0"/>
+        </a:xfrm>
+      </p:grpSpPr>
+      <p:grpSp>
+        <p:nvGrpSpPr>
+          <p:cNvPr id="9" name="组合 8">
+            <a:extLst>
+              <a:ext uri="{FF2B5EF4-FFF2-40B4-BE49-F238E27FC236}">
+                <a16:creationId xmlns:a16="http://schemas.microsoft.com/office/drawing/2014/main" id="{6F5E679C-3913-4317-AD22-18A3C94E3B1D}"/>
+              </a:ext>
+            </a:extLst>
+          </p:cNvPr>
+          <p:cNvGrpSpPr/>
+          <p:nvPr/>
+        </p:nvGrpSpPr>
+        <p:grpSpPr>
+          <a:xfrm>
+            <a:off x="2062446" y="1158924"/>
+            <a:ext cx="2225945" cy="1073947"/>
+            <a:chOff x="6364499" y="1023567"/>
+            <a:chExt cx="3458952" cy="1668833"/>
+          </a:xfrm>
+        </p:grpSpPr>
+        <p:sp>
+          <p:nvSpPr>
+            <p:cNvPr id="11" name="椭圆 10">
+              <a:extLst>
+                <a:ext uri="{FF2B5EF4-FFF2-40B4-BE49-F238E27FC236}">
+                  <a16:creationId xmlns:a16="http://schemas.microsoft.com/office/drawing/2014/main" id="{9CB8289D-5D1C-492D-881A-B0C5E4260C0C}"/>
+                </a:ext>
+              </a:extLst>
+            </p:cNvPr>
+            <p:cNvSpPr/>
+            <p:nvPr/>
+          </p:nvSpPr>
+          <p:spPr>
+            <a:xfrm>
+              <a:off x="7951260" y="1023567"/>
+              <a:ext cx="376026" cy="376026"/>
+            </a:xfrm>
+            <a:prstGeom prst="ellipse">
+              <a:avLst/>
+            </a:prstGeom>
+          </p:spPr>
+          <p:style>
+            <a:lnRef idx="2">
+              <a:schemeClr val="accent1">
+                <a:shade val="50000"/>
+              </a:schemeClr>
+            </a:lnRef>
+            <a:fillRef idx="1">
+              <a:schemeClr val="accent1"/>
+            </a:fillRef>
+            <a:effectRef idx="0">
+              <a:schemeClr val="accent1"/>
+            </a:effectRef>
+            <a:fontRef idx="minor">
+              <a:schemeClr val="lt1"/>
+            </a:fontRef>
+          </p:style>
+          <p:txBody>
+            <a:bodyPr rtlCol="0" anchor="ctr"/>
+            <a:lstStyle/>
+            <a:p>
+              <a:pPr algn="ctr"/>
+              <a:endParaRPr lang="zh-CN" altLang="en-US"/>
+            </a:p>
+          </p:txBody>
+        </p:sp>
+        <p:sp>
+          <p:nvSpPr>
+            <p:cNvPr id="12" name="椭圆 11">
+              <a:extLst>
+                <a:ext uri="{FF2B5EF4-FFF2-40B4-BE49-F238E27FC236}">
+                  <a16:creationId xmlns:a16="http://schemas.microsoft.com/office/drawing/2014/main" id="{0A08C3EE-857D-45C5-9CB3-EE982B256436}"/>
+                </a:ext>
+              </a:extLst>
+            </p:cNvPr>
+            <p:cNvSpPr/>
+            <p:nvPr/>
+          </p:nvSpPr>
+          <p:spPr>
+            <a:xfrm>
+              <a:off x="6657975" y="1880896"/>
+              <a:ext cx="215900" cy="215900"/>
+            </a:xfrm>
+            <a:prstGeom prst="ellipse">
+              <a:avLst/>
+            </a:prstGeom>
+          </p:spPr>
+          <p:style>
+            <a:lnRef idx="2">
+              <a:schemeClr val="accent1">
+                <a:shade val="50000"/>
+              </a:schemeClr>
+            </a:lnRef>
+            <a:fillRef idx="1">
+              <a:schemeClr val="accent1"/>
+            </a:fillRef>
+            <a:effectRef idx="0">
+              <a:schemeClr val="accent1"/>
+            </a:effectRef>
+            <a:fontRef idx="minor">
+              <a:schemeClr val="lt1"/>
+            </a:fontRef>
+          </p:style>
+          <p:txBody>
+            <a:bodyPr rtlCol="0" anchor="ctr"/>
+            <a:lstStyle/>
+            <a:p>
+              <a:pPr algn="ctr"/>
+              <a:endParaRPr lang="zh-CN" altLang="en-US"/>
+            </a:p>
+          </p:txBody>
+        </p:sp>
+        <p:sp>
+          <p:nvSpPr>
+            <p:cNvPr id="13" name="椭圆 12">
+              <a:extLst>
+                <a:ext uri="{FF2B5EF4-FFF2-40B4-BE49-F238E27FC236}">
+                  <a16:creationId xmlns:a16="http://schemas.microsoft.com/office/drawing/2014/main" id="{93FFAFDA-3DBA-48CF-9C8B-900F944F9856}"/>
+                </a:ext>
+              </a:extLst>
+            </p:cNvPr>
+            <p:cNvSpPr/>
+            <p:nvPr/>
+          </p:nvSpPr>
+          <p:spPr>
+            <a:xfrm>
+              <a:off x="7543271" y="1880896"/>
+              <a:ext cx="215900" cy="215900"/>
+            </a:xfrm>
+            <a:prstGeom prst="ellipse">
+              <a:avLst/>
+            </a:prstGeom>
+          </p:spPr>
+          <p:style>
+            <a:lnRef idx="2">
+              <a:schemeClr val="accent1">
+                <a:shade val="50000"/>
+              </a:schemeClr>
+            </a:lnRef>
+            <a:fillRef idx="1">
+              <a:schemeClr val="accent1"/>
+            </a:fillRef>
+            <a:effectRef idx="0">
+              <a:schemeClr val="accent1"/>
+            </a:effectRef>
+            <a:fontRef idx="minor">
+              <a:schemeClr val="lt1"/>
+            </a:fontRef>
+          </p:style>
+          <p:txBody>
+            <a:bodyPr rtlCol="0" anchor="ctr"/>
+            <a:lstStyle/>
+            <a:p>
+              <a:pPr algn="ctr"/>
+              <a:endParaRPr lang="zh-CN" altLang="en-US"/>
+            </a:p>
+          </p:txBody>
+        </p:sp>
+        <p:sp>
+          <p:nvSpPr>
+            <p:cNvPr id="14" name="椭圆 13">
+              <a:extLst>
+                <a:ext uri="{FF2B5EF4-FFF2-40B4-BE49-F238E27FC236}">
+                  <a16:creationId xmlns:a16="http://schemas.microsoft.com/office/drawing/2014/main" id="{E8801D15-54F9-4BD2-953E-3D78AA0DE3EB}"/>
+                </a:ext>
+              </a:extLst>
+            </p:cNvPr>
+            <p:cNvSpPr/>
+            <p:nvPr/>
+          </p:nvSpPr>
+          <p:spPr>
+            <a:xfrm>
+              <a:off x="8406659" y="1875842"/>
+              <a:ext cx="215900" cy="215900"/>
+            </a:xfrm>
+            <a:prstGeom prst="ellipse">
+              <a:avLst/>
+            </a:prstGeom>
+          </p:spPr>
+          <p:style>
+            <a:lnRef idx="2">
+              <a:schemeClr val="accent1">
+                <a:shade val="50000"/>
+              </a:schemeClr>
+            </a:lnRef>
+            <a:fillRef idx="1">
+              <a:schemeClr val="accent1"/>
+            </a:fillRef>
+            <a:effectRef idx="0">
+              <a:schemeClr val="accent1"/>
+            </a:effectRef>
+            <a:fontRef idx="minor">
+              <a:schemeClr val="lt1"/>
+            </a:fontRef>
+          </p:style>
+          <p:txBody>
+            <a:bodyPr rtlCol="0" anchor="ctr"/>
+            <a:lstStyle/>
+            <a:p>
+              <a:pPr algn="ctr"/>
+              <a:endParaRPr lang="zh-CN" altLang="en-US"/>
+            </a:p>
+          </p:txBody>
+        </p:sp>
+        <p:sp>
+          <p:nvSpPr>
+            <p:cNvPr id="15" name="椭圆 14">
+              <a:extLst>
+                <a:ext uri="{FF2B5EF4-FFF2-40B4-BE49-F238E27FC236}">
+                  <a16:creationId xmlns:a16="http://schemas.microsoft.com/office/drawing/2014/main" id="{F8A756C1-74A0-42D0-AEE8-D55D67C55C29}"/>
+                </a:ext>
+              </a:extLst>
+            </p:cNvPr>
+            <p:cNvSpPr/>
+            <p:nvPr/>
+          </p:nvSpPr>
+          <p:spPr>
+            <a:xfrm>
+              <a:off x="9318308" y="1875842"/>
+              <a:ext cx="215900" cy="215900"/>
+            </a:xfrm>
+            <a:prstGeom prst="ellipse">
+              <a:avLst/>
+            </a:prstGeom>
+          </p:spPr>
+          <p:style>
+            <a:lnRef idx="2">
+              <a:schemeClr val="accent1">
+                <a:shade val="50000"/>
+              </a:schemeClr>
+            </a:lnRef>
+            <a:fillRef idx="1">
+              <a:schemeClr val="accent1"/>
+            </a:fillRef>
+            <a:effectRef idx="0">
+              <a:schemeClr val="accent1"/>
+            </a:effectRef>
+            <a:fontRef idx="minor">
+              <a:schemeClr val="lt1"/>
+            </a:fontRef>
+          </p:style>
+          <p:txBody>
+            <a:bodyPr rtlCol="0" anchor="ctr"/>
+            <a:lstStyle/>
+            <a:p>
+              <a:pPr algn="ctr"/>
+              <a:endParaRPr lang="zh-CN" altLang="en-US"/>
+            </a:p>
+          </p:txBody>
+        </p:sp>
+        <p:sp>
+          <p:nvSpPr>
+            <p:cNvPr id="16" name="椭圆 15">
+              <a:extLst>
+                <a:ext uri="{FF2B5EF4-FFF2-40B4-BE49-F238E27FC236}">
+                  <a16:creationId xmlns:a16="http://schemas.microsoft.com/office/drawing/2014/main" id="{DACB3A29-B66F-412C-9696-9E7062C8E2E8}"/>
+                </a:ext>
+              </a:extLst>
+            </p:cNvPr>
+            <p:cNvSpPr/>
+            <p:nvPr/>
+          </p:nvSpPr>
+          <p:spPr>
+            <a:xfrm>
+              <a:off x="6364499" y="2559050"/>
+              <a:ext cx="133350" cy="133350"/>
+            </a:xfrm>
+            <a:prstGeom prst="ellipse">
+              <a:avLst/>
+            </a:prstGeom>
+          </p:spPr>
+          <p:style>
+            <a:lnRef idx="2">
+              <a:schemeClr val="accent1">
+                <a:shade val="50000"/>
+              </a:schemeClr>
+            </a:lnRef>
+            <a:fillRef idx="1">
+              <a:schemeClr val="accent1"/>
+            </a:fillRef>
+            <a:effectRef idx="0">
+              <a:schemeClr val="accent1"/>
+            </a:effectRef>
+            <a:fontRef idx="minor">
+              <a:schemeClr val="lt1"/>
+            </a:fontRef>
+          </p:style>
+          <p:txBody>
+            <a:bodyPr rtlCol="0" anchor="ctr"/>
+            <a:lstStyle/>
+            <a:p>
+              <a:pPr algn="ctr"/>
+              <a:endParaRPr lang="zh-CN" altLang="en-US"/>
+            </a:p>
+          </p:txBody>
+        </p:sp>
+        <p:sp>
+          <p:nvSpPr>
+            <p:cNvPr id="17" name="椭圆 16">
+              <a:extLst>
+                <a:ext uri="{FF2B5EF4-FFF2-40B4-BE49-F238E27FC236}">
+                  <a16:creationId xmlns:a16="http://schemas.microsoft.com/office/drawing/2014/main" id="{94FC0088-6B9A-4237-912C-4F7C8BDC9B7C}"/>
+                </a:ext>
+              </a:extLst>
+            </p:cNvPr>
+            <p:cNvSpPr/>
+            <p:nvPr/>
+          </p:nvSpPr>
+          <p:spPr>
+            <a:xfrm>
+              <a:off x="6583574" y="2559050"/>
+              <a:ext cx="133350" cy="133350"/>
+            </a:xfrm>
+            <a:prstGeom prst="ellipse">
+              <a:avLst/>
+            </a:prstGeom>
+          </p:spPr>
+          <p:style>
+            <a:lnRef idx="2">
+              <a:schemeClr val="accent1">
+                <a:shade val="50000"/>
+              </a:schemeClr>
+            </a:lnRef>
+            <a:fillRef idx="1">
+              <a:schemeClr val="accent1"/>
+            </a:fillRef>
+            <a:effectRef idx="0">
+              <a:schemeClr val="accent1"/>
+            </a:effectRef>
+            <a:fontRef idx="minor">
+              <a:schemeClr val="lt1"/>
+            </a:fontRef>
+          </p:style>
+          <p:txBody>
+            <a:bodyPr rtlCol="0" anchor="ctr"/>
+            <a:lstStyle/>
+            <a:p>
+              <a:pPr algn="ctr"/>
+              <a:endParaRPr lang="zh-CN" altLang="en-US"/>
+            </a:p>
+          </p:txBody>
+        </p:sp>
+        <p:sp>
+          <p:nvSpPr>
+            <p:cNvPr id="18" name="椭圆 17">
+              <a:extLst>
+                <a:ext uri="{FF2B5EF4-FFF2-40B4-BE49-F238E27FC236}">
+                  <a16:creationId xmlns:a16="http://schemas.microsoft.com/office/drawing/2014/main" id="{EC4424D3-1406-4757-92DB-E7792EBFB39B}"/>
+                </a:ext>
+              </a:extLst>
+            </p:cNvPr>
+            <p:cNvSpPr/>
+            <p:nvPr/>
+          </p:nvSpPr>
+          <p:spPr>
+            <a:xfrm>
+              <a:off x="6807200" y="2559050"/>
+              <a:ext cx="133350" cy="133350"/>
+            </a:xfrm>
+            <a:prstGeom prst="ellipse">
+              <a:avLst/>
+            </a:prstGeom>
+          </p:spPr>
+          <p:style>
+            <a:lnRef idx="2">
+              <a:schemeClr val="accent1">
+                <a:shade val="50000"/>
+              </a:schemeClr>
+            </a:lnRef>
+            <a:fillRef idx="1">
+              <a:schemeClr val="accent1"/>
+            </a:fillRef>
+            <a:effectRef idx="0">
+              <a:schemeClr val="accent1"/>
+            </a:effectRef>
+            <a:fontRef idx="minor">
+              <a:schemeClr val="lt1"/>
+            </a:fontRef>
+          </p:style>
+          <p:txBody>
+            <a:bodyPr rtlCol="0" anchor="ctr"/>
+            <a:lstStyle/>
+            <a:p>
+              <a:pPr algn="ctr"/>
+              <a:endParaRPr lang="zh-CN" altLang="en-US"/>
+            </a:p>
+          </p:txBody>
+        </p:sp>
+        <p:sp>
+          <p:nvSpPr>
+            <p:cNvPr id="19" name="椭圆 18">
+              <a:extLst>
+                <a:ext uri="{FF2B5EF4-FFF2-40B4-BE49-F238E27FC236}">
+                  <a16:creationId xmlns:a16="http://schemas.microsoft.com/office/drawing/2014/main" id="{029E2A9D-0FE0-4500-81FC-CFAE35852F79}"/>
+                </a:ext>
+              </a:extLst>
+            </p:cNvPr>
+            <p:cNvSpPr/>
+            <p:nvPr/>
+          </p:nvSpPr>
+          <p:spPr>
+            <a:xfrm>
+              <a:off x="7030826" y="2559050"/>
+              <a:ext cx="133350" cy="133350"/>
+            </a:xfrm>
+            <a:prstGeom prst="ellipse">
+              <a:avLst/>
+            </a:prstGeom>
+          </p:spPr>
+          <p:style>
+            <a:lnRef idx="2">
+              <a:schemeClr val="accent1">
+                <a:shade val="50000"/>
+              </a:schemeClr>
+            </a:lnRef>
+            <a:fillRef idx="1">
+              <a:schemeClr val="accent1"/>
+            </a:fillRef>
+            <a:effectRef idx="0">
+              <a:schemeClr val="accent1"/>
+            </a:effectRef>
+            <a:fontRef idx="minor">
+              <a:schemeClr val="lt1"/>
+            </a:fontRef>
+          </p:style>
+          <p:txBody>
+            <a:bodyPr rtlCol="0" anchor="ctr"/>
+            <a:lstStyle/>
+            <a:p>
+              <a:pPr algn="ctr"/>
+              <a:endParaRPr lang="zh-CN" altLang="en-US"/>
+            </a:p>
+          </p:txBody>
+        </p:sp>
+        <p:sp>
+          <p:nvSpPr>
+            <p:cNvPr id="20" name="椭圆 19">
+              <a:extLst>
+                <a:ext uri="{FF2B5EF4-FFF2-40B4-BE49-F238E27FC236}">
+                  <a16:creationId xmlns:a16="http://schemas.microsoft.com/office/drawing/2014/main" id="{E71392FE-9DC1-4FF6-8916-9A85EB8C1D39}"/>
+                </a:ext>
+              </a:extLst>
+            </p:cNvPr>
+            <p:cNvSpPr/>
+            <p:nvPr/>
+          </p:nvSpPr>
+          <p:spPr>
+            <a:xfrm>
+              <a:off x="7249478" y="2559050"/>
+              <a:ext cx="133350" cy="133350"/>
+            </a:xfrm>
+            <a:prstGeom prst="ellipse">
+              <a:avLst/>
+            </a:prstGeom>
+          </p:spPr>
+          <p:style>
+            <a:lnRef idx="2">
+              <a:schemeClr val="accent6">
+                <a:shade val="50000"/>
+              </a:schemeClr>
+            </a:lnRef>
+            <a:fillRef idx="1">
+              <a:schemeClr val="accent6"/>
+            </a:fillRef>
+            <a:effectRef idx="0">
+              <a:schemeClr val="accent6"/>
+            </a:effectRef>
+            <a:fontRef idx="minor">
+              <a:schemeClr val="lt1"/>
+            </a:fontRef>
+          </p:style>
+          <p:txBody>
+            <a:bodyPr rtlCol="0" anchor="ctr"/>
+            <a:lstStyle/>
+            <a:p>
+              <a:pPr algn="ctr"/>
+              <a:endParaRPr lang="zh-CN" altLang="en-US"/>
+            </a:p>
+          </p:txBody>
+        </p:sp>
+        <p:sp>
+          <p:nvSpPr>
+            <p:cNvPr id="21" name="椭圆 20">
+              <a:extLst>
+                <a:ext uri="{FF2B5EF4-FFF2-40B4-BE49-F238E27FC236}">
+                  <a16:creationId xmlns:a16="http://schemas.microsoft.com/office/drawing/2014/main" id="{94D1A3DA-9009-4022-9FD1-87BF5697D594}"/>
+                </a:ext>
+              </a:extLst>
+            </p:cNvPr>
+            <p:cNvSpPr/>
+            <p:nvPr/>
+          </p:nvSpPr>
+          <p:spPr>
+            <a:xfrm>
+              <a:off x="7468553" y="2559050"/>
+              <a:ext cx="133350" cy="133350"/>
+            </a:xfrm>
+            <a:prstGeom prst="ellipse">
+              <a:avLst/>
+            </a:prstGeom>
+          </p:spPr>
+          <p:style>
+            <a:lnRef idx="2">
+              <a:schemeClr val="accent6">
+                <a:shade val="50000"/>
+              </a:schemeClr>
+            </a:lnRef>
+            <a:fillRef idx="1">
+              <a:schemeClr val="accent6"/>
+            </a:fillRef>
+            <a:effectRef idx="0">
+              <a:schemeClr val="accent6"/>
+            </a:effectRef>
+            <a:fontRef idx="minor">
+              <a:schemeClr val="lt1"/>
+            </a:fontRef>
+          </p:style>
+          <p:txBody>
+            <a:bodyPr rtlCol="0" anchor="ctr"/>
+            <a:lstStyle/>
+            <a:p>
+              <a:pPr algn="ctr"/>
+              <a:endParaRPr lang="zh-CN" altLang="en-US"/>
+            </a:p>
+          </p:txBody>
+        </p:sp>
+        <p:sp>
+          <p:nvSpPr>
+            <p:cNvPr id="22" name="椭圆 21">
+              <a:extLst>
+                <a:ext uri="{FF2B5EF4-FFF2-40B4-BE49-F238E27FC236}">
+                  <a16:creationId xmlns:a16="http://schemas.microsoft.com/office/drawing/2014/main" id="{FBBABBF5-E541-4C48-AB45-9A0E4ED070B9}"/>
+                </a:ext>
+              </a:extLst>
+            </p:cNvPr>
+            <p:cNvSpPr/>
+            <p:nvPr/>
+          </p:nvSpPr>
+          <p:spPr>
+            <a:xfrm>
+              <a:off x="7692179" y="2559050"/>
+              <a:ext cx="133350" cy="133350"/>
+            </a:xfrm>
+            <a:prstGeom prst="ellipse">
+              <a:avLst/>
+            </a:prstGeom>
+          </p:spPr>
+          <p:style>
+            <a:lnRef idx="2">
+              <a:schemeClr val="accent1">
+                <a:shade val="50000"/>
+              </a:schemeClr>
+            </a:lnRef>
+            <a:fillRef idx="1">
+              <a:schemeClr val="accent1"/>
+            </a:fillRef>
+            <a:effectRef idx="0">
+              <a:schemeClr val="accent1"/>
+            </a:effectRef>
+            <a:fontRef idx="minor">
+              <a:schemeClr val="lt1"/>
+            </a:fontRef>
+          </p:style>
+          <p:txBody>
+            <a:bodyPr rtlCol="0" anchor="ctr"/>
+            <a:lstStyle/>
+            <a:p>
+              <a:pPr algn="ctr"/>
+              <a:endParaRPr lang="zh-CN" altLang="en-US"/>
+            </a:p>
+          </p:txBody>
+        </p:sp>
+        <p:sp>
+          <p:nvSpPr>
+            <p:cNvPr id="23" name="椭圆 22">
+              <a:extLst>
+                <a:ext uri="{FF2B5EF4-FFF2-40B4-BE49-F238E27FC236}">
+                  <a16:creationId xmlns:a16="http://schemas.microsoft.com/office/drawing/2014/main" id="{4B4DD4BF-D99E-4E1F-B7D1-F295CD139896}"/>
+                </a:ext>
+              </a:extLst>
+            </p:cNvPr>
+            <p:cNvSpPr/>
+            <p:nvPr/>
+          </p:nvSpPr>
+          <p:spPr>
+            <a:xfrm>
+              <a:off x="7915805" y="2559050"/>
+              <a:ext cx="133350" cy="133350"/>
+            </a:xfrm>
+            <a:prstGeom prst="ellipse">
+              <a:avLst/>
+            </a:prstGeom>
+          </p:spPr>
+          <p:style>
+            <a:lnRef idx="2">
+              <a:schemeClr val="accent6">
+                <a:shade val="50000"/>
+              </a:schemeClr>
+            </a:lnRef>
+            <a:fillRef idx="1">
+              <a:schemeClr val="accent6"/>
+            </a:fillRef>
+            <a:effectRef idx="0">
+              <a:schemeClr val="accent6"/>
+            </a:effectRef>
+            <a:fontRef idx="minor">
+              <a:schemeClr val="lt1"/>
+            </a:fontRef>
+          </p:style>
+          <p:txBody>
+            <a:bodyPr rtlCol="0" anchor="ctr"/>
+            <a:lstStyle/>
+            <a:p>
+              <a:pPr algn="ctr"/>
+              <a:endParaRPr lang="zh-CN" altLang="en-US"/>
+            </a:p>
+          </p:txBody>
+        </p:sp>
+        <p:sp>
+          <p:nvSpPr>
+            <p:cNvPr id="24" name="椭圆 23">
+              <a:extLst>
+                <a:ext uri="{FF2B5EF4-FFF2-40B4-BE49-F238E27FC236}">
+                  <a16:creationId xmlns:a16="http://schemas.microsoft.com/office/drawing/2014/main" id="{5766205C-9736-4913-929C-E5CAADC284A2}"/>
+                </a:ext>
+              </a:extLst>
+            </p:cNvPr>
+            <p:cNvSpPr/>
+            <p:nvPr/>
+          </p:nvSpPr>
+          <p:spPr>
+            <a:xfrm>
+              <a:off x="8138795" y="2559050"/>
+              <a:ext cx="133350" cy="133350"/>
+            </a:xfrm>
+            <a:prstGeom prst="ellipse">
+              <a:avLst/>
+            </a:prstGeom>
+          </p:spPr>
+          <p:style>
+            <a:lnRef idx="2">
+              <a:schemeClr val="accent6">
+                <a:shade val="50000"/>
+              </a:schemeClr>
+            </a:lnRef>
+            <a:fillRef idx="1">
+              <a:schemeClr val="accent6"/>
+            </a:fillRef>
+            <a:effectRef idx="0">
+              <a:schemeClr val="accent6"/>
+            </a:effectRef>
+            <a:fontRef idx="minor">
+              <a:schemeClr val="lt1"/>
+            </a:fontRef>
+          </p:style>
+          <p:txBody>
+            <a:bodyPr rtlCol="0" anchor="ctr"/>
+            <a:lstStyle/>
+            <a:p>
+              <a:pPr algn="ctr"/>
+              <a:endParaRPr lang="zh-CN" altLang="en-US"/>
+            </a:p>
+          </p:txBody>
+        </p:sp>
+        <p:sp>
+          <p:nvSpPr>
+            <p:cNvPr id="25" name="椭圆 24">
+              <a:extLst>
+                <a:ext uri="{FF2B5EF4-FFF2-40B4-BE49-F238E27FC236}">
+                  <a16:creationId xmlns:a16="http://schemas.microsoft.com/office/drawing/2014/main" id="{07DEA0BC-E108-4254-9DEF-A4A2DAC94997}"/>
+                </a:ext>
+              </a:extLst>
+            </p:cNvPr>
+            <p:cNvSpPr/>
+            <p:nvPr/>
+          </p:nvSpPr>
+          <p:spPr>
+            <a:xfrm>
+              <a:off x="8357870" y="2559050"/>
+              <a:ext cx="133350" cy="133350"/>
+            </a:xfrm>
+            <a:prstGeom prst="ellipse">
+              <a:avLst/>
+            </a:prstGeom>
+          </p:spPr>
+          <p:style>
+            <a:lnRef idx="2">
+              <a:schemeClr val="accent1">
+                <a:shade val="50000"/>
+              </a:schemeClr>
+            </a:lnRef>
+            <a:fillRef idx="1">
+              <a:schemeClr val="accent1"/>
+            </a:fillRef>
+            <a:effectRef idx="0">
+              <a:schemeClr val="accent1"/>
+            </a:effectRef>
+            <a:fontRef idx="minor">
+              <a:schemeClr val="lt1"/>
+            </a:fontRef>
+          </p:style>
+          <p:txBody>
+            <a:bodyPr rtlCol="0" anchor="ctr"/>
+            <a:lstStyle/>
+            <a:p>
+              <a:pPr algn="ctr"/>
+              <a:endParaRPr lang="zh-CN" altLang="en-US"/>
+            </a:p>
+          </p:txBody>
+        </p:sp>
+        <p:sp>
+          <p:nvSpPr>
+            <p:cNvPr id="26" name="椭圆 25">
+              <a:extLst>
+                <a:ext uri="{FF2B5EF4-FFF2-40B4-BE49-F238E27FC236}">
+                  <a16:creationId xmlns:a16="http://schemas.microsoft.com/office/drawing/2014/main" id="{5C2A9AD5-9D3D-4CC7-A22F-9D44C87F2D84}"/>
+                </a:ext>
+              </a:extLst>
+            </p:cNvPr>
+            <p:cNvSpPr/>
+            <p:nvPr/>
+          </p:nvSpPr>
+          <p:spPr>
+            <a:xfrm>
+              <a:off x="8581496" y="2559050"/>
+              <a:ext cx="133350" cy="133350"/>
+            </a:xfrm>
+            <a:prstGeom prst="ellipse">
+              <a:avLst/>
+            </a:prstGeom>
+          </p:spPr>
+          <p:style>
+            <a:lnRef idx="2">
+              <a:schemeClr val="accent6">
+                <a:shade val="50000"/>
+              </a:schemeClr>
+            </a:lnRef>
+            <a:fillRef idx="1">
+              <a:schemeClr val="accent6"/>
+            </a:fillRef>
+            <a:effectRef idx="0">
+              <a:schemeClr val="accent6"/>
+            </a:effectRef>
+            <a:fontRef idx="minor">
+              <a:schemeClr val="lt1"/>
+            </a:fontRef>
+          </p:style>
+          <p:txBody>
+            <a:bodyPr rtlCol="0" anchor="ctr"/>
+            <a:lstStyle/>
+            <a:p>
+              <a:pPr algn="ctr"/>
+              <a:endParaRPr lang="zh-CN" altLang="en-US"/>
+            </a:p>
+          </p:txBody>
+        </p:sp>
+        <p:sp>
+          <p:nvSpPr>
+            <p:cNvPr id="27" name="椭圆 26">
+              <a:extLst>
+                <a:ext uri="{FF2B5EF4-FFF2-40B4-BE49-F238E27FC236}">
+                  <a16:creationId xmlns:a16="http://schemas.microsoft.com/office/drawing/2014/main" id="{1D80DDC8-29D5-43AE-A4DD-4749A1DFFD9C}"/>
+                </a:ext>
+              </a:extLst>
+            </p:cNvPr>
+            <p:cNvSpPr/>
+            <p:nvPr/>
+          </p:nvSpPr>
+          <p:spPr>
+            <a:xfrm>
+              <a:off x="8805122" y="2559050"/>
+              <a:ext cx="133350" cy="133350"/>
+            </a:xfrm>
+            <a:prstGeom prst="ellipse">
+              <a:avLst/>
+            </a:prstGeom>
+          </p:spPr>
+          <p:style>
+            <a:lnRef idx="2">
+              <a:schemeClr val="accent6">
+                <a:shade val="50000"/>
+              </a:schemeClr>
+            </a:lnRef>
+            <a:fillRef idx="1">
+              <a:schemeClr val="accent6"/>
+            </a:fillRef>
+            <a:effectRef idx="0">
+              <a:schemeClr val="accent6"/>
+            </a:effectRef>
+            <a:fontRef idx="minor">
+              <a:schemeClr val="lt1"/>
+            </a:fontRef>
+          </p:style>
+          <p:txBody>
+            <a:bodyPr rtlCol="0" anchor="ctr"/>
+            <a:lstStyle/>
+            <a:p>
+              <a:pPr algn="ctr"/>
+              <a:endParaRPr lang="zh-CN" altLang="en-US"/>
+            </a:p>
+          </p:txBody>
+        </p:sp>
+        <p:sp>
+          <p:nvSpPr>
+            <p:cNvPr id="28" name="椭圆 27">
+              <a:extLst>
+                <a:ext uri="{FF2B5EF4-FFF2-40B4-BE49-F238E27FC236}">
+                  <a16:creationId xmlns:a16="http://schemas.microsoft.com/office/drawing/2014/main" id="{5987023E-F2B6-46CF-9D46-D5F7F37CDAB7}"/>
+                </a:ext>
+              </a:extLst>
+            </p:cNvPr>
+            <p:cNvSpPr/>
+            <p:nvPr/>
+          </p:nvSpPr>
+          <p:spPr>
+            <a:xfrm>
+              <a:off x="9023774" y="2559050"/>
+              <a:ext cx="133350" cy="133350"/>
+            </a:xfrm>
+            <a:prstGeom prst="ellipse">
+              <a:avLst/>
+            </a:prstGeom>
+          </p:spPr>
+          <p:style>
+            <a:lnRef idx="2">
+              <a:schemeClr val="accent1">
+                <a:shade val="50000"/>
+              </a:schemeClr>
+            </a:lnRef>
+            <a:fillRef idx="1">
+              <a:schemeClr val="accent1"/>
+            </a:fillRef>
+            <a:effectRef idx="0">
+              <a:schemeClr val="accent1"/>
+            </a:effectRef>
+            <a:fontRef idx="minor">
+              <a:schemeClr val="lt1"/>
+            </a:fontRef>
+          </p:style>
+          <p:txBody>
+            <a:bodyPr rtlCol="0" anchor="ctr"/>
+            <a:lstStyle/>
+            <a:p>
+              <a:pPr algn="ctr"/>
+              <a:endParaRPr lang="zh-CN" altLang="en-US"/>
+            </a:p>
+          </p:txBody>
+        </p:sp>
+        <p:sp>
+          <p:nvSpPr>
+            <p:cNvPr id="29" name="椭圆 28">
+              <a:extLst>
+                <a:ext uri="{FF2B5EF4-FFF2-40B4-BE49-F238E27FC236}">
+                  <a16:creationId xmlns:a16="http://schemas.microsoft.com/office/drawing/2014/main" id="{3DEE0AED-01AC-4EAB-AF7F-88D138DAA400}"/>
+                </a:ext>
+              </a:extLst>
+            </p:cNvPr>
+            <p:cNvSpPr/>
+            <p:nvPr/>
+          </p:nvSpPr>
+          <p:spPr>
+            <a:xfrm>
+              <a:off x="9242849" y="2559050"/>
+              <a:ext cx="133350" cy="133350"/>
+            </a:xfrm>
+            <a:prstGeom prst="ellipse">
+              <a:avLst/>
+            </a:prstGeom>
+          </p:spPr>
+          <p:style>
+            <a:lnRef idx="2">
+              <a:schemeClr val="accent1">
+                <a:shade val="50000"/>
+              </a:schemeClr>
+            </a:lnRef>
+            <a:fillRef idx="1">
+              <a:schemeClr val="accent1"/>
+            </a:fillRef>
+            <a:effectRef idx="0">
+              <a:schemeClr val="accent1"/>
+            </a:effectRef>
+            <a:fontRef idx="minor">
+              <a:schemeClr val="lt1"/>
+            </a:fontRef>
+          </p:style>
+          <p:txBody>
+            <a:bodyPr rtlCol="0" anchor="ctr"/>
+            <a:lstStyle/>
+            <a:p>
+              <a:pPr algn="ctr"/>
+              <a:endParaRPr lang="zh-CN" altLang="en-US"/>
+            </a:p>
+          </p:txBody>
+        </p:sp>
+        <p:sp>
+          <p:nvSpPr>
+            <p:cNvPr id="30" name="椭圆 29">
+              <a:extLst>
+                <a:ext uri="{FF2B5EF4-FFF2-40B4-BE49-F238E27FC236}">
+                  <a16:creationId xmlns:a16="http://schemas.microsoft.com/office/drawing/2014/main" id="{4C348875-90FD-4CFC-BBD3-A1453A987AF7}"/>
+                </a:ext>
+              </a:extLst>
+            </p:cNvPr>
+            <p:cNvSpPr/>
+            <p:nvPr/>
+          </p:nvSpPr>
+          <p:spPr>
+            <a:xfrm>
+              <a:off x="9466475" y="2559050"/>
+              <a:ext cx="133350" cy="133350"/>
+            </a:xfrm>
+            <a:prstGeom prst="ellipse">
+              <a:avLst/>
+            </a:prstGeom>
+          </p:spPr>
+          <p:style>
+            <a:lnRef idx="2">
+              <a:schemeClr val="accent1">
+                <a:shade val="50000"/>
+              </a:schemeClr>
+            </a:lnRef>
+            <a:fillRef idx="1">
+              <a:schemeClr val="accent1"/>
+            </a:fillRef>
+            <a:effectRef idx="0">
+              <a:schemeClr val="accent1"/>
+            </a:effectRef>
+            <a:fontRef idx="minor">
+              <a:schemeClr val="lt1"/>
+            </a:fontRef>
+          </p:style>
+          <p:txBody>
+            <a:bodyPr rtlCol="0" anchor="ctr"/>
+            <a:lstStyle/>
+            <a:p>
+              <a:pPr algn="ctr"/>
+              <a:endParaRPr lang="zh-CN" altLang="en-US"/>
+            </a:p>
+          </p:txBody>
+        </p:sp>
+        <p:sp>
+          <p:nvSpPr>
+            <p:cNvPr id="31" name="椭圆 30">
+              <a:extLst>
+                <a:ext uri="{FF2B5EF4-FFF2-40B4-BE49-F238E27FC236}">
+                  <a16:creationId xmlns:a16="http://schemas.microsoft.com/office/drawing/2014/main" id="{06BC2FAD-86A4-4647-A112-4FBBCC2DF320}"/>
+                </a:ext>
+              </a:extLst>
+            </p:cNvPr>
+            <p:cNvSpPr/>
+            <p:nvPr/>
+          </p:nvSpPr>
+          <p:spPr>
+            <a:xfrm>
+              <a:off x="9690101" y="2559050"/>
+              <a:ext cx="133350" cy="133350"/>
+            </a:xfrm>
+            <a:prstGeom prst="ellipse">
+              <a:avLst/>
+            </a:prstGeom>
+          </p:spPr>
+          <p:style>
+            <a:lnRef idx="2">
+              <a:schemeClr val="accent1">
+                <a:shade val="50000"/>
+              </a:schemeClr>
+            </a:lnRef>
+            <a:fillRef idx="1">
+              <a:schemeClr val="accent1"/>
+            </a:fillRef>
+            <a:effectRef idx="0">
+              <a:schemeClr val="accent1"/>
+            </a:effectRef>
+            <a:fontRef idx="minor">
+              <a:schemeClr val="lt1"/>
+            </a:fontRef>
+          </p:style>
+          <p:txBody>
+            <a:bodyPr rtlCol="0" anchor="ctr"/>
+            <a:lstStyle/>
+            <a:p>
+              <a:pPr algn="ctr"/>
+              <a:endParaRPr lang="zh-CN" altLang="en-US"/>
+            </a:p>
+          </p:txBody>
+        </p:sp>
+        <p:cxnSp>
+          <p:nvCxnSpPr>
+            <p:cNvPr id="32" name="直接连接符 31">
+              <a:extLst>
+                <a:ext uri="{FF2B5EF4-FFF2-40B4-BE49-F238E27FC236}">
+                  <a16:creationId xmlns:a16="http://schemas.microsoft.com/office/drawing/2014/main" id="{33ED0BC4-784F-4A92-8857-48C52FC7B06A}"/>
+                </a:ext>
+              </a:extLst>
+            </p:cNvPr>
+            <p:cNvCxnSpPr>
+              <a:cxnSpLocks/>
+              <a:stCxn id="12" idx="4"/>
+              <a:endCxn id="16" idx="7"/>
+            </p:cNvCxnSpPr>
+            <p:nvPr/>
+          </p:nvCxnSpPr>
+          <p:spPr>
+            <a:xfrm flipH="1">
+              <a:off x="6478320" y="2096796"/>
+              <a:ext cx="287605" cy="481783"/>
+            </a:xfrm>
+            <a:prstGeom prst="line">
+              <a:avLst/>
+            </a:prstGeom>
+          </p:spPr>
+          <p:style>
+            <a:lnRef idx="1">
+              <a:schemeClr val="accent1"/>
+            </a:lnRef>
+            <a:fillRef idx="0">
+              <a:schemeClr val="accent1"/>
+            </a:fillRef>
+            <a:effectRef idx="0">
+              <a:schemeClr val="accent1"/>
+            </a:effectRef>
+            <a:fontRef idx="minor">
+              <a:schemeClr val="tx1"/>
+            </a:fontRef>
+          </p:style>
+        </p:cxnSp>
+        <p:cxnSp>
+          <p:nvCxnSpPr>
+            <p:cNvPr id="33" name="直接连接符 32">
+              <a:extLst>
+                <a:ext uri="{FF2B5EF4-FFF2-40B4-BE49-F238E27FC236}">
+                  <a16:creationId xmlns:a16="http://schemas.microsoft.com/office/drawing/2014/main" id="{9619404F-5891-4E98-8E69-7ED87DE9C797}"/>
+                </a:ext>
+              </a:extLst>
+            </p:cNvPr>
+            <p:cNvCxnSpPr>
+              <a:cxnSpLocks/>
+              <a:stCxn id="12" idx="4"/>
+              <a:endCxn id="17" idx="0"/>
+            </p:cNvCxnSpPr>
+            <p:nvPr/>
+          </p:nvCxnSpPr>
+          <p:spPr>
+            <a:xfrm flipH="1">
+              <a:off x="6650249" y="2096796"/>
+              <a:ext cx="115676" cy="462254"/>
+            </a:xfrm>
+            <a:prstGeom prst="line">
+              <a:avLst/>
+            </a:prstGeom>
+          </p:spPr>
+          <p:style>
+            <a:lnRef idx="1">
+              <a:schemeClr val="accent1"/>
+            </a:lnRef>
+            <a:fillRef idx="0">
+              <a:schemeClr val="accent1"/>
+            </a:fillRef>
+            <a:effectRef idx="0">
+              <a:schemeClr val="accent1"/>
+            </a:effectRef>
+            <a:fontRef idx="minor">
+              <a:schemeClr val="tx1"/>
+            </a:fontRef>
+          </p:style>
+        </p:cxnSp>
+        <p:cxnSp>
+          <p:nvCxnSpPr>
+            <p:cNvPr id="34" name="直接连接符 33">
+              <a:extLst>
+                <a:ext uri="{FF2B5EF4-FFF2-40B4-BE49-F238E27FC236}">
+                  <a16:creationId xmlns:a16="http://schemas.microsoft.com/office/drawing/2014/main" id="{E59A6538-D9F6-4FD7-84CA-19D9DE272E8C}"/>
+                </a:ext>
+              </a:extLst>
+            </p:cNvPr>
+            <p:cNvCxnSpPr>
+              <a:cxnSpLocks/>
+              <a:stCxn id="12" idx="4"/>
+              <a:endCxn id="18" idx="0"/>
+            </p:cNvCxnSpPr>
+            <p:nvPr/>
+          </p:nvCxnSpPr>
+          <p:spPr>
+            <a:xfrm>
+              <a:off x="6765925" y="2096796"/>
+              <a:ext cx="107950" cy="462254"/>
+            </a:xfrm>
+            <a:prstGeom prst="line">
+              <a:avLst/>
+            </a:prstGeom>
+          </p:spPr>
+          <p:style>
+            <a:lnRef idx="1">
+              <a:schemeClr val="accent1"/>
+            </a:lnRef>
+            <a:fillRef idx="0">
+              <a:schemeClr val="accent1"/>
+            </a:fillRef>
+            <a:effectRef idx="0">
+              <a:schemeClr val="accent1"/>
+            </a:effectRef>
+            <a:fontRef idx="minor">
+              <a:schemeClr val="tx1"/>
+            </a:fontRef>
+          </p:style>
+        </p:cxnSp>
+        <p:cxnSp>
+          <p:nvCxnSpPr>
+            <p:cNvPr id="35" name="直接连接符 34">
+              <a:extLst>
+                <a:ext uri="{FF2B5EF4-FFF2-40B4-BE49-F238E27FC236}">
+                  <a16:creationId xmlns:a16="http://schemas.microsoft.com/office/drawing/2014/main" id="{216C3BEF-B0DC-45F7-B980-53FA615487A0}"/>
+                </a:ext>
+              </a:extLst>
+            </p:cNvPr>
+            <p:cNvCxnSpPr>
+              <a:cxnSpLocks/>
+              <a:stCxn id="12" idx="4"/>
+              <a:endCxn id="19" idx="0"/>
+            </p:cNvCxnSpPr>
+            <p:nvPr/>
+          </p:nvCxnSpPr>
+          <p:spPr>
+            <a:xfrm>
+              <a:off x="6765925" y="2096796"/>
+              <a:ext cx="331576" cy="462254"/>
+            </a:xfrm>
+            <a:prstGeom prst="line">
+              <a:avLst/>
+            </a:prstGeom>
+          </p:spPr>
+          <p:style>
+            <a:lnRef idx="1">
+              <a:schemeClr val="accent1"/>
+            </a:lnRef>
+            <a:fillRef idx="0">
+              <a:schemeClr val="accent1"/>
+            </a:fillRef>
+            <a:effectRef idx="0">
+              <a:schemeClr val="accent1"/>
+            </a:effectRef>
+            <a:fontRef idx="minor">
+              <a:schemeClr val="tx1"/>
+            </a:fontRef>
+          </p:style>
+        </p:cxnSp>
+        <p:cxnSp>
+          <p:nvCxnSpPr>
+            <p:cNvPr id="36" name="直接连接符 35">
+              <a:extLst>
+                <a:ext uri="{FF2B5EF4-FFF2-40B4-BE49-F238E27FC236}">
+                  <a16:creationId xmlns:a16="http://schemas.microsoft.com/office/drawing/2014/main" id="{B63D328C-D5D7-4CA8-BFA6-8E06CD779DBA}"/>
+                </a:ext>
+              </a:extLst>
+            </p:cNvPr>
+            <p:cNvCxnSpPr>
+              <a:cxnSpLocks/>
+              <a:stCxn id="13" idx="4"/>
+              <a:endCxn id="20" idx="0"/>
+            </p:cNvCxnSpPr>
+            <p:nvPr/>
+          </p:nvCxnSpPr>
+          <p:spPr>
+            <a:xfrm flipH="1">
+              <a:off x="7316153" y="2096796"/>
+              <a:ext cx="335068" cy="462254"/>
+            </a:xfrm>
+            <a:prstGeom prst="line">
+              <a:avLst/>
+            </a:prstGeom>
+          </p:spPr>
+          <p:style>
+            <a:lnRef idx="1">
+              <a:schemeClr val="accent1"/>
+            </a:lnRef>
+            <a:fillRef idx="0">
+              <a:schemeClr val="accent1"/>
+            </a:fillRef>
+            <a:effectRef idx="0">
+              <a:schemeClr val="accent1"/>
+            </a:effectRef>
+            <a:fontRef idx="minor">
+              <a:schemeClr val="tx1"/>
+            </a:fontRef>
+          </p:style>
+        </p:cxnSp>
+        <p:cxnSp>
+          <p:nvCxnSpPr>
+            <p:cNvPr id="37" name="直接连接符 36">
+              <a:extLst>
+                <a:ext uri="{FF2B5EF4-FFF2-40B4-BE49-F238E27FC236}">
+                  <a16:creationId xmlns:a16="http://schemas.microsoft.com/office/drawing/2014/main" id="{A2BD4700-57DC-4C8B-A55B-040E6E7087D3}"/>
+                </a:ext>
+              </a:extLst>
+            </p:cNvPr>
+            <p:cNvCxnSpPr>
+              <a:cxnSpLocks/>
+              <a:stCxn id="13" idx="4"/>
+              <a:endCxn id="21" idx="0"/>
+            </p:cNvCxnSpPr>
+            <p:nvPr/>
+          </p:nvCxnSpPr>
+          <p:spPr>
+            <a:xfrm flipH="1">
+              <a:off x="7535228" y="2096796"/>
+              <a:ext cx="115993" cy="462254"/>
+            </a:xfrm>
+            <a:prstGeom prst="line">
+              <a:avLst/>
+            </a:prstGeom>
+          </p:spPr>
+          <p:style>
+            <a:lnRef idx="1">
+              <a:schemeClr val="accent1"/>
+            </a:lnRef>
+            <a:fillRef idx="0">
+              <a:schemeClr val="accent1"/>
+            </a:fillRef>
+            <a:effectRef idx="0">
+              <a:schemeClr val="accent1"/>
+            </a:effectRef>
+            <a:fontRef idx="minor">
+              <a:schemeClr val="tx1"/>
+            </a:fontRef>
+          </p:style>
+        </p:cxnSp>
+        <p:cxnSp>
+          <p:nvCxnSpPr>
+            <p:cNvPr id="38" name="直接连接符 37">
+              <a:extLst>
+                <a:ext uri="{FF2B5EF4-FFF2-40B4-BE49-F238E27FC236}">
+                  <a16:creationId xmlns:a16="http://schemas.microsoft.com/office/drawing/2014/main" id="{A8A6877B-55B2-4712-B20A-573276AC8483}"/>
+                </a:ext>
+              </a:extLst>
+            </p:cNvPr>
+            <p:cNvCxnSpPr>
+              <a:cxnSpLocks/>
+              <a:stCxn id="13" idx="4"/>
+              <a:endCxn id="22" idx="0"/>
+            </p:cNvCxnSpPr>
+            <p:nvPr/>
+          </p:nvCxnSpPr>
+          <p:spPr>
+            <a:xfrm>
+              <a:off x="7651221" y="2096796"/>
+              <a:ext cx="107633" cy="462254"/>
+            </a:xfrm>
+            <a:prstGeom prst="line">
+              <a:avLst/>
+            </a:prstGeom>
+          </p:spPr>
+          <p:style>
+            <a:lnRef idx="1">
+              <a:schemeClr val="accent1"/>
+            </a:lnRef>
+            <a:fillRef idx="0">
+              <a:schemeClr val="accent1"/>
+            </a:fillRef>
+            <a:effectRef idx="0">
+              <a:schemeClr val="accent1"/>
+            </a:effectRef>
+            <a:fontRef idx="minor">
+              <a:schemeClr val="tx1"/>
+            </a:fontRef>
+          </p:style>
+        </p:cxnSp>
+        <p:cxnSp>
+          <p:nvCxnSpPr>
+            <p:cNvPr id="39" name="直接连接符 38">
+              <a:extLst>
+                <a:ext uri="{FF2B5EF4-FFF2-40B4-BE49-F238E27FC236}">
+                  <a16:creationId xmlns:a16="http://schemas.microsoft.com/office/drawing/2014/main" id="{F0882765-B5A0-491F-A9A8-EBF062DF2D41}"/>
+                </a:ext>
+              </a:extLst>
+            </p:cNvPr>
+            <p:cNvCxnSpPr>
+              <a:cxnSpLocks/>
+              <a:stCxn id="13" idx="4"/>
+              <a:endCxn id="23" idx="0"/>
+            </p:cNvCxnSpPr>
+            <p:nvPr/>
+          </p:nvCxnSpPr>
+          <p:spPr>
+            <a:xfrm>
+              <a:off x="7651221" y="2096796"/>
+              <a:ext cx="331259" cy="462254"/>
+            </a:xfrm>
+            <a:prstGeom prst="line">
+              <a:avLst/>
+            </a:prstGeom>
+          </p:spPr>
+          <p:style>
+            <a:lnRef idx="1">
+              <a:schemeClr val="accent1"/>
+            </a:lnRef>
+            <a:fillRef idx="0">
+              <a:schemeClr val="accent1"/>
+            </a:fillRef>
+            <a:effectRef idx="0">
+              <a:schemeClr val="accent1"/>
+            </a:effectRef>
+            <a:fontRef idx="minor">
+              <a:schemeClr val="tx1"/>
+            </a:fontRef>
+          </p:style>
+        </p:cxnSp>
+        <p:cxnSp>
+          <p:nvCxnSpPr>
+            <p:cNvPr id="40" name="直接连接符 39">
+              <a:extLst>
+                <a:ext uri="{FF2B5EF4-FFF2-40B4-BE49-F238E27FC236}">
+                  <a16:creationId xmlns:a16="http://schemas.microsoft.com/office/drawing/2014/main" id="{03145ECA-62BA-49D1-B10E-B9FE13E4DA62}"/>
+                </a:ext>
+              </a:extLst>
+            </p:cNvPr>
+            <p:cNvCxnSpPr>
+              <a:cxnSpLocks/>
+              <a:stCxn id="14" idx="4"/>
+              <a:endCxn id="24" idx="0"/>
+            </p:cNvCxnSpPr>
+            <p:nvPr/>
+          </p:nvCxnSpPr>
+          <p:spPr>
+            <a:xfrm flipH="1">
+              <a:off x="8205470" y="2091742"/>
+              <a:ext cx="309139" cy="467308"/>
+            </a:xfrm>
+            <a:prstGeom prst="line">
+              <a:avLst/>
+            </a:prstGeom>
+          </p:spPr>
+          <p:style>
+            <a:lnRef idx="1">
+              <a:schemeClr val="accent1"/>
+            </a:lnRef>
+            <a:fillRef idx="0">
+              <a:schemeClr val="accent1"/>
+            </a:fillRef>
+            <a:effectRef idx="0">
+              <a:schemeClr val="accent1"/>
+            </a:effectRef>
+            <a:fontRef idx="minor">
+              <a:schemeClr val="tx1"/>
+            </a:fontRef>
+          </p:style>
+        </p:cxnSp>
+        <p:cxnSp>
+          <p:nvCxnSpPr>
+            <p:cNvPr id="41" name="直接连接符 40">
+              <a:extLst>
+                <a:ext uri="{FF2B5EF4-FFF2-40B4-BE49-F238E27FC236}">
+                  <a16:creationId xmlns:a16="http://schemas.microsoft.com/office/drawing/2014/main" id="{8C031156-54DB-4311-89FA-4525A736741B}"/>
+                </a:ext>
+              </a:extLst>
+            </p:cNvPr>
+            <p:cNvCxnSpPr>
+              <a:cxnSpLocks/>
+              <a:stCxn id="14" idx="4"/>
+              <a:endCxn id="25" idx="0"/>
+            </p:cNvCxnSpPr>
+            <p:nvPr/>
+          </p:nvCxnSpPr>
+          <p:spPr>
+            <a:xfrm flipH="1">
+              <a:off x="8424545" y="2091742"/>
+              <a:ext cx="90064" cy="467308"/>
+            </a:xfrm>
+            <a:prstGeom prst="line">
+              <a:avLst/>
+            </a:prstGeom>
+          </p:spPr>
+          <p:style>
+            <a:lnRef idx="1">
+              <a:schemeClr val="accent1"/>
+            </a:lnRef>
+            <a:fillRef idx="0">
+              <a:schemeClr val="accent1"/>
+            </a:fillRef>
+            <a:effectRef idx="0">
+              <a:schemeClr val="accent1"/>
+            </a:effectRef>
+            <a:fontRef idx="minor">
+              <a:schemeClr val="tx1"/>
+            </a:fontRef>
+          </p:style>
+        </p:cxnSp>
+        <p:cxnSp>
+          <p:nvCxnSpPr>
+            <p:cNvPr id="42" name="直接连接符 41">
+              <a:extLst>
+                <a:ext uri="{FF2B5EF4-FFF2-40B4-BE49-F238E27FC236}">
+                  <a16:creationId xmlns:a16="http://schemas.microsoft.com/office/drawing/2014/main" id="{D8421FE9-D66E-4DE5-81E3-AF5710034765}"/>
+                </a:ext>
+              </a:extLst>
+            </p:cNvPr>
+            <p:cNvCxnSpPr>
+              <a:cxnSpLocks/>
+              <a:stCxn id="14" idx="4"/>
+              <a:endCxn id="26" idx="0"/>
+            </p:cNvCxnSpPr>
+            <p:nvPr/>
+          </p:nvCxnSpPr>
+          <p:spPr>
+            <a:xfrm>
+              <a:off x="8514609" y="2091742"/>
+              <a:ext cx="133562" cy="467308"/>
+            </a:xfrm>
+            <a:prstGeom prst="line">
+              <a:avLst/>
+            </a:prstGeom>
+          </p:spPr>
+          <p:style>
+            <a:lnRef idx="1">
+              <a:schemeClr val="accent1"/>
+            </a:lnRef>
+            <a:fillRef idx="0">
+              <a:schemeClr val="accent1"/>
+            </a:fillRef>
+            <a:effectRef idx="0">
+              <a:schemeClr val="accent1"/>
+            </a:effectRef>
+            <a:fontRef idx="minor">
+              <a:schemeClr val="tx1"/>
+            </a:fontRef>
+          </p:style>
+        </p:cxnSp>
+        <p:cxnSp>
+          <p:nvCxnSpPr>
+            <p:cNvPr id="43" name="直接连接符 42">
+              <a:extLst>
+                <a:ext uri="{FF2B5EF4-FFF2-40B4-BE49-F238E27FC236}">
+                  <a16:creationId xmlns:a16="http://schemas.microsoft.com/office/drawing/2014/main" id="{AE1B7AB9-6672-4A80-820B-100A140A9EF4}"/>
+                </a:ext>
+              </a:extLst>
+            </p:cNvPr>
+            <p:cNvCxnSpPr>
+              <a:cxnSpLocks/>
+              <a:stCxn id="14" idx="4"/>
+              <a:endCxn id="27" idx="0"/>
+            </p:cNvCxnSpPr>
+            <p:nvPr/>
+          </p:nvCxnSpPr>
+          <p:spPr>
+            <a:xfrm>
+              <a:off x="8514609" y="2091742"/>
+              <a:ext cx="357188" cy="467308"/>
+            </a:xfrm>
+            <a:prstGeom prst="line">
+              <a:avLst/>
+            </a:prstGeom>
+          </p:spPr>
+          <p:style>
+            <a:lnRef idx="1">
+              <a:schemeClr val="accent1"/>
+            </a:lnRef>
+            <a:fillRef idx="0">
+              <a:schemeClr val="accent1"/>
+            </a:fillRef>
+            <a:effectRef idx="0">
+              <a:schemeClr val="accent1"/>
+            </a:effectRef>
+            <a:fontRef idx="minor">
+              <a:schemeClr val="tx1"/>
+            </a:fontRef>
+          </p:style>
+        </p:cxnSp>
+        <p:cxnSp>
+          <p:nvCxnSpPr>
+            <p:cNvPr id="44" name="直接连接符 43">
+              <a:extLst>
+                <a:ext uri="{FF2B5EF4-FFF2-40B4-BE49-F238E27FC236}">
+                  <a16:creationId xmlns:a16="http://schemas.microsoft.com/office/drawing/2014/main" id="{E694632A-8266-4789-BDB5-C6517236467A}"/>
+                </a:ext>
+              </a:extLst>
+            </p:cNvPr>
+            <p:cNvCxnSpPr>
+              <a:cxnSpLocks/>
+              <a:stCxn id="15" idx="4"/>
+              <a:endCxn id="28" idx="0"/>
+            </p:cNvCxnSpPr>
+            <p:nvPr/>
+          </p:nvCxnSpPr>
+          <p:spPr>
+            <a:xfrm flipH="1">
+              <a:off x="9090449" y="2091742"/>
+              <a:ext cx="335809" cy="467308"/>
+            </a:xfrm>
+            <a:prstGeom prst="line">
+              <a:avLst/>
+            </a:prstGeom>
+          </p:spPr>
+          <p:style>
+            <a:lnRef idx="1">
+              <a:schemeClr val="accent1"/>
+            </a:lnRef>
+            <a:fillRef idx="0">
+              <a:schemeClr val="accent1"/>
+            </a:fillRef>
+            <a:effectRef idx="0">
+              <a:schemeClr val="accent1"/>
+            </a:effectRef>
+            <a:fontRef idx="minor">
+              <a:schemeClr val="tx1"/>
+            </a:fontRef>
+          </p:style>
+        </p:cxnSp>
+        <p:cxnSp>
+          <p:nvCxnSpPr>
+            <p:cNvPr id="45" name="直接连接符 44">
+              <a:extLst>
+                <a:ext uri="{FF2B5EF4-FFF2-40B4-BE49-F238E27FC236}">
+                  <a16:creationId xmlns:a16="http://schemas.microsoft.com/office/drawing/2014/main" id="{C9DF6448-3D7A-4E55-B794-96763F213DCC}"/>
+                </a:ext>
+              </a:extLst>
+            </p:cNvPr>
+            <p:cNvCxnSpPr>
+              <a:cxnSpLocks/>
+              <a:stCxn id="15" idx="4"/>
+              <a:endCxn id="29" idx="0"/>
+            </p:cNvCxnSpPr>
+            <p:nvPr/>
+          </p:nvCxnSpPr>
+          <p:spPr>
+            <a:xfrm flipH="1">
+              <a:off x="9309524" y="2091742"/>
+              <a:ext cx="116734" cy="467308"/>
+            </a:xfrm>
+            <a:prstGeom prst="line">
+              <a:avLst/>
+            </a:prstGeom>
+          </p:spPr>
+          <p:style>
+            <a:lnRef idx="1">
+              <a:schemeClr val="accent1"/>
+            </a:lnRef>
+            <a:fillRef idx="0">
+              <a:schemeClr val="accent1"/>
+            </a:fillRef>
+            <a:effectRef idx="0">
+              <a:schemeClr val="accent1"/>
+            </a:effectRef>
+            <a:fontRef idx="minor">
+              <a:schemeClr val="tx1"/>
+            </a:fontRef>
+          </p:style>
+        </p:cxnSp>
+        <p:cxnSp>
+          <p:nvCxnSpPr>
+            <p:cNvPr id="46" name="直接连接符 45">
+              <a:extLst>
+                <a:ext uri="{FF2B5EF4-FFF2-40B4-BE49-F238E27FC236}">
+                  <a16:creationId xmlns:a16="http://schemas.microsoft.com/office/drawing/2014/main" id="{852FD57B-56BE-4CB0-9DCD-C412DB99F285}"/>
+                </a:ext>
+              </a:extLst>
+            </p:cNvPr>
+            <p:cNvCxnSpPr>
+              <a:cxnSpLocks/>
+              <a:stCxn id="15" idx="4"/>
+              <a:endCxn id="30" idx="0"/>
+            </p:cNvCxnSpPr>
+            <p:nvPr/>
+          </p:nvCxnSpPr>
+          <p:spPr>
+            <a:xfrm>
+              <a:off x="9426258" y="2091742"/>
+              <a:ext cx="106892" cy="467308"/>
+            </a:xfrm>
+            <a:prstGeom prst="line">
+              <a:avLst/>
+            </a:prstGeom>
+          </p:spPr>
+          <p:style>
+            <a:lnRef idx="1">
+              <a:schemeClr val="accent1"/>
+            </a:lnRef>
+            <a:fillRef idx="0">
+              <a:schemeClr val="accent1"/>
+            </a:fillRef>
+            <a:effectRef idx="0">
+              <a:schemeClr val="accent1"/>
+            </a:effectRef>
+            <a:fontRef idx="minor">
+              <a:schemeClr val="tx1"/>
+            </a:fontRef>
+          </p:style>
+        </p:cxnSp>
+        <p:cxnSp>
+          <p:nvCxnSpPr>
+            <p:cNvPr id="47" name="直接连接符 46">
+              <a:extLst>
+                <a:ext uri="{FF2B5EF4-FFF2-40B4-BE49-F238E27FC236}">
+                  <a16:creationId xmlns:a16="http://schemas.microsoft.com/office/drawing/2014/main" id="{41A59398-C3AF-417E-B62D-6A65800D8FED}"/>
+                </a:ext>
+              </a:extLst>
+            </p:cNvPr>
+            <p:cNvCxnSpPr>
+              <a:cxnSpLocks/>
+              <a:stCxn id="15" idx="4"/>
+              <a:endCxn id="31" idx="0"/>
+            </p:cNvCxnSpPr>
+            <p:nvPr/>
+          </p:nvCxnSpPr>
+          <p:spPr>
+            <a:xfrm>
+              <a:off x="9426258" y="2091742"/>
+              <a:ext cx="330518" cy="467308"/>
+            </a:xfrm>
+            <a:prstGeom prst="line">
+              <a:avLst/>
+            </a:prstGeom>
+          </p:spPr>
+          <p:style>
+            <a:lnRef idx="1">
+              <a:schemeClr val="accent1"/>
+            </a:lnRef>
+            <a:fillRef idx="0">
+              <a:schemeClr val="accent1"/>
+            </a:fillRef>
+            <a:effectRef idx="0">
+              <a:schemeClr val="accent1"/>
+            </a:effectRef>
+            <a:fontRef idx="minor">
+              <a:schemeClr val="tx1"/>
+            </a:fontRef>
+          </p:style>
+        </p:cxnSp>
+        <p:cxnSp>
+          <p:nvCxnSpPr>
+            <p:cNvPr id="48" name="直接连接符 47">
+              <a:extLst>
+                <a:ext uri="{FF2B5EF4-FFF2-40B4-BE49-F238E27FC236}">
+                  <a16:creationId xmlns:a16="http://schemas.microsoft.com/office/drawing/2014/main" id="{793EA71A-ACD8-42E7-A2FB-FE14824203D0}"/>
+                </a:ext>
+              </a:extLst>
+            </p:cNvPr>
+            <p:cNvCxnSpPr>
+              <a:cxnSpLocks/>
+              <a:stCxn id="11" idx="4"/>
+              <a:endCxn id="12" idx="0"/>
+            </p:cNvCxnSpPr>
+            <p:nvPr/>
+          </p:nvCxnSpPr>
+          <p:spPr>
+            <a:xfrm flipH="1">
+              <a:off x="6765925" y="1399593"/>
+              <a:ext cx="1373348" cy="481303"/>
+            </a:xfrm>
+            <a:prstGeom prst="line">
+              <a:avLst/>
+            </a:prstGeom>
+          </p:spPr>
+          <p:style>
+            <a:lnRef idx="1">
+              <a:schemeClr val="accent1"/>
+            </a:lnRef>
+            <a:fillRef idx="0">
+              <a:schemeClr val="accent1"/>
+            </a:fillRef>
+            <a:effectRef idx="0">
+              <a:schemeClr val="accent1"/>
+            </a:effectRef>
+            <a:fontRef idx="minor">
+              <a:schemeClr val="tx1"/>
+            </a:fontRef>
+          </p:style>
+        </p:cxnSp>
+        <p:cxnSp>
+          <p:nvCxnSpPr>
+            <p:cNvPr id="49" name="直接连接符 48">
+              <a:extLst>
+                <a:ext uri="{FF2B5EF4-FFF2-40B4-BE49-F238E27FC236}">
+                  <a16:creationId xmlns:a16="http://schemas.microsoft.com/office/drawing/2014/main" id="{AC2F21F2-697E-4CB8-9111-6B724AF9A772}"/>
+                </a:ext>
+              </a:extLst>
+            </p:cNvPr>
+            <p:cNvCxnSpPr>
+              <a:cxnSpLocks/>
+              <a:stCxn id="11" idx="4"/>
+              <a:endCxn id="13" idx="0"/>
+            </p:cNvCxnSpPr>
+            <p:nvPr/>
+          </p:nvCxnSpPr>
+          <p:spPr>
+            <a:xfrm flipH="1">
+              <a:off x="7651221" y="1399593"/>
+              <a:ext cx="488052" cy="481303"/>
+            </a:xfrm>
+            <a:prstGeom prst="line">
+              <a:avLst/>
+            </a:prstGeom>
+          </p:spPr>
+          <p:style>
+            <a:lnRef idx="1">
+              <a:schemeClr val="accent1"/>
+            </a:lnRef>
+            <a:fillRef idx="0">
+              <a:schemeClr val="accent1"/>
+            </a:fillRef>
+            <a:effectRef idx="0">
+              <a:schemeClr val="accent1"/>
+            </a:effectRef>
+            <a:fontRef idx="minor">
+              <a:schemeClr val="tx1"/>
+            </a:fontRef>
+          </p:style>
+        </p:cxnSp>
+        <p:cxnSp>
+          <p:nvCxnSpPr>
+            <p:cNvPr id="50" name="直接连接符 49">
+              <a:extLst>
+                <a:ext uri="{FF2B5EF4-FFF2-40B4-BE49-F238E27FC236}">
+                  <a16:creationId xmlns:a16="http://schemas.microsoft.com/office/drawing/2014/main" id="{1F2DF878-E88E-4E8D-96C9-7F9700E23437}"/>
+                </a:ext>
+              </a:extLst>
+            </p:cNvPr>
+            <p:cNvCxnSpPr>
+              <a:cxnSpLocks/>
+              <a:stCxn id="11" idx="4"/>
+              <a:endCxn id="14" idx="0"/>
+            </p:cNvCxnSpPr>
+            <p:nvPr/>
+          </p:nvCxnSpPr>
+          <p:spPr>
+            <a:xfrm>
+              <a:off x="8139273" y="1399593"/>
+              <a:ext cx="375336" cy="476249"/>
+            </a:xfrm>
+            <a:prstGeom prst="line">
+              <a:avLst/>
+            </a:prstGeom>
+          </p:spPr>
+          <p:style>
+            <a:lnRef idx="1">
+              <a:schemeClr val="accent1"/>
+            </a:lnRef>
+            <a:fillRef idx="0">
+              <a:schemeClr val="accent1"/>
+            </a:fillRef>
+            <a:effectRef idx="0">
+              <a:schemeClr val="accent1"/>
+            </a:effectRef>
+            <a:fontRef idx="minor">
+              <a:schemeClr val="tx1"/>
+            </a:fontRef>
+          </p:style>
+        </p:cxnSp>
+        <p:cxnSp>
+          <p:nvCxnSpPr>
+            <p:cNvPr id="51" name="直接连接符 50">
+              <a:extLst>
+                <a:ext uri="{FF2B5EF4-FFF2-40B4-BE49-F238E27FC236}">
+                  <a16:creationId xmlns:a16="http://schemas.microsoft.com/office/drawing/2014/main" id="{F0CA19CC-1726-43F4-BA12-FCE9131C36D3}"/>
+                </a:ext>
+              </a:extLst>
+            </p:cNvPr>
+            <p:cNvCxnSpPr>
+              <a:cxnSpLocks/>
+              <a:stCxn id="11" idx="4"/>
+              <a:endCxn id="15" idx="0"/>
+            </p:cNvCxnSpPr>
+            <p:nvPr/>
+          </p:nvCxnSpPr>
+          <p:spPr>
+            <a:xfrm>
+              <a:off x="8139273" y="1399593"/>
+              <a:ext cx="1286985" cy="476249"/>
+            </a:xfrm>
+            <a:prstGeom prst="line">
+              <a:avLst/>
+            </a:prstGeom>
+          </p:spPr>
+          <p:style>
+            <a:lnRef idx="1">
+              <a:schemeClr val="accent1"/>
+            </a:lnRef>
+            <a:fillRef idx="0">
+              <a:schemeClr val="accent1"/>
+            </a:fillRef>
+            <a:effectRef idx="0">
+              <a:schemeClr val="accent1"/>
+            </a:effectRef>
+            <a:fontRef idx="minor">
+              <a:schemeClr val="tx1"/>
+            </a:fontRef>
+          </p:style>
+        </p:cxnSp>
+      </p:grpSp>
+      <p:graphicFrame>
+        <p:nvGraphicFramePr>
+          <p:cNvPr id="6" name="图示 5">
+            <a:extLst>
+              <a:ext uri="{FF2B5EF4-FFF2-40B4-BE49-F238E27FC236}">
+                <a16:creationId xmlns:a16="http://schemas.microsoft.com/office/drawing/2014/main" id="{D27C7C00-E023-45D1-BA1E-106C5AF2ED7B}"/>
+              </a:ext>
+            </a:extLst>
+          </p:cNvPr>
+          <p:cNvGraphicFramePr/>
+          <p:nvPr>
+            <p:extLst>
+              <p:ext uri="{D42A27DB-BD31-4B8C-83A1-F6EECF244321}">
+                <p14:modId xmlns:p14="http://schemas.microsoft.com/office/powerpoint/2010/main" val="2470266937"/>
+              </p:ext>
+            </p:extLst>
+          </p:nvPr>
+        </p:nvGraphicFramePr>
+        <p:xfrm>
+          <a:off x="4899846" y="-210088"/>
+          <a:ext cx="2027747" cy="3997094"/>
+        </p:xfrm>
+        <a:graphic>
+          <a:graphicData uri="http://schemas.openxmlformats.org/drawingml/2006/diagram">
+            <dgm:relIds xmlns:dgm="http://schemas.openxmlformats.org/drawingml/2006/diagram" xmlns:r="http://schemas.openxmlformats.org/officeDocument/2006/relationships" r:dm="rId3" r:lo="rId4" r:qs="rId5" r:cs="rId6"/>
+          </a:graphicData>
+        </a:graphic>
+      </p:graphicFrame>
+      <p:sp>
+        <p:nvSpPr>
+          <p:cNvPr id="7" name="箭头: 右 6">
+            <a:extLst>
+              <a:ext uri="{FF2B5EF4-FFF2-40B4-BE49-F238E27FC236}">
+                <a16:creationId xmlns:a16="http://schemas.microsoft.com/office/drawing/2014/main" id="{BD1E59CA-1BC9-4122-A9D3-C6CE0FFB71A4}"/>
+              </a:ext>
+            </a:extLst>
+          </p:cNvPr>
+          <p:cNvSpPr/>
+          <p:nvPr/>
+        </p:nvSpPr>
+        <p:spPr>
+          <a:xfrm>
+            <a:off x="4462408" y="1621178"/>
+            <a:ext cx="475212" cy="157662"/>
+          </a:xfrm>
+          <a:prstGeom prst="rightArrow">
+            <a:avLst/>
+          </a:prstGeom>
+        </p:spPr>
+        <p:style>
+          <a:lnRef idx="2">
+            <a:schemeClr val="accent1">
+              <a:shade val="50000"/>
+            </a:schemeClr>
+          </a:lnRef>
+          <a:fillRef idx="1">
+            <a:schemeClr val="accent1"/>
+          </a:fillRef>
+          <a:effectRef idx="0">
+            <a:schemeClr val="accent1"/>
+          </a:effectRef>
+          <a:fontRef idx="minor">
+            <a:schemeClr val="lt1"/>
+          </a:fontRef>
+        </p:style>
+        <p:txBody>
+          <a:bodyPr rtlCol="0" anchor="ctr"/>
+          <a:lstStyle/>
+          <a:p>
+            <a:pPr algn="ctr"/>
+            <a:endParaRPr lang="zh-CN" altLang="en-US"/>
+          </a:p>
+        </p:txBody>
+      </p:sp>
+      <p:sp>
+        <p:nvSpPr>
+          <p:cNvPr id="52" name="文本框 51">
+            <a:extLst>
+              <a:ext uri="{FF2B5EF4-FFF2-40B4-BE49-F238E27FC236}">
+                <a16:creationId xmlns:a16="http://schemas.microsoft.com/office/drawing/2014/main" id="{B3AC26A7-B30B-4DB4-A591-2A3B87B78B86}"/>
+              </a:ext>
+            </a:extLst>
+          </p:cNvPr>
+          <p:cNvSpPr txBox="1"/>
+          <p:nvPr/>
+        </p:nvSpPr>
+        <p:spPr>
+          <a:xfrm>
+            <a:off x="3484368" y="2852138"/>
+            <a:ext cx="2668977" cy="369332"/>
+          </a:xfrm>
+          <a:prstGeom prst="rect">
+            <a:avLst/>
+          </a:prstGeom>
+          <a:noFill/>
+        </p:spPr>
+        <p:txBody>
+          <a:bodyPr wrap="square" rtlCol="0">
+            <a:spAutoFit/>
+          </a:bodyPr>
+          <a:lstStyle/>
+          <a:p>
+            <a:r>
+              <a:rPr lang="en-US" altLang="zh-CN" dirty="0"/>
+              <a:t>1. Task tree generation</a:t>
+            </a:r>
+          </a:p>
+        </p:txBody>
+      </p:sp>
+      <p:grpSp>
+        <p:nvGrpSpPr>
+          <p:cNvPr id="67" name="组合 66">
+            <a:extLst>
+              <a:ext uri="{FF2B5EF4-FFF2-40B4-BE49-F238E27FC236}">
+                <a16:creationId xmlns:a16="http://schemas.microsoft.com/office/drawing/2014/main" id="{DFF3443C-DC83-4993-BE2C-6A4609EAB198}"/>
+              </a:ext>
+            </a:extLst>
+          </p:cNvPr>
+          <p:cNvGrpSpPr/>
+          <p:nvPr/>
+        </p:nvGrpSpPr>
+        <p:grpSpPr>
+          <a:xfrm>
+            <a:off x="7771755" y="511510"/>
+            <a:ext cx="1744008" cy="2368777"/>
+            <a:chOff x="6428442" y="529339"/>
+            <a:chExt cx="1253065" cy="1765300"/>
+          </a:xfrm>
+        </p:grpSpPr>
+        <p:graphicFrame>
+          <p:nvGraphicFramePr>
+            <p:cNvPr id="53" name="图示 52">
+              <a:extLst>
+                <a:ext uri="{FF2B5EF4-FFF2-40B4-BE49-F238E27FC236}">
+                  <a16:creationId xmlns:a16="http://schemas.microsoft.com/office/drawing/2014/main" id="{601BBCE4-B8A0-484F-9388-414F15EA7F2F}"/>
+                </a:ext>
+              </a:extLst>
+            </p:cNvPr>
+            <p:cNvGraphicFramePr/>
+            <p:nvPr>
+              <p:extLst>
+                <p:ext uri="{D42A27DB-BD31-4B8C-83A1-F6EECF244321}">
+                  <p14:modId xmlns:p14="http://schemas.microsoft.com/office/powerpoint/2010/main" val="1970161294"/>
+                </p:ext>
+              </p:extLst>
+            </p:nvPr>
+          </p:nvGraphicFramePr>
+          <p:xfrm>
+            <a:off x="6687125" y="529339"/>
+            <a:ext cx="747398" cy="1765300"/>
+          </p:xfrm>
+          <a:graphic>
+            <a:graphicData uri="http://schemas.openxmlformats.org/drawingml/2006/diagram">
+              <dgm:relIds xmlns:dgm="http://schemas.openxmlformats.org/drawingml/2006/diagram" xmlns:r="http://schemas.openxmlformats.org/officeDocument/2006/relationships" r:dm="rId8" r:lo="rId9" r:qs="rId10" r:cs="rId11"/>
+            </a:graphicData>
+          </a:graphic>
+        </p:graphicFrame>
+        <p:sp>
+          <p:nvSpPr>
+            <p:cNvPr id="54" name="箭头: 右弧形 53">
+              <a:extLst>
+                <a:ext uri="{FF2B5EF4-FFF2-40B4-BE49-F238E27FC236}">
+                  <a16:creationId xmlns:a16="http://schemas.microsoft.com/office/drawing/2014/main" id="{5E8195AF-7ADE-4679-8E5B-D80D33FE8727}"/>
+                </a:ext>
+              </a:extLst>
+            </p:cNvPr>
+            <p:cNvSpPr/>
+            <p:nvPr/>
+          </p:nvSpPr>
+          <p:spPr>
+            <a:xfrm>
+              <a:off x="7434523" y="775244"/>
+              <a:ext cx="229927" cy="266156"/>
+            </a:xfrm>
+            <a:prstGeom prst="curvedLeftArrow">
+              <a:avLst/>
+            </a:prstGeom>
+          </p:spPr>
+          <p:style>
+            <a:lnRef idx="2">
+              <a:schemeClr val="accent1">
+                <a:shade val="50000"/>
+              </a:schemeClr>
+            </a:lnRef>
+            <a:fillRef idx="1">
+              <a:schemeClr val="accent1"/>
+            </a:fillRef>
+            <a:effectRef idx="0">
+              <a:schemeClr val="accent1"/>
+            </a:effectRef>
+            <a:fontRef idx="minor">
+              <a:schemeClr val="lt1"/>
+            </a:fontRef>
+          </p:style>
+          <p:txBody>
+            <a:bodyPr rtlCol="0" anchor="ctr"/>
+            <a:lstStyle/>
+            <a:p>
+              <a:pPr algn="ctr"/>
+              <a:endParaRPr lang="zh-CN" altLang="en-US">
+                <a:solidFill>
+                  <a:schemeClr val="tx1"/>
+                </a:solidFill>
+              </a:endParaRPr>
+            </a:p>
+          </p:txBody>
+        </p:sp>
+        <p:sp>
+          <p:nvSpPr>
+            <p:cNvPr id="55" name="箭头: 右弧形 54">
+              <a:extLst>
+                <a:ext uri="{FF2B5EF4-FFF2-40B4-BE49-F238E27FC236}">
+                  <a16:creationId xmlns:a16="http://schemas.microsoft.com/office/drawing/2014/main" id="{2A942F6A-E6E9-462A-A68C-CD78D857A873}"/>
+                </a:ext>
+              </a:extLst>
+            </p:cNvPr>
+            <p:cNvSpPr/>
+            <p:nvPr/>
+          </p:nvSpPr>
+          <p:spPr>
+            <a:xfrm>
+              <a:off x="7451580" y="1045991"/>
+              <a:ext cx="229927" cy="266156"/>
+            </a:xfrm>
+            <a:prstGeom prst="curvedLeftArrow">
+              <a:avLst/>
+            </a:prstGeom>
+          </p:spPr>
+          <p:style>
+            <a:lnRef idx="2">
+              <a:schemeClr val="accent1">
+                <a:shade val="50000"/>
+              </a:schemeClr>
+            </a:lnRef>
+            <a:fillRef idx="1">
+              <a:schemeClr val="accent1"/>
+            </a:fillRef>
+            <a:effectRef idx="0">
+              <a:schemeClr val="accent1"/>
+            </a:effectRef>
+            <a:fontRef idx="minor">
+              <a:schemeClr val="lt1"/>
+            </a:fontRef>
+          </p:style>
+          <p:txBody>
+            <a:bodyPr rtlCol="0" anchor="ctr"/>
+            <a:lstStyle/>
+            <a:p>
+              <a:pPr algn="ctr"/>
+              <a:endParaRPr lang="zh-CN" altLang="en-US">
+                <a:solidFill>
+                  <a:schemeClr val="tx1"/>
+                </a:solidFill>
+              </a:endParaRPr>
+            </a:p>
+          </p:txBody>
+        </p:sp>
+        <p:sp>
+          <p:nvSpPr>
+            <p:cNvPr id="57" name="箭头: 左弧形 56">
+              <a:extLst>
+                <a:ext uri="{FF2B5EF4-FFF2-40B4-BE49-F238E27FC236}">
+                  <a16:creationId xmlns:a16="http://schemas.microsoft.com/office/drawing/2014/main" id="{93797E27-7E7C-4907-BB51-D62E9E8F0046}"/>
+                </a:ext>
+              </a:extLst>
+            </p:cNvPr>
+            <p:cNvSpPr/>
+            <p:nvPr/>
+          </p:nvSpPr>
+          <p:spPr>
+            <a:xfrm>
+              <a:off x="6428442" y="735623"/>
+              <a:ext cx="258683" cy="866731"/>
+            </a:xfrm>
+            <a:prstGeom prst="curvedRightArrow">
+              <a:avLst/>
+            </a:prstGeom>
+          </p:spPr>
+          <p:style>
+            <a:lnRef idx="2">
+              <a:schemeClr val="accent1">
+                <a:shade val="50000"/>
+              </a:schemeClr>
+            </a:lnRef>
+            <a:fillRef idx="1">
+              <a:schemeClr val="accent1"/>
+            </a:fillRef>
+            <a:effectRef idx="0">
+              <a:schemeClr val="accent1"/>
+            </a:effectRef>
+            <a:fontRef idx="minor">
+              <a:schemeClr val="lt1"/>
+            </a:fontRef>
+          </p:style>
+          <p:txBody>
+            <a:bodyPr rtlCol="0" anchor="ctr"/>
+            <a:lstStyle/>
+            <a:p>
+              <a:pPr algn="ctr"/>
+              <a:endParaRPr lang="zh-CN" altLang="en-US">
+                <a:solidFill>
+                  <a:schemeClr val="tx1"/>
+                </a:solidFill>
+              </a:endParaRPr>
+            </a:p>
+          </p:txBody>
+        </p:sp>
+        <p:sp>
+          <p:nvSpPr>
+            <p:cNvPr id="58" name="箭头: 右弧形 57">
+              <a:extLst>
+                <a:ext uri="{FF2B5EF4-FFF2-40B4-BE49-F238E27FC236}">
+                  <a16:creationId xmlns:a16="http://schemas.microsoft.com/office/drawing/2014/main" id="{4DAF0605-4A04-46B6-9500-C9A8DFAE8FB8}"/>
+                </a:ext>
+              </a:extLst>
+            </p:cNvPr>
+            <p:cNvSpPr/>
+            <p:nvPr/>
+          </p:nvSpPr>
+          <p:spPr>
+            <a:xfrm>
+              <a:off x="7451580" y="1602354"/>
+              <a:ext cx="229927" cy="266156"/>
+            </a:xfrm>
+            <a:prstGeom prst="curvedLeftArrow">
+              <a:avLst/>
+            </a:prstGeom>
+          </p:spPr>
+          <p:style>
+            <a:lnRef idx="2">
+              <a:schemeClr val="accent1">
+                <a:shade val="50000"/>
+              </a:schemeClr>
+            </a:lnRef>
+            <a:fillRef idx="1">
+              <a:schemeClr val="accent1"/>
+            </a:fillRef>
+            <a:effectRef idx="0">
+              <a:schemeClr val="accent1"/>
+            </a:effectRef>
+            <a:fontRef idx="minor">
+              <a:schemeClr val="lt1"/>
+            </a:fontRef>
+          </p:style>
+          <p:txBody>
+            <a:bodyPr rtlCol="0" anchor="ctr"/>
+            <a:lstStyle/>
+            <a:p>
+              <a:pPr algn="ctr"/>
+              <a:endParaRPr lang="zh-CN" altLang="en-US">
+                <a:solidFill>
+                  <a:schemeClr val="tx1"/>
+                </a:solidFill>
+              </a:endParaRPr>
+            </a:p>
+          </p:txBody>
+        </p:sp>
+        <p:sp>
+          <p:nvSpPr>
+            <p:cNvPr id="59" name="箭头: 左弧形 58">
+              <a:extLst>
+                <a:ext uri="{FF2B5EF4-FFF2-40B4-BE49-F238E27FC236}">
+                  <a16:creationId xmlns:a16="http://schemas.microsoft.com/office/drawing/2014/main" id="{5786ABD4-4CF4-4DE7-AF43-4A949689BE78}"/>
+                </a:ext>
+              </a:extLst>
+            </p:cNvPr>
+            <p:cNvSpPr/>
+            <p:nvPr/>
+          </p:nvSpPr>
+          <p:spPr>
+            <a:xfrm>
+              <a:off x="6435801" y="1312147"/>
+              <a:ext cx="235725" cy="866731"/>
+            </a:xfrm>
+            <a:prstGeom prst="curvedRightArrow">
+              <a:avLst/>
+            </a:prstGeom>
+          </p:spPr>
+          <p:style>
+            <a:lnRef idx="2">
+              <a:schemeClr val="accent1">
+                <a:shade val="50000"/>
+              </a:schemeClr>
+            </a:lnRef>
+            <a:fillRef idx="1">
+              <a:schemeClr val="accent1"/>
+            </a:fillRef>
+            <a:effectRef idx="0">
+              <a:schemeClr val="accent1"/>
+            </a:effectRef>
+            <a:fontRef idx="minor">
+              <a:schemeClr val="lt1"/>
+            </a:fontRef>
+          </p:style>
+          <p:txBody>
+            <a:bodyPr rtlCol="0" anchor="ctr"/>
+            <a:lstStyle/>
+            <a:p>
+              <a:pPr algn="ctr"/>
+              <a:endParaRPr lang="zh-CN" altLang="en-US">
+                <a:solidFill>
+                  <a:schemeClr val="tx1"/>
+                </a:solidFill>
+              </a:endParaRPr>
+            </a:p>
+          </p:txBody>
+        </p:sp>
+        <p:sp>
+          <p:nvSpPr>
+            <p:cNvPr id="60" name="箭头: 右弧形 59">
+              <a:extLst>
+                <a:ext uri="{FF2B5EF4-FFF2-40B4-BE49-F238E27FC236}">
+                  <a16:creationId xmlns:a16="http://schemas.microsoft.com/office/drawing/2014/main" id="{ABB0F417-8723-4239-B1AF-8BB1F0263AD3}"/>
+                </a:ext>
+              </a:extLst>
+            </p:cNvPr>
+            <p:cNvSpPr/>
+            <p:nvPr/>
+          </p:nvSpPr>
+          <p:spPr>
+            <a:xfrm>
+              <a:off x="7451580" y="1892561"/>
+              <a:ext cx="229927" cy="266156"/>
+            </a:xfrm>
+            <a:prstGeom prst="curvedLeftArrow">
+              <a:avLst/>
+            </a:prstGeom>
+          </p:spPr>
+          <p:style>
+            <a:lnRef idx="2">
+              <a:schemeClr val="accent1">
+                <a:shade val="50000"/>
+              </a:schemeClr>
+            </a:lnRef>
+            <a:fillRef idx="1">
+              <a:schemeClr val="accent1"/>
+            </a:fillRef>
+            <a:effectRef idx="0">
+              <a:schemeClr val="accent1"/>
+            </a:effectRef>
+            <a:fontRef idx="minor">
+              <a:schemeClr val="lt1"/>
+            </a:fontRef>
+          </p:style>
+          <p:txBody>
+            <a:bodyPr rtlCol="0" anchor="ctr"/>
+            <a:lstStyle/>
+            <a:p>
+              <a:pPr algn="ctr"/>
+              <a:endParaRPr lang="zh-CN" altLang="en-US">
+                <a:solidFill>
+                  <a:schemeClr val="tx1"/>
+                </a:solidFill>
+              </a:endParaRPr>
+            </a:p>
+          </p:txBody>
+        </p:sp>
+      </p:grpSp>
+      <p:sp>
+        <p:nvSpPr>
+          <p:cNvPr id="61" name="文本框 60">
+            <a:extLst>
+              <a:ext uri="{FF2B5EF4-FFF2-40B4-BE49-F238E27FC236}">
+                <a16:creationId xmlns:a16="http://schemas.microsoft.com/office/drawing/2014/main" id="{FF66B005-9182-4F79-900C-6D5FAA052026}"/>
+              </a:ext>
+            </a:extLst>
+          </p:cNvPr>
+          <p:cNvSpPr txBox="1"/>
+          <p:nvPr/>
+        </p:nvSpPr>
+        <p:spPr>
+          <a:xfrm>
+            <a:off x="6522177" y="2841301"/>
+            <a:ext cx="2668977" cy="646331"/>
+          </a:xfrm>
+          <a:prstGeom prst="rect">
+            <a:avLst/>
+          </a:prstGeom>
+          <a:noFill/>
+        </p:spPr>
+        <p:txBody>
+          <a:bodyPr wrap="square" rtlCol="0">
+            <a:spAutoFit/>
+          </a:bodyPr>
+          <a:lstStyle/>
+          <a:p>
+            <a:r>
+              <a:rPr lang="en-US" altLang="zh-CN" dirty="0"/>
+              <a:t>2. Tree Flattening &amp;</a:t>
+            </a:r>
+          </a:p>
+          <a:p>
+            <a:r>
+              <a:rPr lang="en-US" altLang="zh-CN" dirty="0"/>
+              <a:t>DAG generation</a:t>
+            </a:r>
+            <a:endParaRPr lang="zh-CN" altLang="en-US" dirty="0"/>
+          </a:p>
+        </p:txBody>
+      </p:sp>
+      <p:sp>
+        <p:nvSpPr>
+          <p:cNvPr id="62" name="箭头: 右 61">
+            <a:extLst>
+              <a:ext uri="{FF2B5EF4-FFF2-40B4-BE49-F238E27FC236}">
+                <a16:creationId xmlns:a16="http://schemas.microsoft.com/office/drawing/2014/main" id="{0673DF3F-A9A6-4CF3-9DA6-CBC520A4F9A6}"/>
+              </a:ext>
+            </a:extLst>
+          </p:cNvPr>
+          <p:cNvSpPr/>
+          <p:nvPr/>
+        </p:nvSpPr>
+        <p:spPr>
+          <a:xfrm>
+            <a:off x="7094279" y="1617068"/>
+            <a:ext cx="475212" cy="157662"/>
+          </a:xfrm>
+          <a:prstGeom prst="rightArrow">
+            <a:avLst/>
+          </a:prstGeom>
+        </p:spPr>
+        <p:style>
+          <a:lnRef idx="2">
+            <a:schemeClr val="accent1">
+              <a:shade val="50000"/>
+            </a:schemeClr>
+          </a:lnRef>
+          <a:fillRef idx="1">
+            <a:schemeClr val="accent1"/>
+          </a:fillRef>
+          <a:effectRef idx="0">
+            <a:schemeClr val="accent1"/>
+          </a:effectRef>
+          <a:fontRef idx="minor">
+            <a:schemeClr val="lt1"/>
+          </a:fontRef>
+        </p:style>
+        <p:txBody>
+          <a:bodyPr rtlCol="0" anchor="ctr"/>
+          <a:lstStyle/>
+          <a:p>
+            <a:pPr algn="ctr"/>
+            <a:endParaRPr lang="zh-CN" altLang="en-US"/>
+          </a:p>
+        </p:txBody>
+      </p:sp>
+      <p:graphicFrame>
+        <p:nvGraphicFramePr>
+          <p:cNvPr id="63" name="图示 62">
+            <a:extLst>
+              <a:ext uri="{FF2B5EF4-FFF2-40B4-BE49-F238E27FC236}">
+                <a16:creationId xmlns:a16="http://schemas.microsoft.com/office/drawing/2014/main" id="{52149AC7-7FED-48E7-8CD0-C914E532FDDC}"/>
+              </a:ext>
+            </a:extLst>
+          </p:cNvPr>
+          <p:cNvGraphicFramePr/>
+          <p:nvPr>
+            <p:extLst>
+              <p:ext uri="{D42A27DB-BD31-4B8C-83A1-F6EECF244321}">
+                <p14:modId xmlns:p14="http://schemas.microsoft.com/office/powerpoint/2010/main" val="2074988956"/>
+              </p:ext>
+            </p:extLst>
+          </p:nvPr>
+        </p:nvGraphicFramePr>
+        <p:xfrm>
+          <a:off x="2409529" y="2853149"/>
+          <a:ext cx="3757725" cy="3299656"/>
+        </p:xfrm>
+        <a:graphic>
+          <a:graphicData uri="http://schemas.openxmlformats.org/drawingml/2006/diagram">
+            <dgm:relIds xmlns:dgm="http://schemas.openxmlformats.org/drawingml/2006/diagram" xmlns:r="http://schemas.openxmlformats.org/officeDocument/2006/relationships" r:dm="rId13" r:lo="rId14" r:qs="rId15" r:cs="rId16"/>
+          </a:graphicData>
+        </a:graphic>
+      </p:graphicFrame>
+      <p:sp>
+        <p:nvSpPr>
+          <p:cNvPr id="65" name="箭头: 右 64">
+            <a:extLst>
+              <a:ext uri="{FF2B5EF4-FFF2-40B4-BE49-F238E27FC236}">
+                <a16:creationId xmlns:a16="http://schemas.microsoft.com/office/drawing/2014/main" id="{32C36C02-6E85-4D6D-82B7-843C0DD437FB}"/>
+              </a:ext>
+            </a:extLst>
+          </p:cNvPr>
+          <p:cNvSpPr/>
+          <p:nvPr/>
+        </p:nvSpPr>
+        <p:spPr>
+          <a:xfrm rot="8100000">
+            <a:off x="6181398" y="3964887"/>
+            <a:ext cx="1316631" cy="166911"/>
+          </a:xfrm>
+          <a:prstGeom prst="rightArrow">
+            <a:avLst/>
+          </a:prstGeom>
+        </p:spPr>
+        <p:style>
+          <a:lnRef idx="2">
+            <a:schemeClr val="accent1">
+              <a:shade val="50000"/>
+            </a:schemeClr>
+          </a:lnRef>
+          <a:fillRef idx="1">
+            <a:schemeClr val="accent1"/>
+          </a:fillRef>
+          <a:effectRef idx="0">
+            <a:schemeClr val="accent1"/>
+          </a:effectRef>
+          <a:fontRef idx="minor">
+            <a:schemeClr val="lt1"/>
+          </a:fontRef>
+        </p:style>
+        <p:txBody>
+          <a:bodyPr rtlCol="0" anchor="ctr"/>
+          <a:lstStyle/>
+          <a:p>
+            <a:pPr algn="ctr"/>
+            <a:endParaRPr lang="zh-CN" altLang="en-US"/>
+          </a:p>
+        </p:txBody>
+      </p:sp>
+      <p:sp>
+        <p:nvSpPr>
+          <p:cNvPr id="66" name="文本框 65">
+            <a:extLst>
+              <a:ext uri="{FF2B5EF4-FFF2-40B4-BE49-F238E27FC236}">
+                <a16:creationId xmlns:a16="http://schemas.microsoft.com/office/drawing/2014/main" id="{B5CA5AF2-6956-429A-BB6A-B90C9600123D}"/>
+              </a:ext>
+            </a:extLst>
+          </p:cNvPr>
+          <p:cNvSpPr txBox="1"/>
+          <p:nvPr/>
+        </p:nvSpPr>
+        <p:spPr>
+          <a:xfrm>
+            <a:off x="2836830" y="5587424"/>
+            <a:ext cx="2668977" cy="369332"/>
+          </a:xfrm>
+          <a:prstGeom prst="rect">
+            <a:avLst/>
+          </a:prstGeom>
+          <a:noFill/>
+        </p:spPr>
+        <p:txBody>
+          <a:bodyPr wrap="square" rtlCol="0">
+            <a:spAutoFit/>
+          </a:bodyPr>
+          <a:lstStyle/>
+          <a:p>
+            <a:r>
+              <a:rPr lang="en-US" altLang="zh-CN" dirty="0"/>
+              <a:t>3. Scheduling the Tasks</a:t>
+            </a:r>
+          </a:p>
+        </p:txBody>
+      </p:sp>
+      <p:sp>
+        <p:nvSpPr>
+          <p:cNvPr id="68" name="箭头: 右 67">
+            <a:extLst>
+              <a:ext uri="{FF2B5EF4-FFF2-40B4-BE49-F238E27FC236}">
+                <a16:creationId xmlns:a16="http://schemas.microsoft.com/office/drawing/2014/main" id="{91E2D8CF-769E-42B3-BA69-60CCFB9CB550}"/>
+              </a:ext>
+            </a:extLst>
+          </p:cNvPr>
+          <p:cNvSpPr/>
+          <p:nvPr/>
+        </p:nvSpPr>
+        <p:spPr>
+          <a:xfrm>
+            <a:off x="6654248" y="4608384"/>
+            <a:ext cx="862181" cy="157662"/>
+          </a:xfrm>
+          <a:prstGeom prst="rightArrow">
+            <a:avLst/>
+          </a:prstGeom>
+        </p:spPr>
+        <p:style>
+          <a:lnRef idx="2">
+            <a:schemeClr val="accent1">
+              <a:shade val="50000"/>
+            </a:schemeClr>
+          </a:lnRef>
+          <a:fillRef idx="1">
+            <a:schemeClr val="accent1"/>
+          </a:fillRef>
+          <a:effectRef idx="0">
+            <a:schemeClr val="accent1"/>
+          </a:effectRef>
+          <a:fontRef idx="minor">
+            <a:schemeClr val="lt1"/>
+          </a:fontRef>
+        </p:style>
+        <p:txBody>
+          <a:bodyPr rtlCol="0" anchor="ctr"/>
+          <a:lstStyle/>
+          <a:p>
+            <a:pPr algn="ctr"/>
+            <a:endParaRPr lang="zh-CN" altLang="en-US"/>
+          </a:p>
+        </p:txBody>
+      </p:sp>
+      <p:sp>
+        <p:nvSpPr>
+          <p:cNvPr id="69" name="矩形 68">
+            <a:extLst>
+              <a:ext uri="{FF2B5EF4-FFF2-40B4-BE49-F238E27FC236}">
+                <a16:creationId xmlns:a16="http://schemas.microsoft.com/office/drawing/2014/main" id="{70545C09-475D-46B8-918E-939AF23A28D2}"/>
+              </a:ext>
+            </a:extLst>
+          </p:cNvPr>
+          <p:cNvSpPr/>
+          <p:nvPr/>
+        </p:nvSpPr>
+        <p:spPr>
+          <a:xfrm>
+            <a:off x="7946036" y="3603980"/>
+            <a:ext cx="1592159" cy="1887405"/>
+          </a:xfrm>
+          <a:prstGeom prst="rect">
+            <a:avLst/>
+          </a:prstGeom>
+          <a:solidFill>
+            <a:srgbClr val="7030A0"/>
+          </a:solidFill>
+        </p:spPr>
+        <p:style>
+          <a:lnRef idx="2">
+            <a:schemeClr val="accent1">
+              <a:shade val="50000"/>
+            </a:schemeClr>
+          </a:lnRef>
+          <a:fillRef idx="1">
+            <a:schemeClr val="accent1"/>
+          </a:fillRef>
+          <a:effectRef idx="0">
+            <a:schemeClr val="accent1"/>
+          </a:effectRef>
+          <a:fontRef idx="minor">
+            <a:schemeClr val="lt1"/>
+          </a:fontRef>
+        </p:style>
+        <p:txBody>
+          <a:bodyPr rtlCol="0" anchor="ctr"/>
+          <a:lstStyle/>
+          <a:p>
+            <a:pPr algn="ctr"/>
+            <a:r>
+              <a:rPr lang="en-US" altLang="zh-CN" dirty="0"/>
+              <a:t>GPU readable:</a:t>
+            </a:r>
+          </a:p>
+          <a:p>
+            <a:pPr algn="ctr"/>
+            <a:r>
+              <a:rPr lang="en-US" altLang="zh-CN" dirty="0"/>
+              <a:t>Routine IDs</a:t>
+            </a:r>
+          </a:p>
+          <a:p>
+            <a:pPr algn="ctr"/>
+            <a:r>
+              <a:rPr lang="en-US" altLang="zh-CN" dirty="0"/>
+              <a:t>Matrix Dims</a:t>
+            </a:r>
+          </a:p>
+          <a:p>
+            <a:pPr algn="ctr"/>
+            <a:r>
+              <a:rPr lang="en-US" altLang="zh-CN" dirty="0"/>
+              <a:t>Data </a:t>
+            </a:r>
+            <a:r>
+              <a:rPr lang="en-US" altLang="zh-CN" dirty="0" err="1"/>
+              <a:t>Ptrs</a:t>
+            </a:r>
+            <a:endParaRPr lang="en-US" altLang="zh-CN" dirty="0"/>
+          </a:p>
+          <a:p>
+            <a:pPr algn="ctr"/>
+            <a:r>
+              <a:rPr lang="en-US" altLang="zh-CN" dirty="0"/>
+              <a:t>…</a:t>
+            </a:r>
+          </a:p>
+        </p:txBody>
+      </p:sp>
+      <p:sp>
+        <p:nvSpPr>
+          <p:cNvPr id="70" name="文本框 69">
+            <a:extLst>
+              <a:ext uri="{FF2B5EF4-FFF2-40B4-BE49-F238E27FC236}">
+                <a16:creationId xmlns:a16="http://schemas.microsoft.com/office/drawing/2014/main" id="{EFC18ED2-FFF2-4E0C-81A9-6B1D80EAC289}"/>
+              </a:ext>
+            </a:extLst>
+          </p:cNvPr>
+          <p:cNvSpPr txBox="1"/>
+          <p:nvPr/>
+        </p:nvSpPr>
+        <p:spPr>
+          <a:xfrm>
+            <a:off x="6503035" y="5613462"/>
+            <a:ext cx="2668977" cy="369332"/>
+          </a:xfrm>
+          <a:prstGeom prst="rect">
+            <a:avLst/>
+          </a:prstGeom>
+          <a:noFill/>
+        </p:spPr>
+        <p:txBody>
+          <a:bodyPr wrap="square" rtlCol="0">
+            <a:spAutoFit/>
+          </a:bodyPr>
+          <a:lstStyle/>
+          <a:p>
+            <a:r>
+              <a:rPr lang="en-US" altLang="zh-CN" dirty="0"/>
+              <a:t>4. GPU Inst generation</a:t>
+            </a:r>
+          </a:p>
+        </p:txBody>
+      </p:sp>
+    </p:spTree>
+    <p:extLst>
+      <p:ext uri="{BB962C8B-B14F-4D97-AF65-F5344CB8AC3E}">
+        <p14:creationId xmlns:p14="http://schemas.microsoft.com/office/powerpoint/2010/main" val="4226327784"/>
+      </p:ext>
+    </p:extLst>
+  </p:cSld>
+  <p:clrMapOvr>
+    <a:masterClrMapping/>
+  </p:clrMapOvr>
+</p:sld>
+</file>
+
+<file path=ppt/slides/slide11.xml><?xml version="1.0" encoding="utf-8"?>
 <p:sld xmlns:a="http://schemas.openxmlformats.org/drawingml/2006/main" xmlns:r="http://schemas.openxmlformats.org/officeDocument/2006/relationships" xmlns:p="http://schemas.openxmlformats.org/presentationml/2006/main">
   <p:cSld>
     <p:spTree>
@@ -25725,7 +28373,7 @@
 </p:sld>
 </file>
 
-<file path=ppt/slides/slide11.xml><?xml version="1.0" encoding="utf-8"?>
+<file path=ppt/slides/slide12.xml><?xml version="1.0" encoding="utf-8"?>
 <p:sld xmlns:a="http://schemas.openxmlformats.org/drawingml/2006/main" xmlns:r="http://schemas.openxmlformats.org/officeDocument/2006/relationships" xmlns:p="http://schemas.openxmlformats.org/presentationml/2006/main">
   <p:cSld>
     <p:spTree>
@@ -25809,7 +28457,7 @@
 </p:sld>
 </file>
 
-<file path=ppt/slides/slide12.xml><?xml version="1.0" encoding="utf-8"?>
+<file path=ppt/slides/slide13.xml><?xml version="1.0" encoding="utf-8"?>
 <p:sld xmlns:a="http://schemas.openxmlformats.org/drawingml/2006/main" xmlns:r="http://schemas.openxmlformats.org/officeDocument/2006/relationships" xmlns:p="http://schemas.openxmlformats.org/presentationml/2006/main">
   <p:cSld>
     <p:spTree>
@@ -25828,10 +28476,10 @@
       </p:grpSpPr>
       <p:pic>
         <p:nvPicPr>
-          <p:cNvPr id="5" name="图片 4" descr="图片包含 文字, 地图&#10;&#10;描述已自动生成">
+          <p:cNvPr id="6" name="图片 5" descr="图片包含 文字, 地图&#10;&#10;描述已自动生成">
             <a:extLst>
               <a:ext uri="{FF2B5EF4-FFF2-40B4-BE49-F238E27FC236}">
-                <a16:creationId xmlns:a16="http://schemas.microsoft.com/office/drawing/2014/main" id="{8BA83131-6D7B-4D75-8662-62EA7A1EB8EF}"/>
+                <a16:creationId xmlns:a16="http://schemas.microsoft.com/office/drawing/2014/main" id="{CA712128-BA89-4C46-B283-9582A304E00B}"/>
               </a:ext>
             </a:extLst>
           </p:cNvPr>
@@ -25854,8 +28502,8 @@
         </p:blipFill>
         <p:spPr>
           <a:xfrm>
-            <a:off x="1498477" y="807580"/>
-            <a:ext cx="9195046" cy="5242839"/>
+            <a:off x="982462" y="537074"/>
+            <a:ext cx="10227075" cy="5783851"/>
           </a:xfrm>
           <a:prstGeom prst="rect">
             <a:avLst/>
@@ -25875,7 +28523,7 @@
 </p:sld>
 </file>
 
-<file path=ppt/slides/slide13.xml><?xml version="1.0" encoding="utf-8"?>
+<file path=ppt/slides/slide14.xml><?xml version="1.0" encoding="utf-8"?>
 <p:sld xmlns:a="http://schemas.openxmlformats.org/drawingml/2006/main" xmlns:r="http://schemas.openxmlformats.org/officeDocument/2006/relationships" xmlns:p="http://schemas.openxmlformats.org/presentationml/2006/main">
   <p:cSld>
     <p:spTree>
@@ -25941,7 +28589,7 @@
 </p:sld>
 </file>
 
-<file path=ppt/slides/slide14.xml><?xml version="1.0" encoding="utf-8"?>
+<file path=ppt/slides/slide15.xml><?xml version="1.0" encoding="utf-8"?>
 <p:sld xmlns:a="http://schemas.openxmlformats.org/drawingml/2006/main" xmlns:r="http://schemas.openxmlformats.org/officeDocument/2006/relationships" xmlns:p="http://schemas.openxmlformats.org/presentationml/2006/main">
   <p:cSld>
     <p:spTree>
@@ -26007,7 +28655,7 @@
 </p:sld>
 </file>
 
-<file path=ppt/slides/slide15.xml><?xml version="1.0" encoding="utf-8"?>
+<file path=ppt/slides/slide16.xml><?xml version="1.0" encoding="utf-8"?>
 <p:sld xmlns:a="http://schemas.openxmlformats.org/drawingml/2006/main" xmlns:r="http://schemas.openxmlformats.org/officeDocument/2006/relationships" xmlns:p="http://schemas.openxmlformats.org/presentationml/2006/main">
   <p:cSld>
     <p:spTree>
@@ -26091,7 +28739,7 @@
 </p:sld>
 </file>
 
-<file path=ppt/slides/slide16.xml><?xml version="1.0" encoding="utf-8"?>
+<file path=ppt/slides/slide17.xml><?xml version="1.0" encoding="utf-8"?>
 <p:sld xmlns:a="http://schemas.openxmlformats.org/drawingml/2006/main" xmlns:r="http://schemas.openxmlformats.org/officeDocument/2006/relationships" xmlns:p="http://schemas.openxmlformats.org/presentationml/2006/main">
   <p:cSld>
     <p:spTree>
@@ -26255,7 +28903,7 @@
 </p:sld>
 </file>
 
-<file path=ppt/slides/slide17.xml><?xml version="1.0" encoding="utf-8"?>
+<file path=ppt/slides/slide18.xml><?xml version="1.0" encoding="utf-8"?>
 <p:sld xmlns:a="http://schemas.openxmlformats.org/drawingml/2006/main" xmlns:r="http://schemas.openxmlformats.org/officeDocument/2006/relationships" xmlns:p="http://schemas.openxmlformats.org/presentationml/2006/main">
   <p:cSld>
     <p:spTree>
@@ -26392,7 +29040,7 @@
 </p:sld>
 </file>
 
-<file path=ppt/slides/slide18.xml><?xml version="1.0" encoding="utf-8"?>
+<file path=ppt/slides/slide19.xml><?xml version="1.0" encoding="utf-8"?>
 <p:sld xmlns:a="http://schemas.openxmlformats.org/drawingml/2006/main" xmlns:r="http://schemas.openxmlformats.org/officeDocument/2006/relationships" xmlns:p="http://schemas.openxmlformats.org/presentationml/2006/main">
   <p:cSld>
     <p:spTree>
@@ -26411,10 +29059,10 @@
       </p:grpSpPr>
       <p:sp>
         <p:nvSpPr>
-          <p:cNvPr id="4" name="标题 3">
+          <p:cNvPr id="2" name="标题 1">
             <a:extLst>
               <a:ext uri="{FF2B5EF4-FFF2-40B4-BE49-F238E27FC236}">
-                <a16:creationId xmlns:a16="http://schemas.microsoft.com/office/drawing/2014/main" id="{28665991-D6FE-4A85-809B-C30AC2891382}"/>
+                <a16:creationId xmlns:a16="http://schemas.microsoft.com/office/drawing/2014/main" id="{258268A9-9699-4093-B1C2-87CCE887B412}"/>
               </a:ext>
             </a:extLst>
           </p:cNvPr>
@@ -26422,7 +29070,7 @@
             <a:spLocks noGrp="1"/>
           </p:cNvSpPr>
           <p:nvPr>
-            <p:ph type="ctrTitle"/>
+            <p:ph type="title"/>
           </p:nvPr>
         </p:nvSpPr>
         <p:spPr/>
@@ -26432,7 +29080,7 @@
           <a:p>
             <a:r>
               <a:rPr lang="en-US" altLang="zh-CN" dirty="0"/>
-              <a:t>Thank you!</a:t>
+              <a:t>References</a:t>
             </a:r>
             <a:endParaRPr lang="zh-CN" altLang="en-US" dirty="0"/>
           </a:p>
@@ -26440,10 +29088,10 @@
       </p:sp>
       <p:sp>
         <p:nvSpPr>
-          <p:cNvPr id="5" name="副标题 4">
+          <p:cNvPr id="3" name="内容占位符 2">
             <a:extLst>
               <a:ext uri="{FF2B5EF4-FFF2-40B4-BE49-F238E27FC236}">
-                <a16:creationId xmlns:a16="http://schemas.microsoft.com/office/drawing/2014/main" id="{9ABBDAFE-7338-4E44-9493-01715BB8A456}"/>
+                <a16:creationId xmlns:a16="http://schemas.microsoft.com/office/drawing/2014/main" id="{D4A34813-D0B6-4FE2-9905-F4637CE4FA63}"/>
               </a:ext>
             </a:extLst>
           </p:cNvPr>
@@ -26451,26 +29099,198 @@
             <a:spLocks noGrp="1"/>
           </p:cNvSpPr>
           <p:nvPr>
-            <p:ph type="subTitle" idx="1"/>
+            <p:ph idx="1"/>
           </p:nvPr>
         </p:nvSpPr>
         <p:spPr/>
         <p:txBody>
-          <a:bodyPr/>
+          <a:bodyPr>
+            <a:normAutofit/>
+          </a:bodyPr>
           <a:lstStyle/>
           <a:p>
             <a:r>
-              <a:rPr lang="en-US" altLang="zh-CN" dirty="0"/>
-              <a:t>Any question is welcomed</a:t>
+              <a:rPr lang="en-US" altLang="zh-CN" sz="1800" dirty="0"/>
+              <a:t>Emmanuel </a:t>
             </a:r>
-            <a:endParaRPr lang="zh-CN" altLang="en-US" dirty="0"/>
+            <a:r>
+              <a:rPr lang="en-US" altLang="zh-CN" sz="1800" dirty="0" err="1"/>
+              <a:t>Agullo</a:t>
+            </a:r>
+            <a:r>
+              <a:rPr lang="en-US" altLang="zh-CN" sz="1800" dirty="0"/>
+              <a:t>, Cédric </a:t>
+            </a:r>
+            <a:r>
+              <a:rPr lang="en-US" altLang="zh-CN" sz="1800" dirty="0" err="1"/>
+              <a:t>Augonnet</a:t>
+            </a:r>
+            <a:r>
+              <a:rPr lang="en-US" altLang="zh-CN" sz="1800" dirty="0"/>
+              <a:t>, Jack </a:t>
+            </a:r>
+            <a:r>
+              <a:rPr lang="en-US" altLang="zh-CN" sz="1800" dirty="0" err="1"/>
+              <a:t>Dongarra</a:t>
+            </a:r>
+            <a:r>
+              <a:rPr lang="en-US" altLang="zh-CN" sz="1800" dirty="0"/>
+              <a:t>, Mathieu </a:t>
+            </a:r>
+            <a:r>
+              <a:rPr lang="en-US" altLang="zh-CN" sz="1800" dirty="0" err="1"/>
+              <a:t>Faverge</a:t>
+            </a:r>
+            <a:r>
+              <a:rPr lang="en-US" altLang="zh-CN" sz="1800" dirty="0"/>
+              <a:t>, Julien </a:t>
+            </a:r>
+            <a:r>
+              <a:rPr lang="en-US" altLang="zh-CN" sz="1800" dirty="0" err="1"/>
+              <a:t>Langou</a:t>
+            </a:r>
+            <a:r>
+              <a:rPr lang="en-US" altLang="zh-CN" sz="1800" dirty="0"/>
+              <a:t>, et al.. LU Factorization for Accelerator-based Systems. 9th ACS/IEEE International Conference on Computer</a:t>
+            </a:r>
+          </a:p>
+          <a:p>
+            <a:r>
+              <a:rPr lang="en-US" altLang="zh-CN" sz="1800" dirty="0"/>
+              <a:t>Systems and Applications (AICCSA 11), Jun 2011, Sharm El-Sheikh, Egypt. ffhal-00654193Jack </a:t>
+            </a:r>
+            <a:r>
+              <a:rPr lang="en-US" altLang="zh-CN" sz="1800" dirty="0" err="1"/>
+              <a:t>Dongarra</a:t>
+            </a:r>
+            <a:r>
+              <a:rPr lang="en-US" altLang="zh-CN" sz="1800" dirty="0"/>
+              <a:t>, Iain Duff, Mark Gates, Azzam Haidar, Sven </a:t>
+            </a:r>
+            <a:r>
+              <a:rPr lang="en-US" altLang="zh-CN" sz="1800" dirty="0" err="1"/>
+              <a:t>Hammarling</a:t>
+            </a:r>
+            <a:r>
+              <a:rPr lang="en-US" altLang="zh-CN" sz="1800" dirty="0"/>
+              <a:t>, Nicholas J. </a:t>
+            </a:r>
+            <a:r>
+              <a:rPr lang="en-US" altLang="zh-CN" sz="1800" dirty="0" err="1"/>
+              <a:t>Higham</a:t>
+            </a:r>
+            <a:r>
+              <a:rPr lang="en-US" altLang="zh-CN" sz="1800" dirty="0"/>
+              <a:t>, Jonathan Hogg, Pedro Valero Lara, Piotr </a:t>
+            </a:r>
+            <a:r>
+              <a:rPr lang="en-US" altLang="zh-CN" sz="1800" dirty="0" err="1"/>
+              <a:t>Luszczek</a:t>
+            </a:r>
+            <a:r>
+              <a:rPr lang="en-US" altLang="zh-CN" sz="1800" dirty="0"/>
+              <a:t>, </a:t>
+            </a:r>
+            <a:r>
+              <a:rPr lang="en-US" altLang="zh-CN" sz="1800" dirty="0" err="1"/>
+              <a:t>Mawussi</a:t>
+            </a:r>
+            <a:r>
+              <a:rPr lang="en-US" altLang="zh-CN" sz="1800" dirty="0"/>
+              <a:t> </a:t>
+            </a:r>
+            <a:r>
+              <a:rPr lang="en-US" altLang="zh-CN" sz="1800" dirty="0" err="1"/>
+              <a:t>Zounon</a:t>
+            </a:r>
+            <a:r>
+              <a:rPr lang="en-US" altLang="zh-CN" sz="1800" dirty="0"/>
+              <a:t>, Samuel D. </a:t>
+            </a:r>
+            <a:r>
+              <a:rPr lang="en-US" altLang="zh-CN" sz="1800" dirty="0" err="1"/>
+              <a:t>Relton</a:t>
+            </a:r>
+            <a:r>
+              <a:rPr lang="en-US" altLang="zh-CN" sz="1800" dirty="0"/>
+              <a:t>, </a:t>
+            </a:r>
+            <a:r>
+              <a:rPr lang="en-US" altLang="zh-CN" sz="1800" dirty="0" err="1"/>
+              <a:t>Stanimire</a:t>
+            </a:r>
+            <a:r>
+              <a:rPr lang="en-US" altLang="zh-CN" sz="1800" dirty="0"/>
+              <a:t> </a:t>
+            </a:r>
+            <a:r>
+              <a:rPr lang="en-US" altLang="zh-CN" sz="1800" dirty="0" err="1"/>
+              <a:t>Tomov</a:t>
+            </a:r>
+            <a:r>
+              <a:rPr lang="en-US" altLang="zh-CN" sz="1800" dirty="0"/>
+              <a:t>, Timothy Costa, and Sarah Knepper "Batched BLAS (Basic Linear Algebra Subprograms) 2018 Specification”, July 2018.</a:t>
+            </a:r>
+          </a:p>
+          <a:p>
+            <a:r>
+              <a:rPr lang="en-US" altLang="zh-CN" sz="1800" dirty="0"/>
+              <a:t>H. </a:t>
+            </a:r>
+            <a:r>
+              <a:rPr lang="en-US" altLang="zh-CN" sz="1800" dirty="0" err="1"/>
+              <a:t>Harbrecht</a:t>
+            </a:r>
+            <a:r>
+              <a:rPr lang="en-US" altLang="zh-CN" sz="1800" dirty="0"/>
+              <a:t> and P. </a:t>
+            </a:r>
+            <a:r>
+              <a:rPr lang="en-US" altLang="zh-CN" sz="1800" dirty="0" err="1"/>
+              <a:t>Zaspel</a:t>
+            </a:r>
+            <a:r>
+              <a:rPr lang="en-US" altLang="zh-CN" sz="1800" dirty="0"/>
+              <a:t>. A scalable H-matrix approach for the solution of boundary integral equations on multi-GPU clusters. Preprint 2018-11, </a:t>
+            </a:r>
+            <a:r>
+              <a:rPr lang="en-US" altLang="zh-CN" sz="1800" dirty="0" err="1"/>
+              <a:t>Fachbereich</a:t>
+            </a:r>
+            <a:r>
+              <a:rPr lang="en-US" altLang="zh-CN" sz="1800" dirty="0"/>
+              <a:t> </a:t>
+            </a:r>
+            <a:r>
+              <a:rPr lang="en-US" altLang="zh-CN" sz="1800" dirty="0" err="1"/>
+              <a:t>Mathematik</a:t>
+            </a:r>
+            <a:r>
+              <a:rPr lang="en-US" altLang="zh-CN" sz="1800" dirty="0"/>
+              <a:t>, Universität Basel, Switzerland, 2018.</a:t>
+            </a:r>
+          </a:p>
+          <a:p>
+            <a:r>
+              <a:rPr lang="en-US" altLang="zh-CN" sz="1800" dirty="0"/>
+              <a:t>Ronald </a:t>
+            </a:r>
+            <a:r>
+              <a:rPr lang="en-US" altLang="zh-CN" sz="1800" dirty="0" err="1"/>
+              <a:t>Kriemann</a:t>
+            </a:r>
+            <a:r>
+              <a:rPr lang="en-US" altLang="zh-CN" sz="1800" dirty="0"/>
+              <a:t>. ℋ-LU Factorization on Many-Core Systems, Computing and Visualization in Science, 16, pp. 105-117, 2013.</a:t>
+            </a:r>
+            <a:endParaRPr lang="zh-CN" altLang="en-US" sz="1800" dirty="0"/>
           </a:p>
         </p:txBody>
       </p:sp>
     </p:spTree>
     <p:extLst>
       <p:ext uri="{BB962C8B-B14F-4D97-AF65-F5344CB8AC3E}">
-        <p14:creationId xmlns:p14="http://schemas.microsoft.com/office/powerpoint/2010/main" val="2550281061"/>
+        <p14:creationId xmlns:p14="http://schemas.microsoft.com/office/powerpoint/2010/main" val="603356817"/>
       </p:ext>
     </p:extLst>
   </p:cSld>
@@ -26596,6 +29416,94 @@
     <p:extLst>
       <p:ext uri="{BB962C8B-B14F-4D97-AF65-F5344CB8AC3E}">
         <p14:creationId xmlns:p14="http://schemas.microsoft.com/office/powerpoint/2010/main" val="780687637"/>
+      </p:ext>
+    </p:extLst>
+  </p:cSld>
+  <p:clrMapOvr>
+    <a:masterClrMapping/>
+  </p:clrMapOvr>
+</p:sld>
+</file>
+
+<file path=ppt/slides/slide20.xml><?xml version="1.0" encoding="utf-8"?>
+<p:sld xmlns:a="http://schemas.openxmlformats.org/drawingml/2006/main" xmlns:r="http://schemas.openxmlformats.org/officeDocument/2006/relationships" xmlns:p="http://schemas.openxmlformats.org/presentationml/2006/main">
+  <p:cSld>
+    <p:spTree>
+      <p:nvGrpSpPr>
+        <p:cNvPr id="1" name=""/>
+        <p:cNvGrpSpPr/>
+        <p:nvPr/>
+      </p:nvGrpSpPr>
+      <p:grpSpPr>
+        <a:xfrm>
+          <a:off x="0" y="0"/>
+          <a:ext cx="0" cy="0"/>
+          <a:chOff x="0" y="0"/>
+          <a:chExt cx="0" cy="0"/>
+        </a:xfrm>
+      </p:grpSpPr>
+      <p:sp>
+        <p:nvSpPr>
+          <p:cNvPr id="4" name="标题 3">
+            <a:extLst>
+              <a:ext uri="{FF2B5EF4-FFF2-40B4-BE49-F238E27FC236}">
+                <a16:creationId xmlns:a16="http://schemas.microsoft.com/office/drawing/2014/main" id="{28665991-D6FE-4A85-809B-C30AC2891382}"/>
+              </a:ext>
+            </a:extLst>
+          </p:cNvPr>
+          <p:cNvSpPr>
+            <a:spLocks noGrp="1"/>
+          </p:cNvSpPr>
+          <p:nvPr>
+            <p:ph type="ctrTitle"/>
+          </p:nvPr>
+        </p:nvSpPr>
+        <p:spPr/>
+        <p:txBody>
+          <a:bodyPr/>
+          <a:lstStyle/>
+          <a:p>
+            <a:r>
+              <a:rPr lang="en-US" altLang="zh-CN" dirty="0"/>
+              <a:t>Thank you!</a:t>
+            </a:r>
+            <a:endParaRPr lang="zh-CN" altLang="en-US" dirty="0"/>
+          </a:p>
+        </p:txBody>
+      </p:sp>
+      <p:sp>
+        <p:nvSpPr>
+          <p:cNvPr id="5" name="副标题 4">
+            <a:extLst>
+              <a:ext uri="{FF2B5EF4-FFF2-40B4-BE49-F238E27FC236}">
+                <a16:creationId xmlns:a16="http://schemas.microsoft.com/office/drawing/2014/main" id="{9ABBDAFE-7338-4E44-9493-01715BB8A456}"/>
+              </a:ext>
+            </a:extLst>
+          </p:cNvPr>
+          <p:cNvSpPr>
+            <a:spLocks noGrp="1"/>
+          </p:cNvSpPr>
+          <p:nvPr>
+            <p:ph type="subTitle" idx="1"/>
+          </p:nvPr>
+        </p:nvSpPr>
+        <p:spPr/>
+        <p:txBody>
+          <a:bodyPr/>
+          <a:lstStyle/>
+          <a:p>
+            <a:r>
+              <a:rPr lang="en-US" altLang="zh-CN" dirty="0"/>
+              <a:t>Any question is welcomed</a:t>
+            </a:r>
+            <a:endParaRPr lang="zh-CN" altLang="en-US" dirty="0"/>
+          </a:p>
+        </p:txBody>
+      </p:sp>
+    </p:spTree>
+    <p:extLst>
+      <p:ext uri="{BB962C8B-B14F-4D97-AF65-F5344CB8AC3E}">
+        <p14:creationId xmlns:p14="http://schemas.microsoft.com/office/powerpoint/2010/main" val="2550281061"/>
       </p:ext>
     </p:extLst>
   </p:cSld>
@@ -31756,8 +34664,8 @@
         </p:nvGrpSpPr>
         <p:grpSpPr>
           <a:xfrm>
-            <a:off x="2549952" y="1389260"/>
-            <a:ext cx="7092095" cy="2185213"/>
+            <a:off x="712276" y="2034237"/>
+            <a:ext cx="3788704" cy="1167374"/>
             <a:chOff x="6906708" y="2442205"/>
             <a:chExt cx="3142167" cy="968163"/>
           </a:xfrm>
@@ -31989,7 +34897,7 @@
         </p:nvSpPr>
         <p:spPr>
           <a:xfrm>
-            <a:off x="572654" y="4365589"/>
+            <a:off x="572654" y="5368766"/>
             <a:ext cx="11046691" cy="954107"/>
           </a:xfrm>
           <a:prstGeom prst="rect">
@@ -32029,6 +34937,36 @@
           </a:p>
         </p:txBody>
       </p:sp>
+      <p:pic>
+        <p:nvPicPr>
+          <p:cNvPr id="9" name="图片 8">
+            <a:extLst>
+              <a:ext uri="{FF2B5EF4-FFF2-40B4-BE49-F238E27FC236}">
+                <a16:creationId xmlns:a16="http://schemas.microsoft.com/office/drawing/2014/main" id="{76361474-892C-471B-AC8B-909983140C62}"/>
+              </a:ext>
+            </a:extLst>
+          </p:cNvPr>
+          <p:cNvPicPr>
+            <a:picLocks noChangeAspect="1"/>
+          </p:cNvPicPr>
+          <p:nvPr/>
+        </p:nvPicPr>
+        <p:blipFill>
+          <a:blip r:embed="rId2"/>
+          <a:stretch>
+            <a:fillRect/>
+          </a:stretch>
+        </p:blipFill>
+        <p:spPr>
+          <a:xfrm>
+            <a:off x="4920754" y="581129"/>
+            <a:ext cx="6983582" cy="4529512"/>
+          </a:xfrm>
+          <a:prstGeom prst="rect">
+            <a:avLst/>
+          </a:prstGeom>
+        </p:spPr>
+      </p:pic>
     </p:spTree>
     <p:extLst>
       <p:ext uri="{BB962C8B-B14F-4D97-AF65-F5344CB8AC3E}">
@@ -32043,6 +34981,980 @@
 </file>
 
 <file path=ppt/slides/slide7.xml><?xml version="1.0" encoding="utf-8"?>
+<p:sld xmlns:a="http://schemas.openxmlformats.org/drawingml/2006/main" xmlns:r="http://schemas.openxmlformats.org/officeDocument/2006/relationships" xmlns:p="http://schemas.openxmlformats.org/presentationml/2006/main">
+  <p:cSld>
+    <p:spTree>
+      <p:nvGrpSpPr>
+        <p:cNvPr id="1" name=""/>
+        <p:cNvGrpSpPr/>
+        <p:nvPr/>
+      </p:nvGrpSpPr>
+      <p:grpSpPr>
+        <a:xfrm>
+          <a:off x="0" y="0"/>
+          <a:ext cx="0" cy="0"/>
+          <a:chOff x="0" y="0"/>
+          <a:chExt cx="0" cy="0"/>
+        </a:xfrm>
+      </p:grpSpPr>
+      <mc:AlternateContent xmlns:mc="http://schemas.openxmlformats.org/markup-compatibility/2006">
+        <mc:Choice xmlns:a14="http://schemas.microsoft.com/office/drawing/2010/main" Requires="a14">
+          <p:graphicFrame>
+            <p:nvGraphicFramePr>
+              <p:cNvPr id="2" name="表格 2">
+                <a:extLst>
+                  <a:ext uri="{FF2B5EF4-FFF2-40B4-BE49-F238E27FC236}">
+                    <a16:creationId xmlns:a16="http://schemas.microsoft.com/office/drawing/2014/main" id="{D2733A34-E91C-4199-A29C-49458537FDBA}"/>
+                  </a:ext>
+                </a:extLst>
+              </p:cNvPr>
+              <p:cNvGraphicFramePr>
+                <a:graphicFrameLocks noGrp="1"/>
+              </p:cNvGraphicFramePr>
+              <p:nvPr>
+                <p:extLst>
+                  <p:ext uri="{D42A27DB-BD31-4B8C-83A1-F6EECF244321}">
+                    <p14:modId xmlns:p14="http://schemas.microsoft.com/office/powerpoint/2010/main" val="2614149945"/>
+                  </p:ext>
+                </p:extLst>
+              </p:nvPr>
+            </p:nvGraphicFramePr>
+            <p:xfrm>
+              <a:off x="438974" y="1691322"/>
+              <a:ext cx="11327905" cy="4802244"/>
+            </p:xfrm>
+            <a:graphic>
+              <a:graphicData uri="http://schemas.openxmlformats.org/drawingml/2006/table">
+                <a:tbl>
+                  <a:tblPr firstRow="1" bandRow="1">
+                    <a:tableStyleId>{5C22544A-7EE6-4342-B048-85BDC9FD1C3A}</a:tableStyleId>
+                  </a:tblPr>
+                  <a:tblGrid>
+                    <a:gridCol w="2265581">
+                      <a:extLst>
+                        <a:ext uri="{9D8B030D-6E8A-4147-A177-3AD203B41FA5}">
+                          <a16:colId xmlns:a16="http://schemas.microsoft.com/office/drawing/2014/main" val="3079755646"/>
+                        </a:ext>
+                      </a:extLst>
+                    </a:gridCol>
+                    <a:gridCol w="2265581">
+                      <a:extLst>
+                        <a:ext uri="{9D8B030D-6E8A-4147-A177-3AD203B41FA5}">
+                          <a16:colId xmlns:a16="http://schemas.microsoft.com/office/drawing/2014/main" val="2247025876"/>
+                        </a:ext>
+                      </a:extLst>
+                    </a:gridCol>
+                    <a:gridCol w="2265581">
+                      <a:extLst>
+                        <a:ext uri="{9D8B030D-6E8A-4147-A177-3AD203B41FA5}">
+                          <a16:colId xmlns:a16="http://schemas.microsoft.com/office/drawing/2014/main" val="569511932"/>
+                        </a:ext>
+                      </a:extLst>
+                    </a:gridCol>
+                    <a:gridCol w="2265581">
+                      <a:extLst>
+                        <a:ext uri="{9D8B030D-6E8A-4147-A177-3AD203B41FA5}">
+                          <a16:colId xmlns:a16="http://schemas.microsoft.com/office/drawing/2014/main" val="2112155591"/>
+                        </a:ext>
+                      </a:extLst>
+                    </a:gridCol>
+                    <a:gridCol w="2265581">
+                      <a:extLst>
+                        <a:ext uri="{9D8B030D-6E8A-4147-A177-3AD203B41FA5}">
+                          <a16:colId xmlns:a16="http://schemas.microsoft.com/office/drawing/2014/main" val="4289670194"/>
+                        </a:ext>
+                      </a:extLst>
+                    </a:gridCol>
+                  </a:tblGrid>
+                  <a:tr h="1200561">
+                    <a:tc>
+                      <a:txBody>
+                        <a:bodyPr/>
+                        <a:lstStyle/>
+                        <a:p>
+                          <a:pPr algn="ctr"/>
+                          <a:r>
+                            <a:rPr lang="en-US" altLang="zh-CN" dirty="0"/>
+                            <a:t>Project Name</a:t>
+                          </a:r>
+                          <a:endParaRPr lang="zh-CN" altLang="en-US" dirty="0"/>
+                        </a:p>
+                      </a:txBody>
+                      <a:tcPr anchor="ctr"/>
+                    </a:tc>
+                    <a:tc>
+                      <a:txBody>
+                        <a:bodyPr/>
+                        <a:lstStyle/>
+                        <a:p>
+                          <a:pPr algn="ctr"/>
+                          <a:r>
+                            <a:rPr lang="en-US" altLang="zh-CN" dirty="0"/>
+                            <a:t>Summary</a:t>
+                          </a:r>
+                          <a:endParaRPr lang="zh-CN" altLang="en-US" dirty="0"/>
+                        </a:p>
+                      </a:txBody>
+                      <a:tcPr anchor="ctr"/>
+                    </a:tc>
+                    <a:tc>
+                      <a:txBody>
+                        <a:bodyPr/>
+                        <a:lstStyle/>
+                        <a:p>
+                          <a:pPr algn="ctr"/>
+                          <a:r>
+                            <a:rPr lang="en-US" altLang="zh-CN" dirty="0"/>
+                            <a:t>Publication Date</a:t>
+                          </a:r>
+                          <a:endParaRPr lang="zh-CN" altLang="en-US" dirty="0"/>
+                        </a:p>
+                      </a:txBody>
+                      <a:tcPr anchor="ctr"/>
+                    </a:tc>
+                    <a:tc>
+                      <a:txBody>
+                        <a:bodyPr/>
+                        <a:lstStyle/>
+                        <a:p>
+                          <a:pPr algn="ctr"/>
+                          <a:r>
+                            <a:rPr lang="en-US" altLang="zh-CN" dirty="0"/>
+                            <a:t>Supporting</a:t>
+                          </a:r>
+                          <a:endParaRPr lang="zh-CN" altLang="en-US" dirty="0"/>
+                        </a:p>
+                      </a:txBody>
+                      <a:tcPr anchor="ctr"/>
+                    </a:tc>
+                    <a:tc>
+                      <a:txBody>
+                        <a:bodyPr/>
+                        <a:lstStyle/>
+                        <a:p>
+                          <a:pPr algn="ctr"/>
+                          <a:r>
+                            <a:rPr lang="en-US" altLang="zh-CN" dirty="0"/>
+                            <a:t>Not Supporting</a:t>
+                          </a:r>
+                          <a:endParaRPr lang="zh-CN" altLang="en-US" dirty="0"/>
+                        </a:p>
+                      </a:txBody>
+                      <a:tcPr anchor="ctr"/>
+                    </a:tc>
+                    <a:extLst>
+                      <a:ext uri="{0D108BD9-81ED-4DB2-BD59-A6C34878D82A}">
+                        <a16:rowId xmlns:a16="http://schemas.microsoft.com/office/drawing/2014/main" val="4144968"/>
+                      </a:ext>
+                    </a:extLst>
+                  </a:tr>
+                  <a:tr h="1200561">
+                    <a:tc>
+                      <a:txBody>
+                        <a:bodyPr/>
+                        <a:lstStyle/>
+                        <a:p>
+                          <a:pPr algn="ctr"/>
+                          <a:r>
+                            <a:rPr lang="en-US" altLang="zh-CN" dirty="0"/>
+                            <a:t>MAGMA</a:t>
+                          </a:r>
+                          <a:endParaRPr lang="zh-CN" altLang="en-US" dirty="0"/>
+                        </a:p>
+                      </a:txBody>
+                      <a:tcPr anchor="ctr"/>
+                    </a:tc>
+                    <a:tc>
+                      <a:txBody>
+                        <a:bodyPr/>
+                        <a:lstStyle/>
+                        <a:p>
+                          <a:pPr algn="ctr"/>
+                          <a:r>
+                            <a:rPr lang="en-US" altLang="zh-CN" dirty="0"/>
+                            <a:t>Dense Linear Algebra on GPUs</a:t>
+                          </a:r>
+                          <a:endParaRPr lang="zh-CN" altLang="en-US" dirty="0"/>
+                        </a:p>
+                      </a:txBody>
+                      <a:tcPr anchor="ctr"/>
+                    </a:tc>
+                    <a:tc>
+                      <a:txBody>
+                        <a:bodyPr/>
+                        <a:lstStyle/>
+                        <a:p>
+                          <a:pPr algn="ctr"/>
+                          <a:r>
+                            <a:rPr lang="en-US" altLang="zh-CN" dirty="0"/>
+                            <a:t>2009.12</a:t>
+                          </a:r>
+                          <a:endParaRPr lang="zh-CN" altLang="en-US" dirty="0"/>
+                        </a:p>
+                      </a:txBody>
+                      <a:tcPr anchor="ctr"/>
+                    </a:tc>
+                    <a:tc>
+                      <a:txBody>
+                        <a:bodyPr/>
+                        <a:lstStyle/>
+                        <a:p>
+                          <a:pPr algn="ctr"/>
+                          <a:r>
+                            <a:rPr lang="en-US" altLang="zh-CN" dirty="0"/>
+                            <a:t>Dense Formats (</a:t>
+                          </a:r>
+                          <a14:m>
+                            <m:oMath xmlns:m="http://schemas.openxmlformats.org/officeDocument/2006/math">
+                              <m:sSup>
+                                <m:sSupPr>
+                                  <m:ctrlPr>
+                                    <a:rPr lang="en-US" altLang="zh-CN" i="1" smtClean="0">
+                                      <a:latin typeface="Cambria Math" panose="02040503050406030204" pitchFamily="18" charset="0"/>
+                                    </a:rPr>
+                                  </m:ctrlPr>
+                                </m:sSupPr>
+                                <m:e>
+                                  <m:r>
+                                    <a:rPr lang="en-US" altLang="zh-CN" b="0" i="1" smtClean="0">
+                                      <a:latin typeface="Cambria Math" panose="02040503050406030204" pitchFamily="18" charset="0"/>
+                                    </a:rPr>
+                                    <m:t>𝑛</m:t>
+                                  </m:r>
+                                </m:e>
+                                <m:sup>
+                                  <m:r>
+                                    <a:rPr lang="en-US" altLang="zh-CN" b="0" i="1" smtClean="0">
+                                      <a:latin typeface="Cambria Math" panose="02040503050406030204" pitchFamily="18" charset="0"/>
+                                    </a:rPr>
+                                    <m:t>3</m:t>
+                                  </m:r>
+                                </m:sup>
+                              </m:sSup>
+                            </m:oMath>
+                          </a14:m>
+                          <a:r>
+                            <a:rPr lang="en-US" altLang="zh-CN" dirty="0"/>
+                            <a:t>)</a:t>
+                          </a:r>
+                          <a:endParaRPr lang="zh-CN" altLang="en-US" dirty="0"/>
+                        </a:p>
+                      </a:txBody>
+                      <a:tcPr anchor="ctr"/>
+                    </a:tc>
+                    <a:tc>
+                      <a:txBody>
+                        <a:bodyPr/>
+                        <a:lstStyle/>
+                        <a:p>
+                          <a:pPr algn="ctr"/>
+                          <a:r>
+                            <a:rPr lang="en-US" altLang="zh-CN" dirty="0"/>
+                            <a:t>Hierarchical Formats (</a:t>
+                          </a:r>
+                          <a14:m>
+                            <m:oMath xmlns:m="http://schemas.openxmlformats.org/officeDocument/2006/math">
+                              <m:r>
+                                <a:rPr lang="en-US" altLang="zh-CN" b="0" i="1" smtClean="0">
+                                  <a:latin typeface="Cambria Math" panose="02040503050406030204" pitchFamily="18" charset="0"/>
+                                </a:rPr>
+                                <m:t>𝑛</m:t>
+                              </m:r>
+                              <m:r>
+                                <a:rPr lang="en-US" altLang="zh-CN" b="0" i="0" smtClean="0">
+                                  <a:latin typeface="Cambria Math" panose="02040503050406030204" pitchFamily="18" charset="0"/>
+                                </a:rPr>
+                                <m:t> </m:t>
+                              </m:r>
+                              <m:sSup>
+                                <m:sSupPr>
+                                  <m:ctrlPr>
+                                    <a:rPr lang="en-US" altLang="zh-CN" i="1" smtClean="0">
+                                      <a:latin typeface="Cambria Math" panose="02040503050406030204" pitchFamily="18" charset="0"/>
+                                    </a:rPr>
+                                  </m:ctrlPr>
+                                </m:sSupPr>
+                                <m:e>
+                                  <m:r>
+                                    <a:rPr lang="en-US" altLang="zh-CN" b="0" i="1" smtClean="0">
+                                      <a:latin typeface="Cambria Math" panose="02040503050406030204" pitchFamily="18" charset="0"/>
+                                    </a:rPr>
+                                    <m:t> </m:t>
+                                  </m:r>
+                                  <m:r>
+                                    <a:rPr lang="en-US" altLang="zh-CN" b="0" i="1" smtClean="0">
+                                      <a:latin typeface="Cambria Math" panose="02040503050406030204" pitchFamily="18" charset="0"/>
+                                    </a:rPr>
+                                    <m:t>𝑙𝑜𝑔</m:t>
+                                  </m:r>
+                                </m:e>
+                                <m:sup>
+                                  <m:r>
+                                    <m:rPr>
+                                      <m:sty m:val="p"/>
+                                    </m:rPr>
+                                    <a:rPr lang="el-GR" altLang="zh-CN" i="1" smtClean="0">
+                                      <a:latin typeface="Cambria Math" panose="02040503050406030204" pitchFamily="18" charset="0"/>
+                                    </a:rPr>
+                                    <m:t>α</m:t>
+                                  </m:r>
+                                </m:sup>
+                              </m:sSup>
+                              <m:r>
+                                <a:rPr lang="en-US" altLang="zh-CN" b="0" i="1" smtClean="0">
+                                  <a:latin typeface="Cambria Math" panose="02040503050406030204" pitchFamily="18" charset="0"/>
+                                </a:rPr>
+                                <m:t> </m:t>
+                              </m:r>
+                              <m:r>
+                                <a:rPr lang="en-US" altLang="zh-CN" b="0" i="1" smtClean="0">
+                                  <a:latin typeface="Cambria Math" panose="02040503050406030204" pitchFamily="18" charset="0"/>
+                                </a:rPr>
+                                <m:t>𝑛</m:t>
+                              </m:r>
+                            </m:oMath>
+                          </a14:m>
+                          <a:r>
+                            <a:rPr lang="en-US" altLang="zh-CN" dirty="0"/>
+                            <a:t>)</a:t>
+                          </a:r>
+                          <a:endParaRPr lang="zh-CN" altLang="en-US" dirty="0"/>
+                        </a:p>
+                      </a:txBody>
+                      <a:tcPr anchor="ctr"/>
+                    </a:tc>
+                    <a:extLst>
+                      <a:ext uri="{0D108BD9-81ED-4DB2-BD59-A6C34878D82A}">
+                        <a16:rowId xmlns:a16="http://schemas.microsoft.com/office/drawing/2014/main" val="1649254498"/>
+                      </a:ext>
+                    </a:extLst>
+                  </a:tr>
+                  <a:tr h="1200561">
+                    <a:tc>
+                      <a:txBody>
+                        <a:bodyPr/>
+                        <a:lstStyle/>
+                        <a:p>
+                          <a:pPr algn="ctr"/>
+                          <a:r>
+                            <a:rPr lang="en-US" altLang="zh-CN" dirty="0"/>
+                            <a:t>HLIB / </a:t>
+                          </a:r>
+                          <a:r>
+                            <a:rPr lang="en-US" altLang="zh-CN" dirty="0" err="1"/>
+                            <a:t>HLIBpro</a:t>
+                          </a:r>
+                          <a:endParaRPr lang="zh-CN" altLang="en-US" dirty="0"/>
+                        </a:p>
+                      </a:txBody>
+                      <a:tcPr anchor="ctr"/>
+                    </a:tc>
+                    <a:tc>
+                      <a:txBody>
+                        <a:bodyPr/>
+                        <a:lstStyle/>
+                        <a:p>
+                          <a:pPr algn="ctr"/>
+                          <a:r>
+                            <a:rPr lang="en-US" altLang="zh-CN" dirty="0"/>
+                            <a:t>Runtime-based Hierarchical methods on CPU</a:t>
+                          </a:r>
+                          <a:endParaRPr lang="zh-CN" altLang="en-US" dirty="0"/>
+                        </a:p>
+                      </a:txBody>
+                      <a:tcPr anchor="ctr"/>
+                    </a:tc>
+                    <a:tc>
+                      <a:txBody>
+                        <a:bodyPr/>
+                        <a:lstStyle/>
+                        <a:p>
+                          <a:pPr algn="ctr"/>
+                          <a:r>
+                            <a:rPr lang="en-US" altLang="zh-CN" dirty="0"/>
+                            <a:t>2011.7</a:t>
+                          </a:r>
+                          <a:endParaRPr lang="zh-CN" altLang="en-US" dirty="0"/>
+                        </a:p>
+                      </a:txBody>
+                      <a:tcPr anchor="ctr"/>
+                    </a:tc>
+                    <a:tc>
+                      <a:txBody>
+                        <a:bodyPr/>
+                        <a:lstStyle/>
+                        <a:p>
+                          <a:pPr algn="ctr"/>
+                          <a:r>
+                            <a:rPr lang="en-US" altLang="zh-CN" dirty="0"/>
+                            <a:t>Data dependent operations (e.g. LU factorization) on CPU</a:t>
+                          </a:r>
+                          <a:endParaRPr lang="zh-CN" altLang="en-US" dirty="0"/>
+                        </a:p>
+                      </a:txBody>
+                      <a:tcPr anchor="ctr"/>
+                    </a:tc>
+                    <a:tc>
+                      <a:txBody>
+                        <a:bodyPr/>
+                        <a:lstStyle/>
+                        <a:p>
+                          <a:pPr algn="ctr"/>
+                          <a:r>
+                            <a:rPr lang="en-US" altLang="zh-CN" dirty="0"/>
+                            <a:t>Execution on GPU</a:t>
+                          </a:r>
+                          <a:endParaRPr lang="zh-CN" altLang="en-US" dirty="0"/>
+                        </a:p>
+                      </a:txBody>
+                      <a:tcPr anchor="ctr"/>
+                    </a:tc>
+                    <a:extLst>
+                      <a:ext uri="{0D108BD9-81ED-4DB2-BD59-A6C34878D82A}">
+                        <a16:rowId xmlns:a16="http://schemas.microsoft.com/office/drawing/2014/main" val="2262171569"/>
+                      </a:ext>
+                    </a:extLst>
+                  </a:tr>
+                  <a:tr h="1200561">
+                    <a:tc>
+                      <a:txBody>
+                        <a:bodyPr/>
+                        <a:lstStyle/>
+                        <a:p>
+                          <a:pPr algn="ctr"/>
+                          <a:r>
+                            <a:rPr lang="en-US" altLang="zh-CN" dirty="0" err="1"/>
+                            <a:t>hmglib</a:t>
+                          </a:r>
+                          <a:endParaRPr lang="zh-CN" altLang="en-US" dirty="0"/>
+                        </a:p>
+                      </a:txBody>
+                      <a:tcPr anchor="ctr"/>
+                    </a:tc>
+                    <a:tc>
+                      <a:txBody>
+                        <a:bodyPr/>
+                        <a:lstStyle/>
+                        <a:p>
+                          <a:pPr algn="ctr"/>
+                          <a:r>
+                            <a:rPr lang="en-US" altLang="zh-CN" dirty="0"/>
+                            <a:t>Hierarchical methods on GPU</a:t>
+                          </a:r>
+                          <a:endParaRPr lang="zh-CN" altLang="en-US" dirty="0"/>
+                        </a:p>
+                      </a:txBody>
+                      <a:tcPr anchor="ctr"/>
+                    </a:tc>
+                    <a:tc>
+                      <a:txBody>
+                        <a:bodyPr/>
+                        <a:lstStyle/>
+                        <a:p>
+                          <a:pPr algn="ctr"/>
+                          <a:r>
+                            <a:rPr lang="en-US" altLang="zh-CN" dirty="0"/>
+                            <a:t>2017.12</a:t>
+                          </a:r>
+                          <a:endParaRPr lang="zh-CN" altLang="en-US" dirty="0"/>
+                        </a:p>
+                      </a:txBody>
+                      <a:tcPr anchor="ctr"/>
+                    </a:tc>
+                    <a:tc>
+                      <a:txBody>
+                        <a:bodyPr/>
+                        <a:lstStyle/>
+                        <a:p>
+                          <a:pPr algn="ctr"/>
+                          <a:r>
+                            <a:rPr lang="en-US" altLang="zh-CN" dirty="0"/>
+                            <a:t>Hierarchical matrix multiplications on GPU</a:t>
+                          </a:r>
+                          <a:endParaRPr lang="zh-CN" altLang="en-US" dirty="0"/>
+                        </a:p>
+                      </a:txBody>
+                      <a:tcPr anchor="ctr"/>
+                    </a:tc>
+                    <a:tc>
+                      <a:txBody>
+                        <a:bodyPr/>
+                        <a:lstStyle/>
+                        <a:p>
+                          <a:pPr algn="ctr"/>
+                          <a:r>
+                            <a:rPr lang="en-US" altLang="zh-CN" dirty="0"/>
+                            <a:t>Data dependent operations</a:t>
+                          </a:r>
+                          <a:endParaRPr lang="zh-CN" altLang="en-US" dirty="0"/>
+                        </a:p>
+                      </a:txBody>
+                      <a:tcPr anchor="ctr"/>
+                    </a:tc>
+                    <a:extLst>
+                      <a:ext uri="{0D108BD9-81ED-4DB2-BD59-A6C34878D82A}">
+                        <a16:rowId xmlns:a16="http://schemas.microsoft.com/office/drawing/2014/main" val="3424793777"/>
+                      </a:ext>
+                    </a:extLst>
+                  </a:tr>
+                </a:tbl>
+              </a:graphicData>
+            </a:graphic>
+          </p:graphicFrame>
+        </mc:Choice>
+        <mc:Fallback>
+          <p:graphicFrame>
+            <p:nvGraphicFramePr>
+              <p:cNvPr id="2" name="表格 2">
+                <a:extLst>
+                  <a:ext uri="{FF2B5EF4-FFF2-40B4-BE49-F238E27FC236}">
+                    <a16:creationId xmlns:a16="http://schemas.microsoft.com/office/drawing/2014/main" id="{D2733A34-E91C-4199-A29C-49458537FDBA}"/>
+                  </a:ext>
+                </a:extLst>
+              </p:cNvPr>
+              <p:cNvGraphicFramePr>
+                <a:graphicFrameLocks noGrp="1"/>
+              </p:cNvGraphicFramePr>
+              <p:nvPr>
+                <p:extLst>
+                  <p:ext uri="{D42A27DB-BD31-4B8C-83A1-F6EECF244321}">
+                    <p14:modId xmlns:p14="http://schemas.microsoft.com/office/powerpoint/2010/main" val="2614149945"/>
+                  </p:ext>
+                </p:extLst>
+              </p:nvPr>
+            </p:nvGraphicFramePr>
+            <p:xfrm>
+              <a:off x="438974" y="1691322"/>
+              <a:ext cx="11327905" cy="4802244"/>
+            </p:xfrm>
+            <a:graphic>
+              <a:graphicData uri="http://schemas.openxmlformats.org/drawingml/2006/table">
+                <a:tbl>
+                  <a:tblPr firstRow="1" bandRow="1">
+                    <a:tableStyleId>{5C22544A-7EE6-4342-B048-85BDC9FD1C3A}</a:tableStyleId>
+                  </a:tblPr>
+                  <a:tblGrid>
+                    <a:gridCol w="2265581">
+                      <a:extLst>
+                        <a:ext uri="{9D8B030D-6E8A-4147-A177-3AD203B41FA5}">
+                          <a16:colId xmlns:a16="http://schemas.microsoft.com/office/drawing/2014/main" val="3079755646"/>
+                        </a:ext>
+                      </a:extLst>
+                    </a:gridCol>
+                    <a:gridCol w="2265581">
+                      <a:extLst>
+                        <a:ext uri="{9D8B030D-6E8A-4147-A177-3AD203B41FA5}">
+                          <a16:colId xmlns:a16="http://schemas.microsoft.com/office/drawing/2014/main" val="2247025876"/>
+                        </a:ext>
+                      </a:extLst>
+                    </a:gridCol>
+                    <a:gridCol w="2265581">
+                      <a:extLst>
+                        <a:ext uri="{9D8B030D-6E8A-4147-A177-3AD203B41FA5}">
+                          <a16:colId xmlns:a16="http://schemas.microsoft.com/office/drawing/2014/main" val="569511932"/>
+                        </a:ext>
+                      </a:extLst>
+                    </a:gridCol>
+                    <a:gridCol w="2265581">
+                      <a:extLst>
+                        <a:ext uri="{9D8B030D-6E8A-4147-A177-3AD203B41FA5}">
+                          <a16:colId xmlns:a16="http://schemas.microsoft.com/office/drawing/2014/main" val="2112155591"/>
+                        </a:ext>
+                      </a:extLst>
+                    </a:gridCol>
+                    <a:gridCol w="2265581">
+                      <a:extLst>
+                        <a:ext uri="{9D8B030D-6E8A-4147-A177-3AD203B41FA5}">
+                          <a16:colId xmlns:a16="http://schemas.microsoft.com/office/drawing/2014/main" val="4289670194"/>
+                        </a:ext>
+                      </a:extLst>
+                    </a:gridCol>
+                  </a:tblGrid>
+                  <a:tr h="1200561">
+                    <a:tc>
+                      <a:txBody>
+                        <a:bodyPr/>
+                        <a:lstStyle/>
+                        <a:p>
+                          <a:pPr algn="ctr"/>
+                          <a:r>
+                            <a:rPr lang="en-US" altLang="zh-CN" dirty="0"/>
+                            <a:t>Project Name</a:t>
+                          </a:r>
+                          <a:endParaRPr lang="zh-CN" altLang="en-US" dirty="0"/>
+                        </a:p>
+                      </a:txBody>
+                      <a:tcPr anchor="ctr"/>
+                    </a:tc>
+                    <a:tc>
+                      <a:txBody>
+                        <a:bodyPr/>
+                        <a:lstStyle/>
+                        <a:p>
+                          <a:pPr algn="ctr"/>
+                          <a:r>
+                            <a:rPr lang="en-US" altLang="zh-CN" dirty="0"/>
+                            <a:t>Summary</a:t>
+                          </a:r>
+                          <a:endParaRPr lang="zh-CN" altLang="en-US" dirty="0"/>
+                        </a:p>
+                      </a:txBody>
+                      <a:tcPr anchor="ctr"/>
+                    </a:tc>
+                    <a:tc>
+                      <a:txBody>
+                        <a:bodyPr/>
+                        <a:lstStyle/>
+                        <a:p>
+                          <a:pPr algn="ctr"/>
+                          <a:r>
+                            <a:rPr lang="en-US" altLang="zh-CN" dirty="0"/>
+                            <a:t>Publication Date</a:t>
+                          </a:r>
+                          <a:endParaRPr lang="zh-CN" altLang="en-US" dirty="0"/>
+                        </a:p>
+                      </a:txBody>
+                      <a:tcPr anchor="ctr"/>
+                    </a:tc>
+                    <a:tc>
+                      <a:txBody>
+                        <a:bodyPr/>
+                        <a:lstStyle/>
+                        <a:p>
+                          <a:pPr algn="ctr"/>
+                          <a:r>
+                            <a:rPr lang="en-US" altLang="zh-CN" dirty="0"/>
+                            <a:t>Supporting</a:t>
+                          </a:r>
+                          <a:endParaRPr lang="zh-CN" altLang="en-US" dirty="0"/>
+                        </a:p>
+                      </a:txBody>
+                      <a:tcPr anchor="ctr"/>
+                    </a:tc>
+                    <a:tc>
+                      <a:txBody>
+                        <a:bodyPr/>
+                        <a:lstStyle/>
+                        <a:p>
+                          <a:pPr algn="ctr"/>
+                          <a:r>
+                            <a:rPr lang="en-US" altLang="zh-CN" dirty="0"/>
+                            <a:t>Not Supporting</a:t>
+                          </a:r>
+                          <a:endParaRPr lang="zh-CN" altLang="en-US" dirty="0"/>
+                        </a:p>
+                      </a:txBody>
+                      <a:tcPr anchor="ctr"/>
+                    </a:tc>
+                    <a:extLst>
+                      <a:ext uri="{0D108BD9-81ED-4DB2-BD59-A6C34878D82A}">
+                        <a16:rowId xmlns:a16="http://schemas.microsoft.com/office/drawing/2014/main" val="4144968"/>
+                      </a:ext>
+                    </a:extLst>
+                  </a:tr>
+                  <a:tr h="1200561">
+                    <a:tc>
+                      <a:txBody>
+                        <a:bodyPr/>
+                        <a:lstStyle/>
+                        <a:p>
+                          <a:pPr algn="ctr"/>
+                          <a:r>
+                            <a:rPr lang="en-US" altLang="zh-CN" dirty="0"/>
+                            <a:t>MAGMA</a:t>
+                          </a:r>
+                          <a:endParaRPr lang="zh-CN" altLang="en-US" dirty="0"/>
+                        </a:p>
+                      </a:txBody>
+                      <a:tcPr anchor="ctr"/>
+                    </a:tc>
+                    <a:tc>
+                      <a:txBody>
+                        <a:bodyPr/>
+                        <a:lstStyle/>
+                        <a:p>
+                          <a:pPr algn="ctr"/>
+                          <a:r>
+                            <a:rPr lang="en-US" altLang="zh-CN" dirty="0"/>
+                            <a:t>Dense Linear Algebra on GPUs</a:t>
+                          </a:r>
+                          <a:endParaRPr lang="zh-CN" altLang="en-US" dirty="0"/>
+                        </a:p>
+                      </a:txBody>
+                      <a:tcPr anchor="ctr"/>
+                    </a:tc>
+                    <a:tc>
+                      <a:txBody>
+                        <a:bodyPr/>
+                        <a:lstStyle/>
+                        <a:p>
+                          <a:pPr algn="ctr"/>
+                          <a:r>
+                            <a:rPr lang="en-US" altLang="zh-CN" dirty="0"/>
+                            <a:t>2009.12</a:t>
+                          </a:r>
+                          <a:endParaRPr lang="zh-CN" altLang="en-US" dirty="0"/>
+                        </a:p>
+                      </a:txBody>
+                      <a:tcPr anchor="ctr"/>
+                    </a:tc>
+                    <a:tc>
+                      <a:txBody>
+                        <a:bodyPr/>
+                        <a:lstStyle/>
+                        <a:p>
+                          <a:endParaRPr lang="zh-CN"/>
+                        </a:p>
+                      </a:txBody>
+                      <a:tcPr anchor="ctr">
+                        <a:blipFill>
+                          <a:blip r:embed="rId2"/>
+                          <a:stretch>
+                            <a:fillRect l="-300269" t="-100000" r="-101075" b="-200000"/>
+                          </a:stretch>
+                        </a:blipFill>
+                      </a:tcPr>
+                    </a:tc>
+                    <a:tc>
+                      <a:txBody>
+                        <a:bodyPr/>
+                        <a:lstStyle/>
+                        <a:p>
+                          <a:endParaRPr lang="zh-CN"/>
+                        </a:p>
+                      </a:txBody>
+                      <a:tcPr anchor="ctr">
+                        <a:blipFill>
+                          <a:blip r:embed="rId2"/>
+                          <a:stretch>
+                            <a:fillRect l="-400269" t="-100000" r="-1075" b="-200000"/>
+                          </a:stretch>
+                        </a:blipFill>
+                      </a:tcPr>
+                    </a:tc>
+                    <a:extLst>
+                      <a:ext uri="{0D108BD9-81ED-4DB2-BD59-A6C34878D82A}">
+                        <a16:rowId xmlns:a16="http://schemas.microsoft.com/office/drawing/2014/main" val="1649254498"/>
+                      </a:ext>
+                    </a:extLst>
+                  </a:tr>
+                  <a:tr h="1200561">
+                    <a:tc>
+                      <a:txBody>
+                        <a:bodyPr/>
+                        <a:lstStyle/>
+                        <a:p>
+                          <a:pPr algn="ctr"/>
+                          <a:r>
+                            <a:rPr lang="en-US" altLang="zh-CN" dirty="0"/>
+                            <a:t>HLIB / </a:t>
+                          </a:r>
+                          <a:r>
+                            <a:rPr lang="en-US" altLang="zh-CN" dirty="0" err="1"/>
+                            <a:t>HLIBpro</a:t>
+                          </a:r>
+                          <a:endParaRPr lang="zh-CN" altLang="en-US" dirty="0"/>
+                        </a:p>
+                      </a:txBody>
+                      <a:tcPr anchor="ctr"/>
+                    </a:tc>
+                    <a:tc>
+                      <a:txBody>
+                        <a:bodyPr/>
+                        <a:lstStyle/>
+                        <a:p>
+                          <a:pPr algn="ctr"/>
+                          <a:r>
+                            <a:rPr lang="en-US" altLang="zh-CN" dirty="0"/>
+                            <a:t>Runtime-based Hierarchical methods on CPU</a:t>
+                          </a:r>
+                          <a:endParaRPr lang="zh-CN" altLang="en-US" dirty="0"/>
+                        </a:p>
+                      </a:txBody>
+                      <a:tcPr anchor="ctr"/>
+                    </a:tc>
+                    <a:tc>
+                      <a:txBody>
+                        <a:bodyPr/>
+                        <a:lstStyle/>
+                        <a:p>
+                          <a:pPr algn="ctr"/>
+                          <a:r>
+                            <a:rPr lang="en-US" altLang="zh-CN" dirty="0"/>
+                            <a:t>2011.7</a:t>
+                          </a:r>
+                          <a:endParaRPr lang="zh-CN" altLang="en-US" dirty="0"/>
+                        </a:p>
+                      </a:txBody>
+                      <a:tcPr anchor="ctr"/>
+                    </a:tc>
+                    <a:tc>
+                      <a:txBody>
+                        <a:bodyPr/>
+                        <a:lstStyle/>
+                        <a:p>
+                          <a:pPr algn="ctr"/>
+                          <a:r>
+                            <a:rPr lang="en-US" altLang="zh-CN" dirty="0"/>
+                            <a:t>Data dependent operations (e.g. LU factorization) on CPU</a:t>
+                          </a:r>
+                          <a:endParaRPr lang="zh-CN" altLang="en-US" dirty="0"/>
+                        </a:p>
+                      </a:txBody>
+                      <a:tcPr anchor="ctr"/>
+                    </a:tc>
+                    <a:tc>
+                      <a:txBody>
+                        <a:bodyPr/>
+                        <a:lstStyle/>
+                        <a:p>
+                          <a:pPr algn="ctr"/>
+                          <a:r>
+                            <a:rPr lang="en-US" altLang="zh-CN" dirty="0"/>
+                            <a:t>Execution on GPU</a:t>
+                          </a:r>
+                          <a:endParaRPr lang="zh-CN" altLang="en-US" dirty="0"/>
+                        </a:p>
+                      </a:txBody>
+                      <a:tcPr anchor="ctr"/>
+                    </a:tc>
+                    <a:extLst>
+                      <a:ext uri="{0D108BD9-81ED-4DB2-BD59-A6C34878D82A}">
+                        <a16:rowId xmlns:a16="http://schemas.microsoft.com/office/drawing/2014/main" val="2262171569"/>
+                      </a:ext>
+                    </a:extLst>
+                  </a:tr>
+                  <a:tr h="1200561">
+                    <a:tc>
+                      <a:txBody>
+                        <a:bodyPr/>
+                        <a:lstStyle/>
+                        <a:p>
+                          <a:pPr algn="ctr"/>
+                          <a:r>
+                            <a:rPr lang="en-US" altLang="zh-CN" dirty="0" err="1"/>
+                            <a:t>hmglib</a:t>
+                          </a:r>
+                          <a:endParaRPr lang="zh-CN" altLang="en-US" dirty="0"/>
+                        </a:p>
+                      </a:txBody>
+                      <a:tcPr anchor="ctr"/>
+                    </a:tc>
+                    <a:tc>
+                      <a:txBody>
+                        <a:bodyPr/>
+                        <a:lstStyle/>
+                        <a:p>
+                          <a:pPr algn="ctr"/>
+                          <a:r>
+                            <a:rPr lang="en-US" altLang="zh-CN" dirty="0"/>
+                            <a:t>Hierarchical methods on GPU</a:t>
+                          </a:r>
+                          <a:endParaRPr lang="zh-CN" altLang="en-US" dirty="0"/>
+                        </a:p>
+                      </a:txBody>
+                      <a:tcPr anchor="ctr"/>
+                    </a:tc>
+                    <a:tc>
+                      <a:txBody>
+                        <a:bodyPr/>
+                        <a:lstStyle/>
+                        <a:p>
+                          <a:pPr algn="ctr"/>
+                          <a:r>
+                            <a:rPr lang="en-US" altLang="zh-CN" dirty="0"/>
+                            <a:t>2017.12</a:t>
+                          </a:r>
+                          <a:endParaRPr lang="zh-CN" altLang="en-US" dirty="0"/>
+                        </a:p>
+                      </a:txBody>
+                      <a:tcPr anchor="ctr"/>
+                    </a:tc>
+                    <a:tc>
+                      <a:txBody>
+                        <a:bodyPr/>
+                        <a:lstStyle/>
+                        <a:p>
+                          <a:pPr algn="ctr"/>
+                          <a:r>
+                            <a:rPr lang="en-US" altLang="zh-CN" dirty="0"/>
+                            <a:t>Hierarchical matrix multiplications on GPU</a:t>
+                          </a:r>
+                          <a:endParaRPr lang="zh-CN" altLang="en-US" dirty="0"/>
+                        </a:p>
+                      </a:txBody>
+                      <a:tcPr anchor="ctr"/>
+                    </a:tc>
+                    <a:tc>
+                      <a:txBody>
+                        <a:bodyPr/>
+                        <a:lstStyle/>
+                        <a:p>
+                          <a:pPr algn="ctr"/>
+                          <a:r>
+                            <a:rPr lang="en-US" altLang="zh-CN" dirty="0"/>
+                            <a:t>Data dependent operations</a:t>
+                          </a:r>
+                          <a:endParaRPr lang="zh-CN" altLang="en-US" dirty="0"/>
+                        </a:p>
+                      </a:txBody>
+                      <a:tcPr anchor="ctr"/>
+                    </a:tc>
+                    <a:extLst>
+                      <a:ext uri="{0D108BD9-81ED-4DB2-BD59-A6C34878D82A}">
+                        <a16:rowId xmlns:a16="http://schemas.microsoft.com/office/drawing/2014/main" val="3424793777"/>
+                      </a:ext>
+                    </a:extLst>
+                  </a:tr>
+                </a:tbl>
+              </a:graphicData>
+            </a:graphic>
+          </p:graphicFrame>
+        </mc:Fallback>
+      </mc:AlternateContent>
+      <p:sp>
+        <p:nvSpPr>
+          <p:cNvPr id="4" name="标题 3">
+            <a:extLst>
+              <a:ext uri="{FF2B5EF4-FFF2-40B4-BE49-F238E27FC236}">
+                <a16:creationId xmlns:a16="http://schemas.microsoft.com/office/drawing/2014/main" id="{907FA286-9F4A-45AA-8A65-DA63747C5369}"/>
+              </a:ext>
+            </a:extLst>
+          </p:cNvPr>
+          <p:cNvSpPr>
+            <a:spLocks noGrp="1"/>
+          </p:cNvSpPr>
+          <p:nvPr>
+            <p:ph type="title"/>
+          </p:nvPr>
+        </p:nvSpPr>
+        <p:spPr/>
+        <p:txBody>
+          <a:bodyPr/>
+          <a:lstStyle/>
+          <a:p>
+            <a:r>
+              <a:rPr lang="en-US" altLang="zh-CN" dirty="0"/>
+              <a:t>Related Projects</a:t>
+            </a:r>
+            <a:endParaRPr lang="zh-CN" altLang="en-US" dirty="0"/>
+          </a:p>
+        </p:txBody>
+      </p:sp>
+    </p:spTree>
+    <p:extLst>
+      <p:ext uri="{BB962C8B-B14F-4D97-AF65-F5344CB8AC3E}">
+        <p14:creationId xmlns:p14="http://schemas.microsoft.com/office/powerpoint/2010/main" val="1341004459"/>
+      </p:ext>
+    </p:extLst>
+  </p:cSld>
+  <p:clrMapOvr>
+    <a:masterClrMapping/>
+  </p:clrMapOvr>
+</p:sld>
+</file>
+
+<file path=ppt/slides/slide8.xml><?xml version="1.0" encoding="utf-8"?>
 <p:sld xmlns:a="http://schemas.openxmlformats.org/drawingml/2006/main" xmlns:r="http://schemas.openxmlformats.org/officeDocument/2006/relationships" xmlns:p="http://schemas.openxmlformats.org/presentationml/2006/main">
   <p:cSld>
     <p:spTree>
@@ -32126,7 +36038,7 @@
 </p:sld>
 </file>
 
-<file path=ppt/slides/slide8.xml><?xml version="1.0" encoding="utf-8"?>
+<file path=ppt/slides/slide9.xml><?xml version="1.0" encoding="utf-8"?>
 <p:sld xmlns:a="http://schemas.openxmlformats.org/drawingml/2006/main" xmlns:r="http://schemas.openxmlformats.org/officeDocument/2006/relationships" xmlns:p="http://schemas.openxmlformats.org/presentationml/2006/main">
   <p:cSld>
     <p:spTree>
@@ -36592,2652 +40504,6 @@
 </p:sld>
 </file>
 
-<file path=ppt/slides/slide9.xml><?xml version="1.0" encoding="utf-8"?>
-<p:sld xmlns:a="http://schemas.openxmlformats.org/drawingml/2006/main" xmlns:r="http://schemas.openxmlformats.org/officeDocument/2006/relationships" xmlns:p="http://schemas.openxmlformats.org/presentationml/2006/main">
-  <p:cSld>
-    <p:bg>
-      <p:bgPr>
-        <a:solidFill>
-          <a:schemeClr val="bg1"/>
-        </a:solidFill>
-        <a:effectLst/>
-      </p:bgPr>
-    </p:bg>
-    <p:spTree>
-      <p:nvGrpSpPr>
-        <p:cNvPr id="1" name=""/>
-        <p:cNvGrpSpPr/>
-        <p:nvPr/>
-      </p:nvGrpSpPr>
-      <p:grpSpPr>
-        <a:xfrm>
-          <a:off x="0" y="0"/>
-          <a:ext cx="0" cy="0"/>
-          <a:chOff x="0" y="0"/>
-          <a:chExt cx="0" cy="0"/>
-        </a:xfrm>
-      </p:grpSpPr>
-      <p:grpSp>
-        <p:nvGrpSpPr>
-          <p:cNvPr id="9" name="组合 8">
-            <a:extLst>
-              <a:ext uri="{FF2B5EF4-FFF2-40B4-BE49-F238E27FC236}">
-                <a16:creationId xmlns:a16="http://schemas.microsoft.com/office/drawing/2014/main" id="{6F5E679C-3913-4317-AD22-18A3C94E3B1D}"/>
-              </a:ext>
-            </a:extLst>
-          </p:cNvPr>
-          <p:cNvGrpSpPr/>
-          <p:nvPr/>
-        </p:nvGrpSpPr>
-        <p:grpSpPr>
-          <a:xfrm>
-            <a:off x="2062446" y="1158924"/>
-            <a:ext cx="2225945" cy="1073947"/>
-            <a:chOff x="6364499" y="1023567"/>
-            <a:chExt cx="3458952" cy="1668833"/>
-          </a:xfrm>
-        </p:grpSpPr>
-        <p:sp>
-          <p:nvSpPr>
-            <p:cNvPr id="11" name="椭圆 10">
-              <a:extLst>
-                <a:ext uri="{FF2B5EF4-FFF2-40B4-BE49-F238E27FC236}">
-                  <a16:creationId xmlns:a16="http://schemas.microsoft.com/office/drawing/2014/main" id="{9CB8289D-5D1C-492D-881A-B0C5E4260C0C}"/>
-                </a:ext>
-              </a:extLst>
-            </p:cNvPr>
-            <p:cNvSpPr/>
-            <p:nvPr/>
-          </p:nvSpPr>
-          <p:spPr>
-            <a:xfrm>
-              <a:off x="7951260" y="1023567"/>
-              <a:ext cx="376026" cy="376026"/>
-            </a:xfrm>
-            <a:prstGeom prst="ellipse">
-              <a:avLst/>
-            </a:prstGeom>
-          </p:spPr>
-          <p:style>
-            <a:lnRef idx="2">
-              <a:schemeClr val="accent1">
-                <a:shade val="50000"/>
-              </a:schemeClr>
-            </a:lnRef>
-            <a:fillRef idx="1">
-              <a:schemeClr val="accent1"/>
-            </a:fillRef>
-            <a:effectRef idx="0">
-              <a:schemeClr val="accent1"/>
-            </a:effectRef>
-            <a:fontRef idx="minor">
-              <a:schemeClr val="lt1"/>
-            </a:fontRef>
-          </p:style>
-          <p:txBody>
-            <a:bodyPr rtlCol="0" anchor="ctr"/>
-            <a:lstStyle/>
-            <a:p>
-              <a:pPr algn="ctr"/>
-              <a:endParaRPr lang="zh-CN" altLang="en-US"/>
-            </a:p>
-          </p:txBody>
-        </p:sp>
-        <p:sp>
-          <p:nvSpPr>
-            <p:cNvPr id="12" name="椭圆 11">
-              <a:extLst>
-                <a:ext uri="{FF2B5EF4-FFF2-40B4-BE49-F238E27FC236}">
-                  <a16:creationId xmlns:a16="http://schemas.microsoft.com/office/drawing/2014/main" id="{0A08C3EE-857D-45C5-9CB3-EE982B256436}"/>
-                </a:ext>
-              </a:extLst>
-            </p:cNvPr>
-            <p:cNvSpPr/>
-            <p:nvPr/>
-          </p:nvSpPr>
-          <p:spPr>
-            <a:xfrm>
-              <a:off x="6657975" y="1880896"/>
-              <a:ext cx="215900" cy="215900"/>
-            </a:xfrm>
-            <a:prstGeom prst="ellipse">
-              <a:avLst/>
-            </a:prstGeom>
-          </p:spPr>
-          <p:style>
-            <a:lnRef idx="2">
-              <a:schemeClr val="accent1">
-                <a:shade val="50000"/>
-              </a:schemeClr>
-            </a:lnRef>
-            <a:fillRef idx="1">
-              <a:schemeClr val="accent1"/>
-            </a:fillRef>
-            <a:effectRef idx="0">
-              <a:schemeClr val="accent1"/>
-            </a:effectRef>
-            <a:fontRef idx="minor">
-              <a:schemeClr val="lt1"/>
-            </a:fontRef>
-          </p:style>
-          <p:txBody>
-            <a:bodyPr rtlCol="0" anchor="ctr"/>
-            <a:lstStyle/>
-            <a:p>
-              <a:pPr algn="ctr"/>
-              <a:endParaRPr lang="zh-CN" altLang="en-US"/>
-            </a:p>
-          </p:txBody>
-        </p:sp>
-        <p:sp>
-          <p:nvSpPr>
-            <p:cNvPr id="13" name="椭圆 12">
-              <a:extLst>
-                <a:ext uri="{FF2B5EF4-FFF2-40B4-BE49-F238E27FC236}">
-                  <a16:creationId xmlns:a16="http://schemas.microsoft.com/office/drawing/2014/main" id="{93FFAFDA-3DBA-48CF-9C8B-900F944F9856}"/>
-                </a:ext>
-              </a:extLst>
-            </p:cNvPr>
-            <p:cNvSpPr/>
-            <p:nvPr/>
-          </p:nvSpPr>
-          <p:spPr>
-            <a:xfrm>
-              <a:off x="7543271" y="1880896"/>
-              <a:ext cx="215900" cy="215900"/>
-            </a:xfrm>
-            <a:prstGeom prst="ellipse">
-              <a:avLst/>
-            </a:prstGeom>
-          </p:spPr>
-          <p:style>
-            <a:lnRef idx="2">
-              <a:schemeClr val="accent1">
-                <a:shade val="50000"/>
-              </a:schemeClr>
-            </a:lnRef>
-            <a:fillRef idx="1">
-              <a:schemeClr val="accent1"/>
-            </a:fillRef>
-            <a:effectRef idx="0">
-              <a:schemeClr val="accent1"/>
-            </a:effectRef>
-            <a:fontRef idx="minor">
-              <a:schemeClr val="lt1"/>
-            </a:fontRef>
-          </p:style>
-          <p:txBody>
-            <a:bodyPr rtlCol="0" anchor="ctr"/>
-            <a:lstStyle/>
-            <a:p>
-              <a:pPr algn="ctr"/>
-              <a:endParaRPr lang="zh-CN" altLang="en-US"/>
-            </a:p>
-          </p:txBody>
-        </p:sp>
-        <p:sp>
-          <p:nvSpPr>
-            <p:cNvPr id="14" name="椭圆 13">
-              <a:extLst>
-                <a:ext uri="{FF2B5EF4-FFF2-40B4-BE49-F238E27FC236}">
-                  <a16:creationId xmlns:a16="http://schemas.microsoft.com/office/drawing/2014/main" id="{E8801D15-54F9-4BD2-953E-3D78AA0DE3EB}"/>
-                </a:ext>
-              </a:extLst>
-            </p:cNvPr>
-            <p:cNvSpPr/>
-            <p:nvPr/>
-          </p:nvSpPr>
-          <p:spPr>
-            <a:xfrm>
-              <a:off x="8406659" y="1875842"/>
-              <a:ext cx="215900" cy="215900"/>
-            </a:xfrm>
-            <a:prstGeom prst="ellipse">
-              <a:avLst/>
-            </a:prstGeom>
-          </p:spPr>
-          <p:style>
-            <a:lnRef idx="2">
-              <a:schemeClr val="accent1">
-                <a:shade val="50000"/>
-              </a:schemeClr>
-            </a:lnRef>
-            <a:fillRef idx="1">
-              <a:schemeClr val="accent1"/>
-            </a:fillRef>
-            <a:effectRef idx="0">
-              <a:schemeClr val="accent1"/>
-            </a:effectRef>
-            <a:fontRef idx="minor">
-              <a:schemeClr val="lt1"/>
-            </a:fontRef>
-          </p:style>
-          <p:txBody>
-            <a:bodyPr rtlCol="0" anchor="ctr"/>
-            <a:lstStyle/>
-            <a:p>
-              <a:pPr algn="ctr"/>
-              <a:endParaRPr lang="zh-CN" altLang="en-US"/>
-            </a:p>
-          </p:txBody>
-        </p:sp>
-        <p:sp>
-          <p:nvSpPr>
-            <p:cNvPr id="15" name="椭圆 14">
-              <a:extLst>
-                <a:ext uri="{FF2B5EF4-FFF2-40B4-BE49-F238E27FC236}">
-                  <a16:creationId xmlns:a16="http://schemas.microsoft.com/office/drawing/2014/main" id="{F8A756C1-74A0-42D0-AEE8-D55D67C55C29}"/>
-                </a:ext>
-              </a:extLst>
-            </p:cNvPr>
-            <p:cNvSpPr/>
-            <p:nvPr/>
-          </p:nvSpPr>
-          <p:spPr>
-            <a:xfrm>
-              <a:off x="9318308" y="1875842"/>
-              <a:ext cx="215900" cy="215900"/>
-            </a:xfrm>
-            <a:prstGeom prst="ellipse">
-              <a:avLst/>
-            </a:prstGeom>
-          </p:spPr>
-          <p:style>
-            <a:lnRef idx="2">
-              <a:schemeClr val="accent1">
-                <a:shade val="50000"/>
-              </a:schemeClr>
-            </a:lnRef>
-            <a:fillRef idx="1">
-              <a:schemeClr val="accent1"/>
-            </a:fillRef>
-            <a:effectRef idx="0">
-              <a:schemeClr val="accent1"/>
-            </a:effectRef>
-            <a:fontRef idx="minor">
-              <a:schemeClr val="lt1"/>
-            </a:fontRef>
-          </p:style>
-          <p:txBody>
-            <a:bodyPr rtlCol="0" anchor="ctr"/>
-            <a:lstStyle/>
-            <a:p>
-              <a:pPr algn="ctr"/>
-              <a:endParaRPr lang="zh-CN" altLang="en-US"/>
-            </a:p>
-          </p:txBody>
-        </p:sp>
-        <p:sp>
-          <p:nvSpPr>
-            <p:cNvPr id="16" name="椭圆 15">
-              <a:extLst>
-                <a:ext uri="{FF2B5EF4-FFF2-40B4-BE49-F238E27FC236}">
-                  <a16:creationId xmlns:a16="http://schemas.microsoft.com/office/drawing/2014/main" id="{DACB3A29-B66F-412C-9696-9E7062C8E2E8}"/>
-                </a:ext>
-              </a:extLst>
-            </p:cNvPr>
-            <p:cNvSpPr/>
-            <p:nvPr/>
-          </p:nvSpPr>
-          <p:spPr>
-            <a:xfrm>
-              <a:off x="6364499" y="2559050"/>
-              <a:ext cx="133350" cy="133350"/>
-            </a:xfrm>
-            <a:prstGeom prst="ellipse">
-              <a:avLst/>
-            </a:prstGeom>
-          </p:spPr>
-          <p:style>
-            <a:lnRef idx="2">
-              <a:schemeClr val="accent1">
-                <a:shade val="50000"/>
-              </a:schemeClr>
-            </a:lnRef>
-            <a:fillRef idx="1">
-              <a:schemeClr val="accent1"/>
-            </a:fillRef>
-            <a:effectRef idx="0">
-              <a:schemeClr val="accent1"/>
-            </a:effectRef>
-            <a:fontRef idx="minor">
-              <a:schemeClr val="lt1"/>
-            </a:fontRef>
-          </p:style>
-          <p:txBody>
-            <a:bodyPr rtlCol="0" anchor="ctr"/>
-            <a:lstStyle/>
-            <a:p>
-              <a:pPr algn="ctr"/>
-              <a:endParaRPr lang="zh-CN" altLang="en-US"/>
-            </a:p>
-          </p:txBody>
-        </p:sp>
-        <p:sp>
-          <p:nvSpPr>
-            <p:cNvPr id="17" name="椭圆 16">
-              <a:extLst>
-                <a:ext uri="{FF2B5EF4-FFF2-40B4-BE49-F238E27FC236}">
-                  <a16:creationId xmlns:a16="http://schemas.microsoft.com/office/drawing/2014/main" id="{94FC0088-6B9A-4237-912C-4F7C8BDC9B7C}"/>
-                </a:ext>
-              </a:extLst>
-            </p:cNvPr>
-            <p:cNvSpPr/>
-            <p:nvPr/>
-          </p:nvSpPr>
-          <p:spPr>
-            <a:xfrm>
-              <a:off x="6583574" y="2559050"/>
-              <a:ext cx="133350" cy="133350"/>
-            </a:xfrm>
-            <a:prstGeom prst="ellipse">
-              <a:avLst/>
-            </a:prstGeom>
-          </p:spPr>
-          <p:style>
-            <a:lnRef idx="2">
-              <a:schemeClr val="accent1">
-                <a:shade val="50000"/>
-              </a:schemeClr>
-            </a:lnRef>
-            <a:fillRef idx="1">
-              <a:schemeClr val="accent1"/>
-            </a:fillRef>
-            <a:effectRef idx="0">
-              <a:schemeClr val="accent1"/>
-            </a:effectRef>
-            <a:fontRef idx="minor">
-              <a:schemeClr val="lt1"/>
-            </a:fontRef>
-          </p:style>
-          <p:txBody>
-            <a:bodyPr rtlCol="0" anchor="ctr"/>
-            <a:lstStyle/>
-            <a:p>
-              <a:pPr algn="ctr"/>
-              <a:endParaRPr lang="zh-CN" altLang="en-US"/>
-            </a:p>
-          </p:txBody>
-        </p:sp>
-        <p:sp>
-          <p:nvSpPr>
-            <p:cNvPr id="18" name="椭圆 17">
-              <a:extLst>
-                <a:ext uri="{FF2B5EF4-FFF2-40B4-BE49-F238E27FC236}">
-                  <a16:creationId xmlns:a16="http://schemas.microsoft.com/office/drawing/2014/main" id="{EC4424D3-1406-4757-92DB-E7792EBFB39B}"/>
-                </a:ext>
-              </a:extLst>
-            </p:cNvPr>
-            <p:cNvSpPr/>
-            <p:nvPr/>
-          </p:nvSpPr>
-          <p:spPr>
-            <a:xfrm>
-              <a:off x="6807200" y="2559050"/>
-              <a:ext cx="133350" cy="133350"/>
-            </a:xfrm>
-            <a:prstGeom prst="ellipse">
-              <a:avLst/>
-            </a:prstGeom>
-          </p:spPr>
-          <p:style>
-            <a:lnRef idx="2">
-              <a:schemeClr val="accent1">
-                <a:shade val="50000"/>
-              </a:schemeClr>
-            </a:lnRef>
-            <a:fillRef idx="1">
-              <a:schemeClr val="accent1"/>
-            </a:fillRef>
-            <a:effectRef idx="0">
-              <a:schemeClr val="accent1"/>
-            </a:effectRef>
-            <a:fontRef idx="minor">
-              <a:schemeClr val="lt1"/>
-            </a:fontRef>
-          </p:style>
-          <p:txBody>
-            <a:bodyPr rtlCol="0" anchor="ctr"/>
-            <a:lstStyle/>
-            <a:p>
-              <a:pPr algn="ctr"/>
-              <a:endParaRPr lang="zh-CN" altLang="en-US"/>
-            </a:p>
-          </p:txBody>
-        </p:sp>
-        <p:sp>
-          <p:nvSpPr>
-            <p:cNvPr id="19" name="椭圆 18">
-              <a:extLst>
-                <a:ext uri="{FF2B5EF4-FFF2-40B4-BE49-F238E27FC236}">
-                  <a16:creationId xmlns:a16="http://schemas.microsoft.com/office/drawing/2014/main" id="{029E2A9D-0FE0-4500-81FC-CFAE35852F79}"/>
-                </a:ext>
-              </a:extLst>
-            </p:cNvPr>
-            <p:cNvSpPr/>
-            <p:nvPr/>
-          </p:nvSpPr>
-          <p:spPr>
-            <a:xfrm>
-              <a:off x="7030826" y="2559050"/>
-              <a:ext cx="133350" cy="133350"/>
-            </a:xfrm>
-            <a:prstGeom prst="ellipse">
-              <a:avLst/>
-            </a:prstGeom>
-          </p:spPr>
-          <p:style>
-            <a:lnRef idx="2">
-              <a:schemeClr val="accent1">
-                <a:shade val="50000"/>
-              </a:schemeClr>
-            </a:lnRef>
-            <a:fillRef idx="1">
-              <a:schemeClr val="accent1"/>
-            </a:fillRef>
-            <a:effectRef idx="0">
-              <a:schemeClr val="accent1"/>
-            </a:effectRef>
-            <a:fontRef idx="minor">
-              <a:schemeClr val="lt1"/>
-            </a:fontRef>
-          </p:style>
-          <p:txBody>
-            <a:bodyPr rtlCol="0" anchor="ctr"/>
-            <a:lstStyle/>
-            <a:p>
-              <a:pPr algn="ctr"/>
-              <a:endParaRPr lang="zh-CN" altLang="en-US"/>
-            </a:p>
-          </p:txBody>
-        </p:sp>
-        <p:sp>
-          <p:nvSpPr>
-            <p:cNvPr id="20" name="椭圆 19">
-              <a:extLst>
-                <a:ext uri="{FF2B5EF4-FFF2-40B4-BE49-F238E27FC236}">
-                  <a16:creationId xmlns:a16="http://schemas.microsoft.com/office/drawing/2014/main" id="{E71392FE-9DC1-4FF6-8916-9A85EB8C1D39}"/>
-                </a:ext>
-              </a:extLst>
-            </p:cNvPr>
-            <p:cNvSpPr/>
-            <p:nvPr/>
-          </p:nvSpPr>
-          <p:spPr>
-            <a:xfrm>
-              <a:off x="7249478" y="2559050"/>
-              <a:ext cx="133350" cy="133350"/>
-            </a:xfrm>
-            <a:prstGeom prst="ellipse">
-              <a:avLst/>
-            </a:prstGeom>
-          </p:spPr>
-          <p:style>
-            <a:lnRef idx="2">
-              <a:schemeClr val="accent6">
-                <a:shade val="50000"/>
-              </a:schemeClr>
-            </a:lnRef>
-            <a:fillRef idx="1">
-              <a:schemeClr val="accent6"/>
-            </a:fillRef>
-            <a:effectRef idx="0">
-              <a:schemeClr val="accent6"/>
-            </a:effectRef>
-            <a:fontRef idx="minor">
-              <a:schemeClr val="lt1"/>
-            </a:fontRef>
-          </p:style>
-          <p:txBody>
-            <a:bodyPr rtlCol="0" anchor="ctr"/>
-            <a:lstStyle/>
-            <a:p>
-              <a:pPr algn="ctr"/>
-              <a:endParaRPr lang="zh-CN" altLang="en-US"/>
-            </a:p>
-          </p:txBody>
-        </p:sp>
-        <p:sp>
-          <p:nvSpPr>
-            <p:cNvPr id="21" name="椭圆 20">
-              <a:extLst>
-                <a:ext uri="{FF2B5EF4-FFF2-40B4-BE49-F238E27FC236}">
-                  <a16:creationId xmlns:a16="http://schemas.microsoft.com/office/drawing/2014/main" id="{94D1A3DA-9009-4022-9FD1-87BF5697D594}"/>
-                </a:ext>
-              </a:extLst>
-            </p:cNvPr>
-            <p:cNvSpPr/>
-            <p:nvPr/>
-          </p:nvSpPr>
-          <p:spPr>
-            <a:xfrm>
-              <a:off x="7468553" y="2559050"/>
-              <a:ext cx="133350" cy="133350"/>
-            </a:xfrm>
-            <a:prstGeom prst="ellipse">
-              <a:avLst/>
-            </a:prstGeom>
-          </p:spPr>
-          <p:style>
-            <a:lnRef idx="2">
-              <a:schemeClr val="accent6">
-                <a:shade val="50000"/>
-              </a:schemeClr>
-            </a:lnRef>
-            <a:fillRef idx="1">
-              <a:schemeClr val="accent6"/>
-            </a:fillRef>
-            <a:effectRef idx="0">
-              <a:schemeClr val="accent6"/>
-            </a:effectRef>
-            <a:fontRef idx="minor">
-              <a:schemeClr val="lt1"/>
-            </a:fontRef>
-          </p:style>
-          <p:txBody>
-            <a:bodyPr rtlCol="0" anchor="ctr"/>
-            <a:lstStyle/>
-            <a:p>
-              <a:pPr algn="ctr"/>
-              <a:endParaRPr lang="zh-CN" altLang="en-US"/>
-            </a:p>
-          </p:txBody>
-        </p:sp>
-        <p:sp>
-          <p:nvSpPr>
-            <p:cNvPr id="22" name="椭圆 21">
-              <a:extLst>
-                <a:ext uri="{FF2B5EF4-FFF2-40B4-BE49-F238E27FC236}">
-                  <a16:creationId xmlns:a16="http://schemas.microsoft.com/office/drawing/2014/main" id="{FBBABBF5-E541-4C48-AB45-9A0E4ED070B9}"/>
-                </a:ext>
-              </a:extLst>
-            </p:cNvPr>
-            <p:cNvSpPr/>
-            <p:nvPr/>
-          </p:nvSpPr>
-          <p:spPr>
-            <a:xfrm>
-              <a:off x="7692179" y="2559050"/>
-              <a:ext cx="133350" cy="133350"/>
-            </a:xfrm>
-            <a:prstGeom prst="ellipse">
-              <a:avLst/>
-            </a:prstGeom>
-          </p:spPr>
-          <p:style>
-            <a:lnRef idx="2">
-              <a:schemeClr val="accent1">
-                <a:shade val="50000"/>
-              </a:schemeClr>
-            </a:lnRef>
-            <a:fillRef idx="1">
-              <a:schemeClr val="accent1"/>
-            </a:fillRef>
-            <a:effectRef idx="0">
-              <a:schemeClr val="accent1"/>
-            </a:effectRef>
-            <a:fontRef idx="minor">
-              <a:schemeClr val="lt1"/>
-            </a:fontRef>
-          </p:style>
-          <p:txBody>
-            <a:bodyPr rtlCol="0" anchor="ctr"/>
-            <a:lstStyle/>
-            <a:p>
-              <a:pPr algn="ctr"/>
-              <a:endParaRPr lang="zh-CN" altLang="en-US"/>
-            </a:p>
-          </p:txBody>
-        </p:sp>
-        <p:sp>
-          <p:nvSpPr>
-            <p:cNvPr id="23" name="椭圆 22">
-              <a:extLst>
-                <a:ext uri="{FF2B5EF4-FFF2-40B4-BE49-F238E27FC236}">
-                  <a16:creationId xmlns:a16="http://schemas.microsoft.com/office/drawing/2014/main" id="{4B4DD4BF-D99E-4E1F-B7D1-F295CD139896}"/>
-                </a:ext>
-              </a:extLst>
-            </p:cNvPr>
-            <p:cNvSpPr/>
-            <p:nvPr/>
-          </p:nvSpPr>
-          <p:spPr>
-            <a:xfrm>
-              <a:off x="7915805" y="2559050"/>
-              <a:ext cx="133350" cy="133350"/>
-            </a:xfrm>
-            <a:prstGeom prst="ellipse">
-              <a:avLst/>
-            </a:prstGeom>
-          </p:spPr>
-          <p:style>
-            <a:lnRef idx="2">
-              <a:schemeClr val="accent6">
-                <a:shade val="50000"/>
-              </a:schemeClr>
-            </a:lnRef>
-            <a:fillRef idx="1">
-              <a:schemeClr val="accent6"/>
-            </a:fillRef>
-            <a:effectRef idx="0">
-              <a:schemeClr val="accent6"/>
-            </a:effectRef>
-            <a:fontRef idx="minor">
-              <a:schemeClr val="lt1"/>
-            </a:fontRef>
-          </p:style>
-          <p:txBody>
-            <a:bodyPr rtlCol="0" anchor="ctr"/>
-            <a:lstStyle/>
-            <a:p>
-              <a:pPr algn="ctr"/>
-              <a:endParaRPr lang="zh-CN" altLang="en-US"/>
-            </a:p>
-          </p:txBody>
-        </p:sp>
-        <p:sp>
-          <p:nvSpPr>
-            <p:cNvPr id="24" name="椭圆 23">
-              <a:extLst>
-                <a:ext uri="{FF2B5EF4-FFF2-40B4-BE49-F238E27FC236}">
-                  <a16:creationId xmlns:a16="http://schemas.microsoft.com/office/drawing/2014/main" id="{5766205C-9736-4913-929C-E5CAADC284A2}"/>
-                </a:ext>
-              </a:extLst>
-            </p:cNvPr>
-            <p:cNvSpPr/>
-            <p:nvPr/>
-          </p:nvSpPr>
-          <p:spPr>
-            <a:xfrm>
-              <a:off x="8138795" y="2559050"/>
-              <a:ext cx="133350" cy="133350"/>
-            </a:xfrm>
-            <a:prstGeom prst="ellipse">
-              <a:avLst/>
-            </a:prstGeom>
-          </p:spPr>
-          <p:style>
-            <a:lnRef idx="2">
-              <a:schemeClr val="accent6">
-                <a:shade val="50000"/>
-              </a:schemeClr>
-            </a:lnRef>
-            <a:fillRef idx="1">
-              <a:schemeClr val="accent6"/>
-            </a:fillRef>
-            <a:effectRef idx="0">
-              <a:schemeClr val="accent6"/>
-            </a:effectRef>
-            <a:fontRef idx="minor">
-              <a:schemeClr val="lt1"/>
-            </a:fontRef>
-          </p:style>
-          <p:txBody>
-            <a:bodyPr rtlCol="0" anchor="ctr"/>
-            <a:lstStyle/>
-            <a:p>
-              <a:pPr algn="ctr"/>
-              <a:endParaRPr lang="zh-CN" altLang="en-US"/>
-            </a:p>
-          </p:txBody>
-        </p:sp>
-        <p:sp>
-          <p:nvSpPr>
-            <p:cNvPr id="25" name="椭圆 24">
-              <a:extLst>
-                <a:ext uri="{FF2B5EF4-FFF2-40B4-BE49-F238E27FC236}">
-                  <a16:creationId xmlns:a16="http://schemas.microsoft.com/office/drawing/2014/main" id="{07DEA0BC-E108-4254-9DEF-A4A2DAC94997}"/>
-                </a:ext>
-              </a:extLst>
-            </p:cNvPr>
-            <p:cNvSpPr/>
-            <p:nvPr/>
-          </p:nvSpPr>
-          <p:spPr>
-            <a:xfrm>
-              <a:off x="8357870" y="2559050"/>
-              <a:ext cx="133350" cy="133350"/>
-            </a:xfrm>
-            <a:prstGeom prst="ellipse">
-              <a:avLst/>
-            </a:prstGeom>
-          </p:spPr>
-          <p:style>
-            <a:lnRef idx="2">
-              <a:schemeClr val="accent1">
-                <a:shade val="50000"/>
-              </a:schemeClr>
-            </a:lnRef>
-            <a:fillRef idx="1">
-              <a:schemeClr val="accent1"/>
-            </a:fillRef>
-            <a:effectRef idx="0">
-              <a:schemeClr val="accent1"/>
-            </a:effectRef>
-            <a:fontRef idx="minor">
-              <a:schemeClr val="lt1"/>
-            </a:fontRef>
-          </p:style>
-          <p:txBody>
-            <a:bodyPr rtlCol="0" anchor="ctr"/>
-            <a:lstStyle/>
-            <a:p>
-              <a:pPr algn="ctr"/>
-              <a:endParaRPr lang="zh-CN" altLang="en-US"/>
-            </a:p>
-          </p:txBody>
-        </p:sp>
-        <p:sp>
-          <p:nvSpPr>
-            <p:cNvPr id="26" name="椭圆 25">
-              <a:extLst>
-                <a:ext uri="{FF2B5EF4-FFF2-40B4-BE49-F238E27FC236}">
-                  <a16:creationId xmlns:a16="http://schemas.microsoft.com/office/drawing/2014/main" id="{5C2A9AD5-9D3D-4CC7-A22F-9D44C87F2D84}"/>
-                </a:ext>
-              </a:extLst>
-            </p:cNvPr>
-            <p:cNvSpPr/>
-            <p:nvPr/>
-          </p:nvSpPr>
-          <p:spPr>
-            <a:xfrm>
-              <a:off x="8581496" y="2559050"/>
-              <a:ext cx="133350" cy="133350"/>
-            </a:xfrm>
-            <a:prstGeom prst="ellipse">
-              <a:avLst/>
-            </a:prstGeom>
-          </p:spPr>
-          <p:style>
-            <a:lnRef idx="2">
-              <a:schemeClr val="accent6">
-                <a:shade val="50000"/>
-              </a:schemeClr>
-            </a:lnRef>
-            <a:fillRef idx="1">
-              <a:schemeClr val="accent6"/>
-            </a:fillRef>
-            <a:effectRef idx="0">
-              <a:schemeClr val="accent6"/>
-            </a:effectRef>
-            <a:fontRef idx="minor">
-              <a:schemeClr val="lt1"/>
-            </a:fontRef>
-          </p:style>
-          <p:txBody>
-            <a:bodyPr rtlCol="0" anchor="ctr"/>
-            <a:lstStyle/>
-            <a:p>
-              <a:pPr algn="ctr"/>
-              <a:endParaRPr lang="zh-CN" altLang="en-US"/>
-            </a:p>
-          </p:txBody>
-        </p:sp>
-        <p:sp>
-          <p:nvSpPr>
-            <p:cNvPr id="27" name="椭圆 26">
-              <a:extLst>
-                <a:ext uri="{FF2B5EF4-FFF2-40B4-BE49-F238E27FC236}">
-                  <a16:creationId xmlns:a16="http://schemas.microsoft.com/office/drawing/2014/main" id="{1D80DDC8-29D5-43AE-A4DD-4749A1DFFD9C}"/>
-                </a:ext>
-              </a:extLst>
-            </p:cNvPr>
-            <p:cNvSpPr/>
-            <p:nvPr/>
-          </p:nvSpPr>
-          <p:spPr>
-            <a:xfrm>
-              <a:off x="8805122" y="2559050"/>
-              <a:ext cx="133350" cy="133350"/>
-            </a:xfrm>
-            <a:prstGeom prst="ellipse">
-              <a:avLst/>
-            </a:prstGeom>
-          </p:spPr>
-          <p:style>
-            <a:lnRef idx="2">
-              <a:schemeClr val="accent6">
-                <a:shade val="50000"/>
-              </a:schemeClr>
-            </a:lnRef>
-            <a:fillRef idx="1">
-              <a:schemeClr val="accent6"/>
-            </a:fillRef>
-            <a:effectRef idx="0">
-              <a:schemeClr val="accent6"/>
-            </a:effectRef>
-            <a:fontRef idx="minor">
-              <a:schemeClr val="lt1"/>
-            </a:fontRef>
-          </p:style>
-          <p:txBody>
-            <a:bodyPr rtlCol="0" anchor="ctr"/>
-            <a:lstStyle/>
-            <a:p>
-              <a:pPr algn="ctr"/>
-              <a:endParaRPr lang="zh-CN" altLang="en-US"/>
-            </a:p>
-          </p:txBody>
-        </p:sp>
-        <p:sp>
-          <p:nvSpPr>
-            <p:cNvPr id="28" name="椭圆 27">
-              <a:extLst>
-                <a:ext uri="{FF2B5EF4-FFF2-40B4-BE49-F238E27FC236}">
-                  <a16:creationId xmlns:a16="http://schemas.microsoft.com/office/drawing/2014/main" id="{5987023E-F2B6-46CF-9D46-D5F7F37CDAB7}"/>
-                </a:ext>
-              </a:extLst>
-            </p:cNvPr>
-            <p:cNvSpPr/>
-            <p:nvPr/>
-          </p:nvSpPr>
-          <p:spPr>
-            <a:xfrm>
-              <a:off x="9023774" y="2559050"/>
-              <a:ext cx="133350" cy="133350"/>
-            </a:xfrm>
-            <a:prstGeom prst="ellipse">
-              <a:avLst/>
-            </a:prstGeom>
-          </p:spPr>
-          <p:style>
-            <a:lnRef idx="2">
-              <a:schemeClr val="accent1">
-                <a:shade val="50000"/>
-              </a:schemeClr>
-            </a:lnRef>
-            <a:fillRef idx="1">
-              <a:schemeClr val="accent1"/>
-            </a:fillRef>
-            <a:effectRef idx="0">
-              <a:schemeClr val="accent1"/>
-            </a:effectRef>
-            <a:fontRef idx="minor">
-              <a:schemeClr val="lt1"/>
-            </a:fontRef>
-          </p:style>
-          <p:txBody>
-            <a:bodyPr rtlCol="0" anchor="ctr"/>
-            <a:lstStyle/>
-            <a:p>
-              <a:pPr algn="ctr"/>
-              <a:endParaRPr lang="zh-CN" altLang="en-US"/>
-            </a:p>
-          </p:txBody>
-        </p:sp>
-        <p:sp>
-          <p:nvSpPr>
-            <p:cNvPr id="29" name="椭圆 28">
-              <a:extLst>
-                <a:ext uri="{FF2B5EF4-FFF2-40B4-BE49-F238E27FC236}">
-                  <a16:creationId xmlns:a16="http://schemas.microsoft.com/office/drawing/2014/main" id="{3DEE0AED-01AC-4EAB-AF7F-88D138DAA400}"/>
-                </a:ext>
-              </a:extLst>
-            </p:cNvPr>
-            <p:cNvSpPr/>
-            <p:nvPr/>
-          </p:nvSpPr>
-          <p:spPr>
-            <a:xfrm>
-              <a:off x="9242849" y="2559050"/>
-              <a:ext cx="133350" cy="133350"/>
-            </a:xfrm>
-            <a:prstGeom prst="ellipse">
-              <a:avLst/>
-            </a:prstGeom>
-          </p:spPr>
-          <p:style>
-            <a:lnRef idx="2">
-              <a:schemeClr val="accent1">
-                <a:shade val="50000"/>
-              </a:schemeClr>
-            </a:lnRef>
-            <a:fillRef idx="1">
-              <a:schemeClr val="accent1"/>
-            </a:fillRef>
-            <a:effectRef idx="0">
-              <a:schemeClr val="accent1"/>
-            </a:effectRef>
-            <a:fontRef idx="minor">
-              <a:schemeClr val="lt1"/>
-            </a:fontRef>
-          </p:style>
-          <p:txBody>
-            <a:bodyPr rtlCol="0" anchor="ctr"/>
-            <a:lstStyle/>
-            <a:p>
-              <a:pPr algn="ctr"/>
-              <a:endParaRPr lang="zh-CN" altLang="en-US"/>
-            </a:p>
-          </p:txBody>
-        </p:sp>
-        <p:sp>
-          <p:nvSpPr>
-            <p:cNvPr id="30" name="椭圆 29">
-              <a:extLst>
-                <a:ext uri="{FF2B5EF4-FFF2-40B4-BE49-F238E27FC236}">
-                  <a16:creationId xmlns:a16="http://schemas.microsoft.com/office/drawing/2014/main" id="{4C348875-90FD-4CFC-BBD3-A1453A987AF7}"/>
-                </a:ext>
-              </a:extLst>
-            </p:cNvPr>
-            <p:cNvSpPr/>
-            <p:nvPr/>
-          </p:nvSpPr>
-          <p:spPr>
-            <a:xfrm>
-              <a:off x="9466475" y="2559050"/>
-              <a:ext cx="133350" cy="133350"/>
-            </a:xfrm>
-            <a:prstGeom prst="ellipse">
-              <a:avLst/>
-            </a:prstGeom>
-          </p:spPr>
-          <p:style>
-            <a:lnRef idx="2">
-              <a:schemeClr val="accent1">
-                <a:shade val="50000"/>
-              </a:schemeClr>
-            </a:lnRef>
-            <a:fillRef idx="1">
-              <a:schemeClr val="accent1"/>
-            </a:fillRef>
-            <a:effectRef idx="0">
-              <a:schemeClr val="accent1"/>
-            </a:effectRef>
-            <a:fontRef idx="minor">
-              <a:schemeClr val="lt1"/>
-            </a:fontRef>
-          </p:style>
-          <p:txBody>
-            <a:bodyPr rtlCol="0" anchor="ctr"/>
-            <a:lstStyle/>
-            <a:p>
-              <a:pPr algn="ctr"/>
-              <a:endParaRPr lang="zh-CN" altLang="en-US"/>
-            </a:p>
-          </p:txBody>
-        </p:sp>
-        <p:sp>
-          <p:nvSpPr>
-            <p:cNvPr id="31" name="椭圆 30">
-              <a:extLst>
-                <a:ext uri="{FF2B5EF4-FFF2-40B4-BE49-F238E27FC236}">
-                  <a16:creationId xmlns:a16="http://schemas.microsoft.com/office/drawing/2014/main" id="{06BC2FAD-86A4-4647-A112-4FBBCC2DF320}"/>
-                </a:ext>
-              </a:extLst>
-            </p:cNvPr>
-            <p:cNvSpPr/>
-            <p:nvPr/>
-          </p:nvSpPr>
-          <p:spPr>
-            <a:xfrm>
-              <a:off x="9690101" y="2559050"/>
-              <a:ext cx="133350" cy="133350"/>
-            </a:xfrm>
-            <a:prstGeom prst="ellipse">
-              <a:avLst/>
-            </a:prstGeom>
-          </p:spPr>
-          <p:style>
-            <a:lnRef idx="2">
-              <a:schemeClr val="accent1">
-                <a:shade val="50000"/>
-              </a:schemeClr>
-            </a:lnRef>
-            <a:fillRef idx="1">
-              <a:schemeClr val="accent1"/>
-            </a:fillRef>
-            <a:effectRef idx="0">
-              <a:schemeClr val="accent1"/>
-            </a:effectRef>
-            <a:fontRef idx="minor">
-              <a:schemeClr val="lt1"/>
-            </a:fontRef>
-          </p:style>
-          <p:txBody>
-            <a:bodyPr rtlCol="0" anchor="ctr"/>
-            <a:lstStyle/>
-            <a:p>
-              <a:pPr algn="ctr"/>
-              <a:endParaRPr lang="zh-CN" altLang="en-US"/>
-            </a:p>
-          </p:txBody>
-        </p:sp>
-        <p:cxnSp>
-          <p:nvCxnSpPr>
-            <p:cNvPr id="32" name="直接连接符 31">
-              <a:extLst>
-                <a:ext uri="{FF2B5EF4-FFF2-40B4-BE49-F238E27FC236}">
-                  <a16:creationId xmlns:a16="http://schemas.microsoft.com/office/drawing/2014/main" id="{33ED0BC4-784F-4A92-8857-48C52FC7B06A}"/>
-                </a:ext>
-              </a:extLst>
-            </p:cNvPr>
-            <p:cNvCxnSpPr>
-              <a:cxnSpLocks/>
-              <a:stCxn id="12" idx="4"/>
-              <a:endCxn id="16" idx="7"/>
-            </p:cNvCxnSpPr>
-            <p:nvPr/>
-          </p:nvCxnSpPr>
-          <p:spPr>
-            <a:xfrm flipH="1">
-              <a:off x="6478320" y="2096796"/>
-              <a:ext cx="287605" cy="481783"/>
-            </a:xfrm>
-            <a:prstGeom prst="line">
-              <a:avLst/>
-            </a:prstGeom>
-          </p:spPr>
-          <p:style>
-            <a:lnRef idx="1">
-              <a:schemeClr val="accent1"/>
-            </a:lnRef>
-            <a:fillRef idx="0">
-              <a:schemeClr val="accent1"/>
-            </a:fillRef>
-            <a:effectRef idx="0">
-              <a:schemeClr val="accent1"/>
-            </a:effectRef>
-            <a:fontRef idx="minor">
-              <a:schemeClr val="tx1"/>
-            </a:fontRef>
-          </p:style>
-        </p:cxnSp>
-        <p:cxnSp>
-          <p:nvCxnSpPr>
-            <p:cNvPr id="33" name="直接连接符 32">
-              <a:extLst>
-                <a:ext uri="{FF2B5EF4-FFF2-40B4-BE49-F238E27FC236}">
-                  <a16:creationId xmlns:a16="http://schemas.microsoft.com/office/drawing/2014/main" id="{9619404F-5891-4E98-8E69-7ED87DE9C797}"/>
-                </a:ext>
-              </a:extLst>
-            </p:cNvPr>
-            <p:cNvCxnSpPr>
-              <a:cxnSpLocks/>
-              <a:stCxn id="12" idx="4"/>
-              <a:endCxn id="17" idx="0"/>
-            </p:cNvCxnSpPr>
-            <p:nvPr/>
-          </p:nvCxnSpPr>
-          <p:spPr>
-            <a:xfrm flipH="1">
-              <a:off x="6650249" y="2096796"/>
-              <a:ext cx="115676" cy="462254"/>
-            </a:xfrm>
-            <a:prstGeom prst="line">
-              <a:avLst/>
-            </a:prstGeom>
-          </p:spPr>
-          <p:style>
-            <a:lnRef idx="1">
-              <a:schemeClr val="accent1"/>
-            </a:lnRef>
-            <a:fillRef idx="0">
-              <a:schemeClr val="accent1"/>
-            </a:fillRef>
-            <a:effectRef idx="0">
-              <a:schemeClr val="accent1"/>
-            </a:effectRef>
-            <a:fontRef idx="minor">
-              <a:schemeClr val="tx1"/>
-            </a:fontRef>
-          </p:style>
-        </p:cxnSp>
-        <p:cxnSp>
-          <p:nvCxnSpPr>
-            <p:cNvPr id="34" name="直接连接符 33">
-              <a:extLst>
-                <a:ext uri="{FF2B5EF4-FFF2-40B4-BE49-F238E27FC236}">
-                  <a16:creationId xmlns:a16="http://schemas.microsoft.com/office/drawing/2014/main" id="{E59A6538-D9F6-4FD7-84CA-19D9DE272E8C}"/>
-                </a:ext>
-              </a:extLst>
-            </p:cNvPr>
-            <p:cNvCxnSpPr>
-              <a:cxnSpLocks/>
-              <a:stCxn id="12" idx="4"/>
-              <a:endCxn id="18" idx="0"/>
-            </p:cNvCxnSpPr>
-            <p:nvPr/>
-          </p:nvCxnSpPr>
-          <p:spPr>
-            <a:xfrm>
-              <a:off x="6765925" y="2096796"/>
-              <a:ext cx="107950" cy="462254"/>
-            </a:xfrm>
-            <a:prstGeom prst="line">
-              <a:avLst/>
-            </a:prstGeom>
-          </p:spPr>
-          <p:style>
-            <a:lnRef idx="1">
-              <a:schemeClr val="accent1"/>
-            </a:lnRef>
-            <a:fillRef idx="0">
-              <a:schemeClr val="accent1"/>
-            </a:fillRef>
-            <a:effectRef idx="0">
-              <a:schemeClr val="accent1"/>
-            </a:effectRef>
-            <a:fontRef idx="minor">
-              <a:schemeClr val="tx1"/>
-            </a:fontRef>
-          </p:style>
-        </p:cxnSp>
-        <p:cxnSp>
-          <p:nvCxnSpPr>
-            <p:cNvPr id="35" name="直接连接符 34">
-              <a:extLst>
-                <a:ext uri="{FF2B5EF4-FFF2-40B4-BE49-F238E27FC236}">
-                  <a16:creationId xmlns:a16="http://schemas.microsoft.com/office/drawing/2014/main" id="{216C3BEF-B0DC-45F7-B980-53FA615487A0}"/>
-                </a:ext>
-              </a:extLst>
-            </p:cNvPr>
-            <p:cNvCxnSpPr>
-              <a:cxnSpLocks/>
-              <a:stCxn id="12" idx="4"/>
-              <a:endCxn id="19" idx="0"/>
-            </p:cNvCxnSpPr>
-            <p:nvPr/>
-          </p:nvCxnSpPr>
-          <p:spPr>
-            <a:xfrm>
-              <a:off x="6765925" y="2096796"/>
-              <a:ext cx="331576" cy="462254"/>
-            </a:xfrm>
-            <a:prstGeom prst="line">
-              <a:avLst/>
-            </a:prstGeom>
-          </p:spPr>
-          <p:style>
-            <a:lnRef idx="1">
-              <a:schemeClr val="accent1"/>
-            </a:lnRef>
-            <a:fillRef idx="0">
-              <a:schemeClr val="accent1"/>
-            </a:fillRef>
-            <a:effectRef idx="0">
-              <a:schemeClr val="accent1"/>
-            </a:effectRef>
-            <a:fontRef idx="minor">
-              <a:schemeClr val="tx1"/>
-            </a:fontRef>
-          </p:style>
-        </p:cxnSp>
-        <p:cxnSp>
-          <p:nvCxnSpPr>
-            <p:cNvPr id="36" name="直接连接符 35">
-              <a:extLst>
-                <a:ext uri="{FF2B5EF4-FFF2-40B4-BE49-F238E27FC236}">
-                  <a16:creationId xmlns:a16="http://schemas.microsoft.com/office/drawing/2014/main" id="{B63D328C-D5D7-4CA8-BFA6-8E06CD779DBA}"/>
-                </a:ext>
-              </a:extLst>
-            </p:cNvPr>
-            <p:cNvCxnSpPr>
-              <a:cxnSpLocks/>
-              <a:stCxn id="13" idx="4"/>
-              <a:endCxn id="20" idx="0"/>
-            </p:cNvCxnSpPr>
-            <p:nvPr/>
-          </p:nvCxnSpPr>
-          <p:spPr>
-            <a:xfrm flipH="1">
-              <a:off x="7316153" y="2096796"/>
-              <a:ext cx="335068" cy="462254"/>
-            </a:xfrm>
-            <a:prstGeom prst="line">
-              <a:avLst/>
-            </a:prstGeom>
-          </p:spPr>
-          <p:style>
-            <a:lnRef idx="1">
-              <a:schemeClr val="accent1"/>
-            </a:lnRef>
-            <a:fillRef idx="0">
-              <a:schemeClr val="accent1"/>
-            </a:fillRef>
-            <a:effectRef idx="0">
-              <a:schemeClr val="accent1"/>
-            </a:effectRef>
-            <a:fontRef idx="minor">
-              <a:schemeClr val="tx1"/>
-            </a:fontRef>
-          </p:style>
-        </p:cxnSp>
-        <p:cxnSp>
-          <p:nvCxnSpPr>
-            <p:cNvPr id="37" name="直接连接符 36">
-              <a:extLst>
-                <a:ext uri="{FF2B5EF4-FFF2-40B4-BE49-F238E27FC236}">
-                  <a16:creationId xmlns:a16="http://schemas.microsoft.com/office/drawing/2014/main" id="{A2BD4700-57DC-4C8B-A55B-040E6E7087D3}"/>
-                </a:ext>
-              </a:extLst>
-            </p:cNvPr>
-            <p:cNvCxnSpPr>
-              <a:cxnSpLocks/>
-              <a:stCxn id="13" idx="4"/>
-              <a:endCxn id="21" idx="0"/>
-            </p:cNvCxnSpPr>
-            <p:nvPr/>
-          </p:nvCxnSpPr>
-          <p:spPr>
-            <a:xfrm flipH="1">
-              <a:off x="7535228" y="2096796"/>
-              <a:ext cx="115993" cy="462254"/>
-            </a:xfrm>
-            <a:prstGeom prst="line">
-              <a:avLst/>
-            </a:prstGeom>
-          </p:spPr>
-          <p:style>
-            <a:lnRef idx="1">
-              <a:schemeClr val="accent1"/>
-            </a:lnRef>
-            <a:fillRef idx="0">
-              <a:schemeClr val="accent1"/>
-            </a:fillRef>
-            <a:effectRef idx="0">
-              <a:schemeClr val="accent1"/>
-            </a:effectRef>
-            <a:fontRef idx="minor">
-              <a:schemeClr val="tx1"/>
-            </a:fontRef>
-          </p:style>
-        </p:cxnSp>
-        <p:cxnSp>
-          <p:nvCxnSpPr>
-            <p:cNvPr id="38" name="直接连接符 37">
-              <a:extLst>
-                <a:ext uri="{FF2B5EF4-FFF2-40B4-BE49-F238E27FC236}">
-                  <a16:creationId xmlns:a16="http://schemas.microsoft.com/office/drawing/2014/main" id="{A8A6877B-55B2-4712-B20A-573276AC8483}"/>
-                </a:ext>
-              </a:extLst>
-            </p:cNvPr>
-            <p:cNvCxnSpPr>
-              <a:cxnSpLocks/>
-              <a:stCxn id="13" idx="4"/>
-              <a:endCxn id="22" idx="0"/>
-            </p:cNvCxnSpPr>
-            <p:nvPr/>
-          </p:nvCxnSpPr>
-          <p:spPr>
-            <a:xfrm>
-              <a:off x="7651221" y="2096796"/>
-              <a:ext cx="107633" cy="462254"/>
-            </a:xfrm>
-            <a:prstGeom prst="line">
-              <a:avLst/>
-            </a:prstGeom>
-          </p:spPr>
-          <p:style>
-            <a:lnRef idx="1">
-              <a:schemeClr val="accent1"/>
-            </a:lnRef>
-            <a:fillRef idx="0">
-              <a:schemeClr val="accent1"/>
-            </a:fillRef>
-            <a:effectRef idx="0">
-              <a:schemeClr val="accent1"/>
-            </a:effectRef>
-            <a:fontRef idx="minor">
-              <a:schemeClr val="tx1"/>
-            </a:fontRef>
-          </p:style>
-        </p:cxnSp>
-        <p:cxnSp>
-          <p:nvCxnSpPr>
-            <p:cNvPr id="39" name="直接连接符 38">
-              <a:extLst>
-                <a:ext uri="{FF2B5EF4-FFF2-40B4-BE49-F238E27FC236}">
-                  <a16:creationId xmlns:a16="http://schemas.microsoft.com/office/drawing/2014/main" id="{F0882765-B5A0-491F-A9A8-EBF062DF2D41}"/>
-                </a:ext>
-              </a:extLst>
-            </p:cNvPr>
-            <p:cNvCxnSpPr>
-              <a:cxnSpLocks/>
-              <a:stCxn id="13" idx="4"/>
-              <a:endCxn id="23" idx="0"/>
-            </p:cNvCxnSpPr>
-            <p:nvPr/>
-          </p:nvCxnSpPr>
-          <p:spPr>
-            <a:xfrm>
-              <a:off x="7651221" y="2096796"/>
-              <a:ext cx="331259" cy="462254"/>
-            </a:xfrm>
-            <a:prstGeom prst="line">
-              <a:avLst/>
-            </a:prstGeom>
-          </p:spPr>
-          <p:style>
-            <a:lnRef idx="1">
-              <a:schemeClr val="accent1"/>
-            </a:lnRef>
-            <a:fillRef idx="0">
-              <a:schemeClr val="accent1"/>
-            </a:fillRef>
-            <a:effectRef idx="0">
-              <a:schemeClr val="accent1"/>
-            </a:effectRef>
-            <a:fontRef idx="minor">
-              <a:schemeClr val="tx1"/>
-            </a:fontRef>
-          </p:style>
-        </p:cxnSp>
-        <p:cxnSp>
-          <p:nvCxnSpPr>
-            <p:cNvPr id="40" name="直接连接符 39">
-              <a:extLst>
-                <a:ext uri="{FF2B5EF4-FFF2-40B4-BE49-F238E27FC236}">
-                  <a16:creationId xmlns:a16="http://schemas.microsoft.com/office/drawing/2014/main" id="{03145ECA-62BA-49D1-B10E-B9FE13E4DA62}"/>
-                </a:ext>
-              </a:extLst>
-            </p:cNvPr>
-            <p:cNvCxnSpPr>
-              <a:cxnSpLocks/>
-              <a:stCxn id="14" idx="4"/>
-              <a:endCxn id="24" idx="0"/>
-            </p:cNvCxnSpPr>
-            <p:nvPr/>
-          </p:nvCxnSpPr>
-          <p:spPr>
-            <a:xfrm flipH="1">
-              <a:off x="8205470" y="2091742"/>
-              <a:ext cx="309139" cy="467308"/>
-            </a:xfrm>
-            <a:prstGeom prst="line">
-              <a:avLst/>
-            </a:prstGeom>
-          </p:spPr>
-          <p:style>
-            <a:lnRef idx="1">
-              <a:schemeClr val="accent1"/>
-            </a:lnRef>
-            <a:fillRef idx="0">
-              <a:schemeClr val="accent1"/>
-            </a:fillRef>
-            <a:effectRef idx="0">
-              <a:schemeClr val="accent1"/>
-            </a:effectRef>
-            <a:fontRef idx="minor">
-              <a:schemeClr val="tx1"/>
-            </a:fontRef>
-          </p:style>
-        </p:cxnSp>
-        <p:cxnSp>
-          <p:nvCxnSpPr>
-            <p:cNvPr id="41" name="直接连接符 40">
-              <a:extLst>
-                <a:ext uri="{FF2B5EF4-FFF2-40B4-BE49-F238E27FC236}">
-                  <a16:creationId xmlns:a16="http://schemas.microsoft.com/office/drawing/2014/main" id="{8C031156-54DB-4311-89FA-4525A736741B}"/>
-                </a:ext>
-              </a:extLst>
-            </p:cNvPr>
-            <p:cNvCxnSpPr>
-              <a:cxnSpLocks/>
-              <a:stCxn id="14" idx="4"/>
-              <a:endCxn id="25" idx="0"/>
-            </p:cNvCxnSpPr>
-            <p:nvPr/>
-          </p:nvCxnSpPr>
-          <p:spPr>
-            <a:xfrm flipH="1">
-              <a:off x="8424545" y="2091742"/>
-              <a:ext cx="90064" cy="467308"/>
-            </a:xfrm>
-            <a:prstGeom prst="line">
-              <a:avLst/>
-            </a:prstGeom>
-          </p:spPr>
-          <p:style>
-            <a:lnRef idx="1">
-              <a:schemeClr val="accent1"/>
-            </a:lnRef>
-            <a:fillRef idx="0">
-              <a:schemeClr val="accent1"/>
-            </a:fillRef>
-            <a:effectRef idx="0">
-              <a:schemeClr val="accent1"/>
-            </a:effectRef>
-            <a:fontRef idx="minor">
-              <a:schemeClr val="tx1"/>
-            </a:fontRef>
-          </p:style>
-        </p:cxnSp>
-        <p:cxnSp>
-          <p:nvCxnSpPr>
-            <p:cNvPr id="42" name="直接连接符 41">
-              <a:extLst>
-                <a:ext uri="{FF2B5EF4-FFF2-40B4-BE49-F238E27FC236}">
-                  <a16:creationId xmlns:a16="http://schemas.microsoft.com/office/drawing/2014/main" id="{D8421FE9-D66E-4DE5-81E3-AF5710034765}"/>
-                </a:ext>
-              </a:extLst>
-            </p:cNvPr>
-            <p:cNvCxnSpPr>
-              <a:cxnSpLocks/>
-              <a:stCxn id="14" idx="4"/>
-              <a:endCxn id="26" idx="0"/>
-            </p:cNvCxnSpPr>
-            <p:nvPr/>
-          </p:nvCxnSpPr>
-          <p:spPr>
-            <a:xfrm>
-              <a:off x="8514609" y="2091742"/>
-              <a:ext cx="133562" cy="467308"/>
-            </a:xfrm>
-            <a:prstGeom prst="line">
-              <a:avLst/>
-            </a:prstGeom>
-          </p:spPr>
-          <p:style>
-            <a:lnRef idx="1">
-              <a:schemeClr val="accent1"/>
-            </a:lnRef>
-            <a:fillRef idx="0">
-              <a:schemeClr val="accent1"/>
-            </a:fillRef>
-            <a:effectRef idx="0">
-              <a:schemeClr val="accent1"/>
-            </a:effectRef>
-            <a:fontRef idx="minor">
-              <a:schemeClr val="tx1"/>
-            </a:fontRef>
-          </p:style>
-        </p:cxnSp>
-        <p:cxnSp>
-          <p:nvCxnSpPr>
-            <p:cNvPr id="43" name="直接连接符 42">
-              <a:extLst>
-                <a:ext uri="{FF2B5EF4-FFF2-40B4-BE49-F238E27FC236}">
-                  <a16:creationId xmlns:a16="http://schemas.microsoft.com/office/drawing/2014/main" id="{AE1B7AB9-6672-4A80-820B-100A140A9EF4}"/>
-                </a:ext>
-              </a:extLst>
-            </p:cNvPr>
-            <p:cNvCxnSpPr>
-              <a:cxnSpLocks/>
-              <a:stCxn id="14" idx="4"/>
-              <a:endCxn id="27" idx="0"/>
-            </p:cNvCxnSpPr>
-            <p:nvPr/>
-          </p:nvCxnSpPr>
-          <p:spPr>
-            <a:xfrm>
-              <a:off x="8514609" y="2091742"/>
-              <a:ext cx="357188" cy="467308"/>
-            </a:xfrm>
-            <a:prstGeom prst="line">
-              <a:avLst/>
-            </a:prstGeom>
-          </p:spPr>
-          <p:style>
-            <a:lnRef idx="1">
-              <a:schemeClr val="accent1"/>
-            </a:lnRef>
-            <a:fillRef idx="0">
-              <a:schemeClr val="accent1"/>
-            </a:fillRef>
-            <a:effectRef idx="0">
-              <a:schemeClr val="accent1"/>
-            </a:effectRef>
-            <a:fontRef idx="minor">
-              <a:schemeClr val="tx1"/>
-            </a:fontRef>
-          </p:style>
-        </p:cxnSp>
-        <p:cxnSp>
-          <p:nvCxnSpPr>
-            <p:cNvPr id="44" name="直接连接符 43">
-              <a:extLst>
-                <a:ext uri="{FF2B5EF4-FFF2-40B4-BE49-F238E27FC236}">
-                  <a16:creationId xmlns:a16="http://schemas.microsoft.com/office/drawing/2014/main" id="{E694632A-8266-4789-BDB5-C6517236467A}"/>
-                </a:ext>
-              </a:extLst>
-            </p:cNvPr>
-            <p:cNvCxnSpPr>
-              <a:cxnSpLocks/>
-              <a:stCxn id="15" idx="4"/>
-              <a:endCxn id="28" idx="0"/>
-            </p:cNvCxnSpPr>
-            <p:nvPr/>
-          </p:nvCxnSpPr>
-          <p:spPr>
-            <a:xfrm flipH="1">
-              <a:off x="9090449" y="2091742"/>
-              <a:ext cx="335809" cy="467308"/>
-            </a:xfrm>
-            <a:prstGeom prst="line">
-              <a:avLst/>
-            </a:prstGeom>
-          </p:spPr>
-          <p:style>
-            <a:lnRef idx="1">
-              <a:schemeClr val="accent1"/>
-            </a:lnRef>
-            <a:fillRef idx="0">
-              <a:schemeClr val="accent1"/>
-            </a:fillRef>
-            <a:effectRef idx="0">
-              <a:schemeClr val="accent1"/>
-            </a:effectRef>
-            <a:fontRef idx="minor">
-              <a:schemeClr val="tx1"/>
-            </a:fontRef>
-          </p:style>
-        </p:cxnSp>
-        <p:cxnSp>
-          <p:nvCxnSpPr>
-            <p:cNvPr id="45" name="直接连接符 44">
-              <a:extLst>
-                <a:ext uri="{FF2B5EF4-FFF2-40B4-BE49-F238E27FC236}">
-                  <a16:creationId xmlns:a16="http://schemas.microsoft.com/office/drawing/2014/main" id="{C9DF6448-3D7A-4E55-B794-96763F213DCC}"/>
-                </a:ext>
-              </a:extLst>
-            </p:cNvPr>
-            <p:cNvCxnSpPr>
-              <a:cxnSpLocks/>
-              <a:stCxn id="15" idx="4"/>
-              <a:endCxn id="29" idx="0"/>
-            </p:cNvCxnSpPr>
-            <p:nvPr/>
-          </p:nvCxnSpPr>
-          <p:spPr>
-            <a:xfrm flipH="1">
-              <a:off x="9309524" y="2091742"/>
-              <a:ext cx="116734" cy="467308"/>
-            </a:xfrm>
-            <a:prstGeom prst="line">
-              <a:avLst/>
-            </a:prstGeom>
-          </p:spPr>
-          <p:style>
-            <a:lnRef idx="1">
-              <a:schemeClr val="accent1"/>
-            </a:lnRef>
-            <a:fillRef idx="0">
-              <a:schemeClr val="accent1"/>
-            </a:fillRef>
-            <a:effectRef idx="0">
-              <a:schemeClr val="accent1"/>
-            </a:effectRef>
-            <a:fontRef idx="minor">
-              <a:schemeClr val="tx1"/>
-            </a:fontRef>
-          </p:style>
-        </p:cxnSp>
-        <p:cxnSp>
-          <p:nvCxnSpPr>
-            <p:cNvPr id="46" name="直接连接符 45">
-              <a:extLst>
-                <a:ext uri="{FF2B5EF4-FFF2-40B4-BE49-F238E27FC236}">
-                  <a16:creationId xmlns:a16="http://schemas.microsoft.com/office/drawing/2014/main" id="{852FD57B-56BE-4CB0-9DCD-C412DB99F285}"/>
-                </a:ext>
-              </a:extLst>
-            </p:cNvPr>
-            <p:cNvCxnSpPr>
-              <a:cxnSpLocks/>
-              <a:stCxn id="15" idx="4"/>
-              <a:endCxn id="30" idx="0"/>
-            </p:cNvCxnSpPr>
-            <p:nvPr/>
-          </p:nvCxnSpPr>
-          <p:spPr>
-            <a:xfrm>
-              <a:off x="9426258" y="2091742"/>
-              <a:ext cx="106892" cy="467308"/>
-            </a:xfrm>
-            <a:prstGeom prst="line">
-              <a:avLst/>
-            </a:prstGeom>
-          </p:spPr>
-          <p:style>
-            <a:lnRef idx="1">
-              <a:schemeClr val="accent1"/>
-            </a:lnRef>
-            <a:fillRef idx="0">
-              <a:schemeClr val="accent1"/>
-            </a:fillRef>
-            <a:effectRef idx="0">
-              <a:schemeClr val="accent1"/>
-            </a:effectRef>
-            <a:fontRef idx="minor">
-              <a:schemeClr val="tx1"/>
-            </a:fontRef>
-          </p:style>
-        </p:cxnSp>
-        <p:cxnSp>
-          <p:nvCxnSpPr>
-            <p:cNvPr id="47" name="直接连接符 46">
-              <a:extLst>
-                <a:ext uri="{FF2B5EF4-FFF2-40B4-BE49-F238E27FC236}">
-                  <a16:creationId xmlns:a16="http://schemas.microsoft.com/office/drawing/2014/main" id="{41A59398-C3AF-417E-B62D-6A65800D8FED}"/>
-                </a:ext>
-              </a:extLst>
-            </p:cNvPr>
-            <p:cNvCxnSpPr>
-              <a:cxnSpLocks/>
-              <a:stCxn id="15" idx="4"/>
-              <a:endCxn id="31" idx="0"/>
-            </p:cNvCxnSpPr>
-            <p:nvPr/>
-          </p:nvCxnSpPr>
-          <p:spPr>
-            <a:xfrm>
-              <a:off x="9426258" y="2091742"/>
-              <a:ext cx="330518" cy="467308"/>
-            </a:xfrm>
-            <a:prstGeom prst="line">
-              <a:avLst/>
-            </a:prstGeom>
-          </p:spPr>
-          <p:style>
-            <a:lnRef idx="1">
-              <a:schemeClr val="accent1"/>
-            </a:lnRef>
-            <a:fillRef idx="0">
-              <a:schemeClr val="accent1"/>
-            </a:fillRef>
-            <a:effectRef idx="0">
-              <a:schemeClr val="accent1"/>
-            </a:effectRef>
-            <a:fontRef idx="minor">
-              <a:schemeClr val="tx1"/>
-            </a:fontRef>
-          </p:style>
-        </p:cxnSp>
-        <p:cxnSp>
-          <p:nvCxnSpPr>
-            <p:cNvPr id="48" name="直接连接符 47">
-              <a:extLst>
-                <a:ext uri="{FF2B5EF4-FFF2-40B4-BE49-F238E27FC236}">
-                  <a16:creationId xmlns:a16="http://schemas.microsoft.com/office/drawing/2014/main" id="{793EA71A-ACD8-42E7-A2FB-FE14824203D0}"/>
-                </a:ext>
-              </a:extLst>
-            </p:cNvPr>
-            <p:cNvCxnSpPr>
-              <a:cxnSpLocks/>
-              <a:stCxn id="11" idx="4"/>
-              <a:endCxn id="12" idx="0"/>
-            </p:cNvCxnSpPr>
-            <p:nvPr/>
-          </p:nvCxnSpPr>
-          <p:spPr>
-            <a:xfrm flipH="1">
-              <a:off x="6765925" y="1399593"/>
-              <a:ext cx="1373348" cy="481303"/>
-            </a:xfrm>
-            <a:prstGeom prst="line">
-              <a:avLst/>
-            </a:prstGeom>
-          </p:spPr>
-          <p:style>
-            <a:lnRef idx="1">
-              <a:schemeClr val="accent1"/>
-            </a:lnRef>
-            <a:fillRef idx="0">
-              <a:schemeClr val="accent1"/>
-            </a:fillRef>
-            <a:effectRef idx="0">
-              <a:schemeClr val="accent1"/>
-            </a:effectRef>
-            <a:fontRef idx="minor">
-              <a:schemeClr val="tx1"/>
-            </a:fontRef>
-          </p:style>
-        </p:cxnSp>
-        <p:cxnSp>
-          <p:nvCxnSpPr>
-            <p:cNvPr id="49" name="直接连接符 48">
-              <a:extLst>
-                <a:ext uri="{FF2B5EF4-FFF2-40B4-BE49-F238E27FC236}">
-                  <a16:creationId xmlns:a16="http://schemas.microsoft.com/office/drawing/2014/main" id="{AC2F21F2-697E-4CB8-9111-6B724AF9A772}"/>
-                </a:ext>
-              </a:extLst>
-            </p:cNvPr>
-            <p:cNvCxnSpPr>
-              <a:cxnSpLocks/>
-              <a:stCxn id="11" idx="4"/>
-              <a:endCxn id="13" idx="0"/>
-            </p:cNvCxnSpPr>
-            <p:nvPr/>
-          </p:nvCxnSpPr>
-          <p:spPr>
-            <a:xfrm flipH="1">
-              <a:off x="7651221" y="1399593"/>
-              <a:ext cx="488052" cy="481303"/>
-            </a:xfrm>
-            <a:prstGeom prst="line">
-              <a:avLst/>
-            </a:prstGeom>
-          </p:spPr>
-          <p:style>
-            <a:lnRef idx="1">
-              <a:schemeClr val="accent1"/>
-            </a:lnRef>
-            <a:fillRef idx="0">
-              <a:schemeClr val="accent1"/>
-            </a:fillRef>
-            <a:effectRef idx="0">
-              <a:schemeClr val="accent1"/>
-            </a:effectRef>
-            <a:fontRef idx="minor">
-              <a:schemeClr val="tx1"/>
-            </a:fontRef>
-          </p:style>
-        </p:cxnSp>
-        <p:cxnSp>
-          <p:nvCxnSpPr>
-            <p:cNvPr id="50" name="直接连接符 49">
-              <a:extLst>
-                <a:ext uri="{FF2B5EF4-FFF2-40B4-BE49-F238E27FC236}">
-                  <a16:creationId xmlns:a16="http://schemas.microsoft.com/office/drawing/2014/main" id="{1F2DF878-E88E-4E8D-96C9-7F9700E23437}"/>
-                </a:ext>
-              </a:extLst>
-            </p:cNvPr>
-            <p:cNvCxnSpPr>
-              <a:cxnSpLocks/>
-              <a:stCxn id="11" idx="4"/>
-              <a:endCxn id="14" idx="0"/>
-            </p:cNvCxnSpPr>
-            <p:nvPr/>
-          </p:nvCxnSpPr>
-          <p:spPr>
-            <a:xfrm>
-              <a:off x="8139273" y="1399593"/>
-              <a:ext cx="375336" cy="476249"/>
-            </a:xfrm>
-            <a:prstGeom prst="line">
-              <a:avLst/>
-            </a:prstGeom>
-          </p:spPr>
-          <p:style>
-            <a:lnRef idx="1">
-              <a:schemeClr val="accent1"/>
-            </a:lnRef>
-            <a:fillRef idx="0">
-              <a:schemeClr val="accent1"/>
-            </a:fillRef>
-            <a:effectRef idx="0">
-              <a:schemeClr val="accent1"/>
-            </a:effectRef>
-            <a:fontRef idx="minor">
-              <a:schemeClr val="tx1"/>
-            </a:fontRef>
-          </p:style>
-        </p:cxnSp>
-        <p:cxnSp>
-          <p:nvCxnSpPr>
-            <p:cNvPr id="51" name="直接连接符 50">
-              <a:extLst>
-                <a:ext uri="{FF2B5EF4-FFF2-40B4-BE49-F238E27FC236}">
-                  <a16:creationId xmlns:a16="http://schemas.microsoft.com/office/drawing/2014/main" id="{F0CA19CC-1726-43F4-BA12-FCE9131C36D3}"/>
-                </a:ext>
-              </a:extLst>
-            </p:cNvPr>
-            <p:cNvCxnSpPr>
-              <a:cxnSpLocks/>
-              <a:stCxn id="11" idx="4"/>
-              <a:endCxn id="15" idx="0"/>
-            </p:cNvCxnSpPr>
-            <p:nvPr/>
-          </p:nvCxnSpPr>
-          <p:spPr>
-            <a:xfrm>
-              <a:off x="8139273" y="1399593"/>
-              <a:ext cx="1286985" cy="476249"/>
-            </a:xfrm>
-            <a:prstGeom prst="line">
-              <a:avLst/>
-            </a:prstGeom>
-          </p:spPr>
-          <p:style>
-            <a:lnRef idx="1">
-              <a:schemeClr val="accent1"/>
-            </a:lnRef>
-            <a:fillRef idx="0">
-              <a:schemeClr val="accent1"/>
-            </a:fillRef>
-            <a:effectRef idx="0">
-              <a:schemeClr val="accent1"/>
-            </a:effectRef>
-            <a:fontRef idx="minor">
-              <a:schemeClr val="tx1"/>
-            </a:fontRef>
-          </p:style>
-        </p:cxnSp>
-      </p:grpSp>
-      <p:graphicFrame>
-        <p:nvGraphicFramePr>
-          <p:cNvPr id="6" name="图示 5">
-            <a:extLst>
-              <a:ext uri="{FF2B5EF4-FFF2-40B4-BE49-F238E27FC236}">
-                <a16:creationId xmlns:a16="http://schemas.microsoft.com/office/drawing/2014/main" id="{D27C7C00-E023-45D1-BA1E-106C5AF2ED7B}"/>
-              </a:ext>
-            </a:extLst>
-          </p:cNvPr>
-          <p:cNvGraphicFramePr/>
-          <p:nvPr>
-            <p:extLst>
-              <p:ext uri="{D42A27DB-BD31-4B8C-83A1-F6EECF244321}">
-                <p14:modId xmlns:p14="http://schemas.microsoft.com/office/powerpoint/2010/main" val="2470266937"/>
-              </p:ext>
-            </p:extLst>
-          </p:nvPr>
-        </p:nvGraphicFramePr>
-        <p:xfrm>
-          <a:off x="4899846" y="-210088"/>
-          <a:ext cx="2027747" cy="3997094"/>
-        </p:xfrm>
-        <a:graphic>
-          <a:graphicData uri="http://schemas.openxmlformats.org/drawingml/2006/diagram">
-            <dgm:relIds xmlns:dgm="http://schemas.openxmlformats.org/drawingml/2006/diagram" xmlns:r="http://schemas.openxmlformats.org/officeDocument/2006/relationships" r:dm="rId3" r:lo="rId4" r:qs="rId5" r:cs="rId6"/>
-          </a:graphicData>
-        </a:graphic>
-      </p:graphicFrame>
-      <p:sp>
-        <p:nvSpPr>
-          <p:cNvPr id="7" name="箭头: 右 6">
-            <a:extLst>
-              <a:ext uri="{FF2B5EF4-FFF2-40B4-BE49-F238E27FC236}">
-                <a16:creationId xmlns:a16="http://schemas.microsoft.com/office/drawing/2014/main" id="{BD1E59CA-1BC9-4122-A9D3-C6CE0FFB71A4}"/>
-              </a:ext>
-            </a:extLst>
-          </p:cNvPr>
-          <p:cNvSpPr/>
-          <p:nvPr/>
-        </p:nvSpPr>
-        <p:spPr>
-          <a:xfrm>
-            <a:off x="4462408" y="1621178"/>
-            <a:ext cx="475212" cy="157662"/>
-          </a:xfrm>
-          <a:prstGeom prst="rightArrow">
-            <a:avLst/>
-          </a:prstGeom>
-        </p:spPr>
-        <p:style>
-          <a:lnRef idx="2">
-            <a:schemeClr val="accent1">
-              <a:shade val="50000"/>
-            </a:schemeClr>
-          </a:lnRef>
-          <a:fillRef idx="1">
-            <a:schemeClr val="accent1"/>
-          </a:fillRef>
-          <a:effectRef idx="0">
-            <a:schemeClr val="accent1"/>
-          </a:effectRef>
-          <a:fontRef idx="minor">
-            <a:schemeClr val="lt1"/>
-          </a:fontRef>
-        </p:style>
-        <p:txBody>
-          <a:bodyPr rtlCol="0" anchor="ctr"/>
-          <a:lstStyle/>
-          <a:p>
-            <a:pPr algn="ctr"/>
-            <a:endParaRPr lang="zh-CN" altLang="en-US"/>
-          </a:p>
-        </p:txBody>
-      </p:sp>
-      <p:sp>
-        <p:nvSpPr>
-          <p:cNvPr id="52" name="文本框 51">
-            <a:extLst>
-              <a:ext uri="{FF2B5EF4-FFF2-40B4-BE49-F238E27FC236}">
-                <a16:creationId xmlns:a16="http://schemas.microsoft.com/office/drawing/2014/main" id="{B3AC26A7-B30B-4DB4-A591-2A3B87B78B86}"/>
-              </a:ext>
-            </a:extLst>
-          </p:cNvPr>
-          <p:cNvSpPr txBox="1"/>
-          <p:nvPr/>
-        </p:nvSpPr>
-        <p:spPr>
-          <a:xfrm>
-            <a:off x="3484368" y="2852138"/>
-            <a:ext cx="2668977" cy="369332"/>
-          </a:xfrm>
-          <a:prstGeom prst="rect">
-            <a:avLst/>
-          </a:prstGeom>
-          <a:noFill/>
-        </p:spPr>
-        <p:txBody>
-          <a:bodyPr wrap="square" rtlCol="0">
-            <a:spAutoFit/>
-          </a:bodyPr>
-          <a:lstStyle/>
-          <a:p>
-            <a:r>
-              <a:rPr lang="en-US" altLang="zh-CN" dirty="0"/>
-              <a:t>1. Task tree generation</a:t>
-            </a:r>
-          </a:p>
-        </p:txBody>
-      </p:sp>
-      <p:grpSp>
-        <p:nvGrpSpPr>
-          <p:cNvPr id="67" name="组合 66">
-            <a:extLst>
-              <a:ext uri="{FF2B5EF4-FFF2-40B4-BE49-F238E27FC236}">
-                <a16:creationId xmlns:a16="http://schemas.microsoft.com/office/drawing/2014/main" id="{DFF3443C-DC83-4993-BE2C-6A4609EAB198}"/>
-              </a:ext>
-            </a:extLst>
-          </p:cNvPr>
-          <p:cNvGrpSpPr/>
-          <p:nvPr/>
-        </p:nvGrpSpPr>
-        <p:grpSpPr>
-          <a:xfrm>
-            <a:off x="7771755" y="511510"/>
-            <a:ext cx="1744008" cy="2368777"/>
-            <a:chOff x="6428442" y="529339"/>
-            <a:chExt cx="1253065" cy="1765300"/>
-          </a:xfrm>
-        </p:grpSpPr>
-        <p:graphicFrame>
-          <p:nvGraphicFramePr>
-            <p:cNvPr id="53" name="图示 52">
-              <a:extLst>
-                <a:ext uri="{FF2B5EF4-FFF2-40B4-BE49-F238E27FC236}">
-                  <a16:creationId xmlns:a16="http://schemas.microsoft.com/office/drawing/2014/main" id="{601BBCE4-B8A0-484F-9388-414F15EA7F2F}"/>
-                </a:ext>
-              </a:extLst>
-            </p:cNvPr>
-            <p:cNvGraphicFramePr/>
-            <p:nvPr>
-              <p:extLst>
-                <p:ext uri="{D42A27DB-BD31-4B8C-83A1-F6EECF244321}">
-                  <p14:modId xmlns:p14="http://schemas.microsoft.com/office/powerpoint/2010/main" val="1970161294"/>
-                </p:ext>
-              </p:extLst>
-            </p:nvPr>
-          </p:nvGraphicFramePr>
-          <p:xfrm>
-            <a:off x="6687125" y="529339"/>
-            <a:ext cx="747398" cy="1765300"/>
-          </p:xfrm>
-          <a:graphic>
-            <a:graphicData uri="http://schemas.openxmlformats.org/drawingml/2006/diagram">
-              <dgm:relIds xmlns:dgm="http://schemas.openxmlformats.org/drawingml/2006/diagram" xmlns:r="http://schemas.openxmlformats.org/officeDocument/2006/relationships" r:dm="rId8" r:lo="rId9" r:qs="rId10" r:cs="rId11"/>
-            </a:graphicData>
-          </a:graphic>
-        </p:graphicFrame>
-        <p:sp>
-          <p:nvSpPr>
-            <p:cNvPr id="54" name="箭头: 右弧形 53">
-              <a:extLst>
-                <a:ext uri="{FF2B5EF4-FFF2-40B4-BE49-F238E27FC236}">
-                  <a16:creationId xmlns:a16="http://schemas.microsoft.com/office/drawing/2014/main" id="{5E8195AF-7ADE-4679-8E5B-D80D33FE8727}"/>
-                </a:ext>
-              </a:extLst>
-            </p:cNvPr>
-            <p:cNvSpPr/>
-            <p:nvPr/>
-          </p:nvSpPr>
-          <p:spPr>
-            <a:xfrm>
-              <a:off x="7434523" y="775244"/>
-              <a:ext cx="229927" cy="266156"/>
-            </a:xfrm>
-            <a:prstGeom prst="curvedLeftArrow">
-              <a:avLst/>
-            </a:prstGeom>
-          </p:spPr>
-          <p:style>
-            <a:lnRef idx="2">
-              <a:schemeClr val="accent1">
-                <a:shade val="50000"/>
-              </a:schemeClr>
-            </a:lnRef>
-            <a:fillRef idx="1">
-              <a:schemeClr val="accent1"/>
-            </a:fillRef>
-            <a:effectRef idx="0">
-              <a:schemeClr val="accent1"/>
-            </a:effectRef>
-            <a:fontRef idx="minor">
-              <a:schemeClr val="lt1"/>
-            </a:fontRef>
-          </p:style>
-          <p:txBody>
-            <a:bodyPr rtlCol="0" anchor="ctr"/>
-            <a:lstStyle/>
-            <a:p>
-              <a:pPr algn="ctr"/>
-              <a:endParaRPr lang="zh-CN" altLang="en-US">
-                <a:solidFill>
-                  <a:schemeClr val="tx1"/>
-                </a:solidFill>
-              </a:endParaRPr>
-            </a:p>
-          </p:txBody>
-        </p:sp>
-        <p:sp>
-          <p:nvSpPr>
-            <p:cNvPr id="55" name="箭头: 右弧形 54">
-              <a:extLst>
-                <a:ext uri="{FF2B5EF4-FFF2-40B4-BE49-F238E27FC236}">
-                  <a16:creationId xmlns:a16="http://schemas.microsoft.com/office/drawing/2014/main" id="{2A942F6A-E6E9-462A-A68C-CD78D857A873}"/>
-                </a:ext>
-              </a:extLst>
-            </p:cNvPr>
-            <p:cNvSpPr/>
-            <p:nvPr/>
-          </p:nvSpPr>
-          <p:spPr>
-            <a:xfrm>
-              <a:off x="7451580" y="1045991"/>
-              <a:ext cx="229927" cy="266156"/>
-            </a:xfrm>
-            <a:prstGeom prst="curvedLeftArrow">
-              <a:avLst/>
-            </a:prstGeom>
-          </p:spPr>
-          <p:style>
-            <a:lnRef idx="2">
-              <a:schemeClr val="accent1">
-                <a:shade val="50000"/>
-              </a:schemeClr>
-            </a:lnRef>
-            <a:fillRef idx="1">
-              <a:schemeClr val="accent1"/>
-            </a:fillRef>
-            <a:effectRef idx="0">
-              <a:schemeClr val="accent1"/>
-            </a:effectRef>
-            <a:fontRef idx="minor">
-              <a:schemeClr val="lt1"/>
-            </a:fontRef>
-          </p:style>
-          <p:txBody>
-            <a:bodyPr rtlCol="0" anchor="ctr"/>
-            <a:lstStyle/>
-            <a:p>
-              <a:pPr algn="ctr"/>
-              <a:endParaRPr lang="zh-CN" altLang="en-US">
-                <a:solidFill>
-                  <a:schemeClr val="tx1"/>
-                </a:solidFill>
-              </a:endParaRPr>
-            </a:p>
-          </p:txBody>
-        </p:sp>
-        <p:sp>
-          <p:nvSpPr>
-            <p:cNvPr id="57" name="箭头: 左弧形 56">
-              <a:extLst>
-                <a:ext uri="{FF2B5EF4-FFF2-40B4-BE49-F238E27FC236}">
-                  <a16:creationId xmlns:a16="http://schemas.microsoft.com/office/drawing/2014/main" id="{93797E27-7E7C-4907-BB51-D62E9E8F0046}"/>
-                </a:ext>
-              </a:extLst>
-            </p:cNvPr>
-            <p:cNvSpPr/>
-            <p:nvPr/>
-          </p:nvSpPr>
-          <p:spPr>
-            <a:xfrm>
-              <a:off x="6428442" y="735623"/>
-              <a:ext cx="258683" cy="866731"/>
-            </a:xfrm>
-            <a:prstGeom prst="curvedRightArrow">
-              <a:avLst/>
-            </a:prstGeom>
-          </p:spPr>
-          <p:style>
-            <a:lnRef idx="2">
-              <a:schemeClr val="accent1">
-                <a:shade val="50000"/>
-              </a:schemeClr>
-            </a:lnRef>
-            <a:fillRef idx="1">
-              <a:schemeClr val="accent1"/>
-            </a:fillRef>
-            <a:effectRef idx="0">
-              <a:schemeClr val="accent1"/>
-            </a:effectRef>
-            <a:fontRef idx="minor">
-              <a:schemeClr val="lt1"/>
-            </a:fontRef>
-          </p:style>
-          <p:txBody>
-            <a:bodyPr rtlCol="0" anchor="ctr"/>
-            <a:lstStyle/>
-            <a:p>
-              <a:pPr algn="ctr"/>
-              <a:endParaRPr lang="zh-CN" altLang="en-US">
-                <a:solidFill>
-                  <a:schemeClr val="tx1"/>
-                </a:solidFill>
-              </a:endParaRPr>
-            </a:p>
-          </p:txBody>
-        </p:sp>
-        <p:sp>
-          <p:nvSpPr>
-            <p:cNvPr id="58" name="箭头: 右弧形 57">
-              <a:extLst>
-                <a:ext uri="{FF2B5EF4-FFF2-40B4-BE49-F238E27FC236}">
-                  <a16:creationId xmlns:a16="http://schemas.microsoft.com/office/drawing/2014/main" id="{4DAF0605-4A04-46B6-9500-C9A8DFAE8FB8}"/>
-                </a:ext>
-              </a:extLst>
-            </p:cNvPr>
-            <p:cNvSpPr/>
-            <p:nvPr/>
-          </p:nvSpPr>
-          <p:spPr>
-            <a:xfrm>
-              <a:off x="7451580" y="1602354"/>
-              <a:ext cx="229927" cy="266156"/>
-            </a:xfrm>
-            <a:prstGeom prst="curvedLeftArrow">
-              <a:avLst/>
-            </a:prstGeom>
-          </p:spPr>
-          <p:style>
-            <a:lnRef idx="2">
-              <a:schemeClr val="accent1">
-                <a:shade val="50000"/>
-              </a:schemeClr>
-            </a:lnRef>
-            <a:fillRef idx="1">
-              <a:schemeClr val="accent1"/>
-            </a:fillRef>
-            <a:effectRef idx="0">
-              <a:schemeClr val="accent1"/>
-            </a:effectRef>
-            <a:fontRef idx="minor">
-              <a:schemeClr val="lt1"/>
-            </a:fontRef>
-          </p:style>
-          <p:txBody>
-            <a:bodyPr rtlCol="0" anchor="ctr"/>
-            <a:lstStyle/>
-            <a:p>
-              <a:pPr algn="ctr"/>
-              <a:endParaRPr lang="zh-CN" altLang="en-US">
-                <a:solidFill>
-                  <a:schemeClr val="tx1"/>
-                </a:solidFill>
-              </a:endParaRPr>
-            </a:p>
-          </p:txBody>
-        </p:sp>
-        <p:sp>
-          <p:nvSpPr>
-            <p:cNvPr id="59" name="箭头: 左弧形 58">
-              <a:extLst>
-                <a:ext uri="{FF2B5EF4-FFF2-40B4-BE49-F238E27FC236}">
-                  <a16:creationId xmlns:a16="http://schemas.microsoft.com/office/drawing/2014/main" id="{5786ABD4-4CF4-4DE7-AF43-4A949689BE78}"/>
-                </a:ext>
-              </a:extLst>
-            </p:cNvPr>
-            <p:cNvSpPr/>
-            <p:nvPr/>
-          </p:nvSpPr>
-          <p:spPr>
-            <a:xfrm>
-              <a:off x="6435801" y="1312147"/>
-              <a:ext cx="235725" cy="866731"/>
-            </a:xfrm>
-            <a:prstGeom prst="curvedRightArrow">
-              <a:avLst/>
-            </a:prstGeom>
-          </p:spPr>
-          <p:style>
-            <a:lnRef idx="2">
-              <a:schemeClr val="accent1">
-                <a:shade val="50000"/>
-              </a:schemeClr>
-            </a:lnRef>
-            <a:fillRef idx="1">
-              <a:schemeClr val="accent1"/>
-            </a:fillRef>
-            <a:effectRef idx="0">
-              <a:schemeClr val="accent1"/>
-            </a:effectRef>
-            <a:fontRef idx="minor">
-              <a:schemeClr val="lt1"/>
-            </a:fontRef>
-          </p:style>
-          <p:txBody>
-            <a:bodyPr rtlCol="0" anchor="ctr"/>
-            <a:lstStyle/>
-            <a:p>
-              <a:pPr algn="ctr"/>
-              <a:endParaRPr lang="zh-CN" altLang="en-US">
-                <a:solidFill>
-                  <a:schemeClr val="tx1"/>
-                </a:solidFill>
-              </a:endParaRPr>
-            </a:p>
-          </p:txBody>
-        </p:sp>
-        <p:sp>
-          <p:nvSpPr>
-            <p:cNvPr id="60" name="箭头: 右弧形 59">
-              <a:extLst>
-                <a:ext uri="{FF2B5EF4-FFF2-40B4-BE49-F238E27FC236}">
-                  <a16:creationId xmlns:a16="http://schemas.microsoft.com/office/drawing/2014/main" id="{ABB0F417-8723-4239-B1AF-8BB1F0263AD3}"/>
-                </a:ext>
-              </a:extLst>
-            </p:cNvPr>
-            <p:cNvSpPr/>
-            <p:nvPr/>
-          </p:nvSpPr>
-          <p:spPr>
-            <a:xfrm>
-              <a:off x="7451580" y="1892561"/>
-              <a:ext cx="229927" cy="266156"/>
-            </a:xfrm>
-            <a:prstGeom prst="curvedLeftArrow">
-              <a:avLst/>
-            </a:prstGeom>
-          </p:spPr>
-          <p:style>
-            <a:lnRef idx="2">
-              <a:schemeClr val="accent1">
-                <a:shade val="50000"/>
-              </a:schemeClr>
-            </a:lnRef>
-            <a:fillRef idx="1">
-              <a:schemeClr val="accent1"/>
-            </a:fillRef>
-            <a:effectRef idx="0">
-              <a:schemeClr val="accent1"/>
-            </a:effectRef>
-            <a:fontRef idx="minor">
-              <a:schemeClr val="lt1"/>
-            </a:fontRef>
-          </p:style>
-          <p:txBody>
-            <a:bodyPr rtlCol="0" anchor="ctr"/>
-            <a:lstStyle/>
-            <a:p>
-              <a:pPr algn="ctr"/>
-              <a:endParaRPr lang="zh-CN" altLang="en-US">
-                <a:solidFill>
-                  <a:schemeClr val="tx1"/>
-                </a:solidFill>
-              </a:endParaRPr>
-            </a:p>
-          </p:txBody>
-        </p:sp>
-      </p:grpSp>
-      <p:sp>
-        <p:nvSpPr>
-          <p:cNvPr id="61" name="文本框 60">
-            <a:extLst>
-              <a:ext uri="{FF2B5EF4-FFF2-40B4-BE49-F238E27FC236}">
-                <a16:creationId xmlns:a16="http://schemas.microsoft.com/office/drawing/2014/main" id="{FF66B005-9182-4F79-900C-6D5FAA052026}"/>
-              </a:ext>
-            </a:extLst>
-          </p:cNvPr>
-          <p:cNvSpPr txBox="1"/>
-          <p:nvPr/>
-        </p:nvSpPr>
-        <p:spPr>
-          <a:xfrm>
-            <a:off x="6522177" y="2841301"/>
-            <a:ext cx="2668977" cy="646331"/>
-          </a:xfrm>
-          <a:prstGeom prst="rect">
-            <a:avLst/>
-          </a:prstGeom>
-          <a:noFill/>
-        </p:spPr>
-        <p:txBody>
-          <a:bodyPr wrap="square" rtlCol="0">
-            <a:spAutoFit/>
-          </a:bodyPr>
-          <a:lstStyle/>
-          <a:p>
-            <a:r>
-              <a:rPr lang="en-US" altLang="zh-CN" dirty="0"/>
-              <a:t>2. Tree Flattening &amp;</a:t>
-            </a:r>
-          </a:p>
-          <a:p>
-            <a:r>
-              <a:rPr lang="en-US" altLang="zh-CN" dirty="0"/>
-              <a:t>DAG generation</a:t>
-            </a:r>
-            <a:endParaRPr lang="zh-CN" altLang="en-US" dirty="0"/>
-          </a:p>
-        </p:txBody>
-      </p:sp>
-      <p:sp>
-        <p:nvSpPr>
-          <p:cNvPr id="62" name="箭头: 右 61">
-            <a:extLst>
-              <a:ext uri="{FF2B5EF4-FFF2-40B4-BE49-F238E27FC236}">
-                <a16:creationId xmlns:a16="http://schemas.microsoft.com/office/drawing/2014/main" id="{0673DF3F-A9A6-4CF3-9DA6-CBC520A4F9A6}"/>
-              </a:ext>
-            </a:extLst>
-          </p:cNvPr>
-          <p:cNvSpPr/>
-          <p:nvPr/>
-        </p:nvSpPr>
-        <p:spPr>
-          <a:xfrm>
-            <a:off x="7094279" y="1617068"/>
-            <a:ext cx="475212" cy="157662"/>
-          </a:xfrm>
-          <a:prstGeom prst="rightArrow">
-            <a:avLst/>
-          </a:prstGeom>
-        </p:spPr>
-        <p:style>
-          <a:lnRef idx="2">
-            <a:schemeClr val="accent1">
-              <a:shade val="50000"/>
-            </a:schemeClr>
-          </a:lnRef>
-          <a:fillRef idx="1">
-            <a:schemeClr val="accent1"/>
-          </a:fillRef>
-          <a:effectRef idx="0">
-            <a:schemeClr val="accent1"/>
-          </a:effectRef>
-          <a:fontRef idx="minor">
-            <a:schemeClr val="lt1"/>
-          </a:fontRef>
-        </p:style>
-        <p:txBody>
-          <a:bodyPr rtlCol="0" anchor="ctr"/>
-          <a:lstStyle/>
-          <a:p>
-            <a:pPr algn="ctr"/>
-            <a:endParaRPr lang="zh-CN" altLang="en-US"/>
-          </a:p>
-        </p:txBody>
-      </p:sp>
-      <p:graphicFrame>
-        <p:nvGraphicFramePr>
-          <p:cNvPr id="63" name="图示 62">
-            <a:extLst>
-              <a:ext uri="{FF2B5EF4-FFF2-40B4-BE49-F238E27FC236}">
-                <a16:creationId xmlns:a16="http://schemas.microsoft.com/office/drawing/2014/main" id="{52149AC7-7FED-48E7-8CD0-C914E532FDDC}"/>
-              </a:ext>
-            </a:extLst>
-          </p:cNvPr>
-          <p:cNvGraphicFramePr/>
-          <p:nvPr>
-            <p:extLst>
-              <p:ext uri="{D42A27DB-BD31-4B8C-83A1-F6EECF244321}">
-                <p14:modId xmlns:p14="http://schemas.microsoft.com/office/powerpoint/2010/main" val="2074988956"/>
-              </p:ext>
-            </p:extLst>
-          </p:nvPr>
-        </p:nvGraphicFramePr>
-        <p:xfrm>
-          <a:off x="2409529" y="2853149"/>
-          <a:ext cx="3757725" cy="3299656"/>
-        </p:xfrm>
-        <a:graphic>
-          <a:graphicData uri="http://schemas.openxmlformats.org/drawingml/2006/diagram">
-            <dgm:relIds xmlns:dgm="http://schemas.openxmlformats.org/drawingml/2006/diagram" xmlns:r="http://schemas.openxmlformats.org/officeDocument/2006/relationships" r:dm="rId13" r:lo="rId14" r:qs="rId15" r:cs="rId16"/>
-          </a:graphicData>
-        </a:graphic>
-      </p:graphicFrame>
-      <p:sp>
-        <p:nvSpPr>
-          <p:cNvPr id="65" name="箭头: 右 64">
-            <a:extLst>
-              <a:ext uri="{FF2B5EF4-FFF2-40B4-BE49-F238E27FC236}">
-                <a16:creationId xmlns:a16="http://schemas.microsoft.com/office/drawing/2014/main" id="{32C36C02-6E85-4D6D-82B7-843C0DD437FB}"/>
-              </a:ext>
-            </a:extLst>
-          </p:cNvPr>
-          <p:cNvSpPr/>
-          <p:nvPr/>
-        </p:nvSpPr>
-        <p:spPr>
-          <a:xfrm rot="8100000">
-            <a:off x="6181398" y="3964887"/>
-            <a:ext cx="1316631" cy="166911"/>
-          </a:xfrm>
-          <a:prstGeom prst="rightArrow">
-            <a:avLst/>
-          </a:prstGeom>
-        </p:spPr>
-        <p:style>
-          <a:lnRef idx="2">
-            <a:schemeClr val="accent1">
-              <a:shade val="50000"/>
-            </a:schemeClr>
-          </a:lnRef>
-          <a:fillRef idx="1">
-            <a:schemeClr val="accent1"/>
-          </a:fillRef>
-          <a:effectRef idx="0">
-            <a:schemeClr val="accent1"/>
-          </a:effectRef>
-          <a:fontRef idx="minor">
-            <a:schemeClr val="lt1"/>
-          </a:fontRef>
-        </p:style>
-        <p:txBody>
-          <a:bodyPr rtlCol="0" anchor="ctr"/>
-          <a:lstStyle/>
-          <a:p>
-            <a:pPr algn="ctr"/>
-            <a:endParaRPr lang="zh-CN" altLang="en-US"/>
-          </a:p>
-        </p:txBody>
-      </p:sp>
-      <p:sp>
-        <p:nvSpPr>
-          <p:cNvPr id="66" name="文本框 65">
-            <a:extLst>
-              <a:ext uri="{FF2B5EF4-FFF2-40B4-BE49-F238E27FC236}">
-                <a16:creationId xmlns:a16="http://schemas.microsoft.com/office/drawing/2014/main" id="{B5CA5AF2-6956-429A-BB6A-B90C9600123D}"/>
-              </a:ext>
-            </a:extLst>
-          </p:cNvPr>
-          <p:cNvSpPr txBox="1"/>
-          <p:nvPr/>
-        </p:nvSpPr>
-        <p:spPr>
-          <a:xfrm>
-            <a:off x="2836830" y="5587424"/>
-            <a:ext cx="2668977" cy="369332"/>
-          </a:xfrm>
-          <a:prstGeom prst="rect">
-            <a:avLst/>
-          </a:prstGeom>
-          <a:noFill/>
-        </p:spPr>
-        <p:txBody>
-          <a:bodyPr wrap="square" rtlCol="0">
-            <a:spAutoFit/>
-          </a:bodyPr>
-          <a:lstStyle/>
-          <a:p>
-            <a:r>
-              <a:rPr lang="en-US" altLang="zh-CN" dirty="0"/>
-              <a:t>3. Scheduling the Tasks</a:t>
-            </a:r>
-          </a:p>
-        </p:txBody>
-      </p:sp>
-      <p:sp>
-        <p:nvSpPr>
-          <p:cNvPr id="68" name="箭头: 右 67">
-            <a:extLst>
-              <a:ext uri="{FF2B5EF4-FFF2-40B4-BE49-F238E27FC236}">
-                <a16:creationId xmlns:a16="http://schemas.microsoft.com/office/drawing/2014/main" id="{91E2D8CF-769E-42B3-BA69-60CCFB9CB550}"/>
-              </a:ext>
-            </a:extLst>
-          </p:cNvPr>
-          <p:cNvSpPr/>
-          <p:nvPr/>
-        </p:nvSpPr>
-        <p:spPr>
-          <a:xfrm>
-            <a:off x="6654248" y="4608384"/>
-            <a:ext cx="862181" cy="157662"/>
-          </a:xfrm>
-          <a:prstGeom prst="rightArrow">
-            <a:avLst/>
-          </a:prstGeom>
-        </p:spPr>
-        <p:style>
-          <a:lnRef idx="2">
-            <a:schemeClr val="accent1">
-              <a:shade val="50000"/>
-            </a:schemeClr>
-          </a:lnRef>
-          <a:fillRef idx="1">
-            <a:schemeClr val="accent1"/>
-          </a:fillRef>
-          <a:effectRef idx="0">
-            <a:schemeClr val="accent1"/>
-          </a:effectRef>
-          <a:fontRef idx="minor">
-            <a:schemeClr val="lt1"/>
-          </a:fontRef>
-        </p:style>
-        <p:txBody>
-          <a:bodyPr rtlCol="0" anchor="ctr"/>
-          <a:lstStyle/>
-          <a:p>
-            <a:pPr algn="ctr"/>
-            <a:endParaRPr lang="zh-CN" altLang="en-US"/>
-          </a:p>
-        </p:txBody>
-      </p:sp>
-      <p:sp>
-        <p:nvSpPr>
-          <p:cNvPr id="69" name="矩形 68">
-            <a:extLst>
-              <a:ext uri="{FF2B5EF4-FFF2-40B4-BE49-F238E27FC236}">
-                <a16:creationId xmlns:a16="http://schemas.microsoft.com/office/drawing/2014/main" id="{70545C09-475D-46B8-918E-939AF23A28D2}"/>
-              </a:ext>
-            </a:extLst>
-          </p:cNvPr>
-          <p:cNvSpPr/>
-          <p:nvPr/>
-        </p:nvSpPr>
-        <p:spPr>
-          <a:xfrm>
-            <a:off x="7946036" y="3603980"/>
-            <a:ext cx="1592159" cy="1887405"/>
-          </a:xfrm>
-          <a:prstGeom prst="rect">
-            <a:avLst/>
-          </a:prstGeom>
-          <a:solidFill>
-            <a:srgbClr val="7030A0"/>
-          </a:solidFill>
-        </p:spPr>
-        <p:style>
-          <a:lnRef idx="2">
-            <a:schemeClr val="accent1">
-              <a:shade val="50000"/>
-            </a:schemeClr>
-          </a:lnRef>
-          <a:fillRef idx="1">
-            <a:schemeClr val="accent1"/>
-          </a:fillRef>
-          <a:effectRef idx="0">
-            <a:schemeClr val="accent1"/>
-          </a:effectRef>
-          <a:fontRef idx="minor">
-            <a:schemeClr val="lt1"/>
-          </a:fontRef>
-        </p:style>
-        <p:txBody>
-          <a:bodyPr rtlCol="0" anchor="ctr"/>
-          <a:lstStyle/>
-          <a:p>
-            <a:pPr algn="ctr"/>
-            <a:r>
-              <a:rPr lang="en-US" altLang="zh-CN" dirty="0"/>
-              <a:t>GPU readable:</a:t>
-            </a:r>
-          </a:p>
-          <a:p>
-            <a:pPr algn="ctr"/>
-            <a:r>
-              <a:rPr lang="en-US" altLang="zh-CN" dirty="0"/>
-              <a:t>Routine IDs</a:t>
-            </a:r>
-          </a:p>
-          <a:p>
-            <a:pPr algn="ctr"/>
-            <a:r>
-              <a:rPr lang="en-US" altLang="zh-CN" dirty="0"/>
-              <a:t>Matrix Dims</a:t>
-            </a:r>
-          </a:p>
-          <a:p>
-            <a:pPr algn="ctr"/>
-            <a:r>
-              <a:rPr lang="en-US" altLang="zh-CN" dirty="0"/>
-              <a:t>Data </a:t>
-            </a:r>
-            <a:r>
-              <a:rPr lang="en-US" altLang="zh-CN" dirty="0" err="1"/>
-              <a:t>Ptrs</a:t>
-            </a:r>
-            <a:endParaRPr lang="en-US" altLang="zh-CN" dirty="0"/>
-          </a:p>
-          <a:p>
-            <a:pPr algn="ctr"/>
-            <a:r>
-              <a:rPr lang="en-US" altLang="zh-CN" dirty="0"/>
-              <a:t>…</a:t>
-            </a:r>
-          </a:p>
-        </p:txBody>
-      </p:sp>
-      <p:sp>
-        <p:nvSpPr>
-          <p:cNvPr id="70" name="文本框 69">
-            <a:extLst>
-              <a:ext uri="{FF2B5EF4-FFF2-40B4-BE49-F238E27FC236}">
-                <a16:creationId xmlns:a16="http://schemas.microsoft.com/office/drawing/2014/main" id="{EFC18ED2-FFF2-4E0C-81A9-6B1D80EAC289}"/>
-              </a:ext>
-            </a:extLst>
-          </p:cNvPr>
-          <p:cNvSpPr txBox="1"/>
-          <p:nvPr/>
-        </p:nvSpPr>
-        <p:spPr>
-          <a:xfrm>
-            <a:off x="6503035" y="5613462"/>
-            <a:ext cx="2668977" cy="369332"/>
-          </a:xfrm>
-          <a:prstGeom prst="rect">
-            <a:avLst/>
-          </a:prstGeom>
-          <a:noFill/>
-        </p:spPr>
-        <p:txBody>
-          <a:bodyPr wrap="square" rtlCol="0">
-            <a:spAutoFit/>
-          </a:bodyPr>
-          <a:lstStyle/>
-          <a:p>
-            <a:r>
-              <a:rPr lang="en-US" altLang="zh-CN" dirty="0"/>
-              <a:t>4. GPU Inst generation</a:t>
-            </a:r>
-          </a:p>
-        </p:txBody>
-      </p:sp>
-    </p:spTree>
-    <p:extLst>
-      <p:ext uri="{BB962C8B-B14F-4D97-AF65-F5344CB8AC3E}">
-        <p14:creationId xmlns:p14="http://schemas.microsoft.com/office/powerpoint/2010/main" val="4226327784"/>
-      </p:ext>
-    </p:extLst>
-  </p:cSld>
-  <p:clrMapOvr>
-    <a:masterClrMapping/>
-  </p:clrMapOvr>
-</p:sld>
-</file>
-
 <file path=ppt/theme/theme1.xml><?xml version="1.0" encoding="utf-8"?>
 <a:theme xmlns:a="http://schemas.openxmlformats.org/drawingml/2006/main" name="HDOfficeLightV0">
   <a:themeElements>
